--- a/Mock-Up 1.pptx
+++ b/Mock-Up 1.pptx
@@ -18,6 +18,12 @@
     <p:sldId id="263" r:id="rId13"/>
     <p:sldId id="264" r:id="rId14"/>
     <p:sldId id="265" r:id="rId15"/>
+    <p:sldId id="266" r:id="rId16"/>
+    <p:sldId id="267" r:id="rId17"/>
+    <p:sldId id="268" r:id="rId18"/>
+    <p:sldId id="269" r:id="rId19"/>
+    <p:sldId id="270" r:id="rId20"/>
+    <p:sldId id="271" r:id="rId21"/>
   </p:sldIdLst>
   <p:sldSz cy="5143500" cx="9144000"/>
   <p:notesSz cy="9144000" cx="6858000"/>
@@ -348,7 +354,7 @@
   <p:cSld>
     <p:spTree>
       <p:nvGrpSpPr>
-        <p:cNvPr id="29" name="Shape 29"/>
+        <p:cNvPr id="33" name="Shape 33"/>
         <p:cNvGrpSpPr/>
         <p:nvPr/>
       </p:nvGrpSpPr>
@@ -362,7 +368,7 @@
       </p:grpSpPr>
       <p:sp>
         <p:nvSpPr>
-          <p:cNvPr id="30" name="Shape 30"/>
+          <p:cNvPr id="34" name="Shape 34"/>
           <p:cNvSpPr/>
           <p:nvPr>
             <p:ph idx="2" type="sldImg"/>
@@ -371,7 +377,7 @@
         <p:spPr>
           <a:xfrm>
             <a:off y="685800" x="1143225"/>
-            <a:ext cy="3429000" cx="4572225"/>
+            <a:ext cy="3429000" cx="4572299"/>
           </a:xfrm>
           <a:custGeom>
             <a:pathLst>
@@ -396,7 +402,7 @@
       </p:sp>
       <p:sp>
         <p:nvSpPr>
-          <p:cNvPr id="31" name="Shape 31"/>
+          <p:cNvPr id="35" name="Shape 35"/>
           <p:cNvSpPr txBox="1"/>
           <p:nvPr>
             <p:ph idx="1" type="body"/>
@@ -417,12 +423,21 @@
           </a:bodyPr>
           <a:lstStyle/>
           <a:p>
-            <a:pPr>
-              <a:buNone/>
-            </a:pPr>
-            <a:r>
-              <a:rPr lang="en"/>
-              <a:t>Only Active Verbs has full content</a:t>
+            <a:pPr rtl="0" lvl="0">
+              <a:buNone/>
+            </a:pPr>
+            <a:r>
+              <a:rPr lang="en"/>
+              <a:t>Student logs in to start Grammar Brushstrokes. </a:t>
+            </a:r>
+          </a:p>
+          <a:p>
+            <a:pPr rtl="0" lvl="0">
+              <a:buNone/>
+            </a:pPr>
+            <a:r>
+              <a:rPr lang="en"/>
+              <a:t>Not sure if tabs will be there at login screen or even if the student starts at a login screen.</a:t>
             </a:r>
           </a:p>
         </p:txBody>
@@ -440,7 +455,7 @@
   <p:cSld>
     <p:spTree>
       <p:nvGrpSpPr>
-        <p:cNvPr id="129" name="Shape 129"/>
+        <p:cNvPr id="166" name="Shape 166"/>
         <p:cNvGrpSpPr/>
         <p:nvPr/>
       </p:nvGrpSpPr>
@@ -454,7 +469,7 @@
       </p:grpSpPr>
       <p:sp>
         <p:nvSpPr>
-          <p:cNvPr id="130" name="Shape 130"/>
+          <p:cNvPr id="167" name="Shape 167"/>
           <p:cNvSpPr/>
           <p:nvPr>
             <p:ph idx="2" type="sldImg"/>
@@ -488,7 +503,7 @@
       </p:sp>
       <p:sp>
         <p:nvSpPr>
-          <p:cNvPr id="131" name="Shape 131"/>
+          <p:cNvPr id="168" name="Shape 168"/>
           <p:cNvSpPr txBox="1"/>
           <p:nvPr>
             <p:ph idx="1" type="body"/>
@@ -508,7 +523,15 @@
             <a:noAutofit/>
           </a:bodyPr>
           <a:lstStyle/>
-          <a:p/>
+          <a:p>
+            <a:pPr rtl="0" lvl="0">
+              <a:buNone/>
+            </a:pPr>
+            <a:r>
+              <a:rPr lang="en"/>
+              <a:t>Here the Student gets an overview of the sentences their peer wrote and is denoted by “A, B, C”. No identification of the peer should be here. The Peer’s pictures could be different from what the student wrote about.</a:t>
+            </a:r>
+          </a:p>
         </p:txBody>
       </p:sp>
     </p:spTree>
@@ -519,12 +542,12 @@
 </p:notes>
 </file>
 
-<file path=ppt/notesSlides/notesSlide2.xml><?xml version="1.0" encoding="utf-8"?>
+<file path=ppt/notesSlides/notesSlide11.xml><?xml version="1.0" encoding="utf-8"?>
 <p:notes xmlns:a="http://schemas.openxmlformats.org/drawingml/2006/main" xmlns:r="http://schemas.openxmlformats.org/officeDocument/2006/relationships" xmlns:mc="http://schemas.openxmlformats.org/markup-compatibility/2006" xmlns:mv="urn:schemas-microsoft-com:mac:vml" xmlns:p="http://schemas.openxmlformats.org/presentationml/2006/main" xmlns:c="http://schemas.openxmlformats.org/drawingml/2006/chart" xmlns:dgm="http://schemas.openxmlformats.org/drawingml/2006/diagram" xmlns:o="urn:schemas-microsoft-com:office:office" xmlns:v="urn:schemas-microsoft-com:vml" xmlns:pvml="urn:schemas-microsoft-com:office:powerpoint" xmlns:com="http://schemas.openxmlformats.org/drawingml/2006/compatibility" xmlns:p14="http://schemas.microsoft.com/office/powerpoint/2010/main" showMasterSp="0" showMasterPhAnim="0">
   <p:cSld>
     <p:spTree>
       <p:nvGrpSpPr>
-        <p:cNvPr id="40" name="Shape 40"/>
+        <p:cNvPr id="177" name="Shape 177"/>
         <p:cNvGrpSpPr/>
         <p:nvPr/>
       </p:nvGrpSpPr>
@@ -538,7 +561,7 @@
       </p:grpSpPr>
       <p:sp>
         <p:nvSpPr>
-          <p:cNvPr id="41" name="Shape 41"/>
+          <p:cNvPr id="178" name="Shape 178"/>
           <p:cNvSpPr/>
           <p:nvPr>
             <p:ph idx="2" type="sldImg"/>
@@ -572,7 +595,7 @@
       </p:sp>
       <p:sp>
         <p:nvSpPr>
-          <p:cNvPr id="42" name="Shape 42"/>
+          <p:cNvPr id="179" name="Shape 179"/>
           <p:cNvSpPr txBox="1"/>
           <p:nvPr>
             <p:ph idx="1" type="body"/>
@@ -592,7 +615,15 @@
             <a:noAutofit/>
           </a:bodyPr>
           <a:lstStyle/>
-          <a:p/>
+          <a:p>
+            <a:pPr rtl="0" lvl="0">
+              <a:buNone/>
+            </a:pPr>
+            <a:r>
+              <a:rPr lang="en"/>
+              <a:t>Similar to after your responses have been sent you’ll be sent to this page. If your work isn’t done you’ll just sit here for now. You should be told of any actions you have left. Hopefully they would have their work already reviewed this time.</a:t>
+            </a:r>
+          </a:p>
         </p:txBody>
       </p:sp>
     </p:spTree>
@@ -603,12 +634,12 @@
 </p:notes>
 </file>
 
-<file path=ppt/notesSlides/notesSlide3.xml><?xml version="1.0" encoding="utf-8"?>
+<file path=ppt/notesSlides/notesSlide12.xml><?xml version="1.0" encoding="utf-8"?>
 <p:notes xmlns:a="http://schemas.openxmlformats.org/drawingml/2006/main" xmlns:r="http://schemas.openxmlformats.org/officeDocument/2006/relationships" xmlns:mc="http://schemas.openxmlformats.org/markup-compatibility/2006" xmlns:mv="urn:schemas-microsoft-com:mac:vml" xmlns:p="http://schemas.openxmlformats.org/presentationml/2006/main" xmlns:c="http://schemas.openxmlformats.org/drawingml/2006/chart" xmlns:dgm="http://schemas.openxmlformats.org/drawingml/2006/diagram" xmlns:o="urn:schemas-microsoft-com:office:office" xmlns:v="urn:schemas-microsoft-com:vml" xmlns:pvml="urn:schemas-microsoft-com:office:powerpoint" xmlns:com="http://schemas.openxmlformats.org/drawingml/2006/compatibility" xmlns:p14="http://schemas.microsoft.com/office/powerpoint/2010/main" showMasterSp="0" showMasterPhAnim="0">
   <p:cSld>
     <p:spTree>
       <p:nvGrpSpPr>
-        <p:cNvPr id="54" name="Shape 54"/>
+        <p:cNvPr id="202" name="Shape 202"/>
         <p:cNvGrpSpPr/>
         <p:nvPr/>
       </p:nvGrpSpPr>
@@ -622,7 +653,7 @@
       </p:grpSpPr>
       <p:sp>
         <p:nvSpPr>
-          <p:cNvPr id="55" name="Shape 55"/>
+          <p:cNvPr id="203" name="Shape 203"/>
           <p:cNvSpPr/>
           <p:nvPr>
             <p:ph idx="2" type="sldImg"/>
@@ -656,7 +687,7 @@
       </p:sp>
       <p:sp>
         <p:nvSpPr>
-          <p:cNvPr id="56" name="Shape 56"/>
+          <p:cNvPr id="204" name="Shape 204"/>
           <p:cNvSpPr txBox="1"/>
           <p:nvPr>
             <p:ph idx="1" type="body"/>
@@ -682,7 +713,34 @@
             </a:pPr>
             <a:r>
               <a:rPr lang="en"/>
-              <a:t>ineffective and effective</a:t>
+              <a:t>Here the Student gets an overview of the sentences they wrote along with the picture. The boxes could presumably be editable from this section if they wish to change their answer.</a:t>
+            </a:r>
+          </a:p>
+          <a:p>
+            <a:pPr rtl="0" lvl="0">
+              <a:buNone/>
+            </a:pPr>
+            <a:r>
+              <a:rPr lang="en"/>
+              <a:t>Notice that the sentence box is greyed out to show this cannot be edited. Assume Student Responses should be clearly editable.</a:t>
+            </a:r>
+          </a:p>
+          <a:p>
+            <a:pPr rtl="0" lvl="0">
+              <a:buNone/>
+            </a:pPr>
+            <a:r>
+              <a:rPr lang="en"/>
+              <a:t> </a:t>
+            </a:r>
+          </a:p>
+          <a:p>
+            <a:pPr rtl="0" lvl="0">
+              <a:buNone/>
+            </a:pPr>
+            <a:r>
+              <a:rPr lang="en"/>
+              <a:t>If they have more than one peer review, there could be a small tabbed window with “Peer 1”, “Peer 2”, etc.</a:t>
             </a:r>
           </a:p>
         </p:txBody>
@@ -695,12 +753,12 @@
 </p:notes>
 </file>
 
-<file path=ppt/notesSlides/notesSlide4.xml><?xml version="1.0" encoding="utf-8"?>
+<file path=ppt/notesSlides/notesSlide13.xml><?xml version="1.0" encoding="utf-8"?>
 <p:notes xmlns:a="http://schemas.openxmlformats.org/drawingml/2006/main" xmlns:r="http://schemas.openxmlformats.org/officeDocument/2006/relationships" xmlns:mc="http://schemas.openxmlformats.org/markup-compatibility/2006" xmlns:mv="urn:schemas-microsoft-com:mac:vml" xmlns:p="http://schemas.openxmlformats.org/presentationml/2006/main" xmlns:c="http://schemas.openxmlformats.org/drawingml/2006/chart" xmlns:dgm="http://schemas.openxmlformats.org/drawingml/2006/diagram" xmlns:o="urn:schemas-microsoft-com:office:office" xmlns:v="urn:schemas-microsoft-com:vml" xmlns:pvml="urn:schemas-microsoft-com:office:powerpoint" xmlns:com="http://schemas.openxmlformats.org/drawingml/2006/compatibility" xmlns:p14="http://schemas.microsoft.com/office/powerpoint/2010/main" showMasterSp="0" showMasterPhAnim="0">
   <p:cSld>
     <p:spTree>
       <p:nvGrpSpPr>
-        <p:cNvPr id="68" name="Shape 68"/>
+        <p:cNvPr id="211" name="Shape 211"/>
         <p:cNvGrpSpPr/>
         <p:nvPr/>
       </p:nvGrpSpPr>
@@ -714,7 +772,7 @@
       </p:grpSpPr>
       <p:sp>
         <p:nvSpPr>
-          <p:cNvPr id="69" name="Shape 69"/>
+          <p:cNvPr id="212" name="Shape 212"/>
           <p:cNvSpPr/>
           <p:nvPr>
             <p:ph idx="2" type="sldImg"/>
@@ -748,7 +806,7 @@
       </p:sp>
       <p:sp>
         <p:nvSpPr>
-          <p:cNvPr id="70" name="Shape 70"/>
+          <p:cNvPr id="213" name="Shape 213"/>
           <p:cNvSpPr txBox="1"/>
           <p:nvPr>
             <p:ph idx="1" type="body"/>
@@ -769,12 +827,12 @@
           </a:bodyPr>
           <a:lstStyle/>
           <a:p>
-            <a:pPr>
-              <a:buNone/>
-            </a:pPr>
-            <a:r>
-              <a:rPr lang="en"/>
-              <a:t>note that this photo should be different from the example</a:t>
+            <a:pPr rtl="0" lvl="0">
+              <a:buNone/>
+            </a:pPr>
+            <a:r>
+              <a:rPr lang="en"/>
+              <a:t>(Repeat process for each)</a:t>
             </a:r>
           </a:p>
         </p:txBody>
@@ -787,12 +845,12 @@
 </p:notes>
 </file>
 
-<file path=ppt/notesSlides/notesSlide5.xml><?xml version="1.0" encoding="utf-8"?>
+<file path=ppt/notesSlides/notesSlide14.xml><?xml version="1.0" encoding="utf-8"?>
 <p:notes xmlns:a="http://schemas.openxmlformats.org/drawingml/2006/main" xmlns:r="http://schemas.openxmlformats.org/officeDocument/2006/relationships" xmlns:mc="http://schemas.openxmlformats.org/markup-compatibility/2006" xmlns:mv="urn:schemas-microsoft-com:mac:vml" xmlns:p="http://schemas.openxmlformats.org/presentationml/2006/main" xmlns:c="http://schemas.openxmlformats.org/drawingml/2006/chart" xmlns:dgm="http://schemas.openxmlformats.org/drawingml/2006/diagram" xmlns:o="urn:schemas-microsoft-com:office:office" xmlns:v="urn:schemas-microsoft-com:vml" xmlns:pvml="urn:schemas-microsoft-com:office:powerpoint" xmlns:com="http://schemas.openxmlformats.org/drawingml/2006/compatibility" xmlns:p14="http://schemas.microsoft.com/office/powerpoint/2010/main" showMasterSp="0" showMasterPhAnim="0">
   <p:cSld>
     <p:spTree>
       <p:nvGrpSpPr>
-        <p:cNvPr id="82" name="Shape 82"/>
+        <p:cNvPr id="220" name="Shape 220"/>
         <p:cNvGrpSpPr/>
         <p:nvPr/>
       </p:nvGrpSpPr>
@@ -806,7 +864,7 @@
       </p:grpSpPr>
       <p:sp>
         <p:nvSpPr>
-          <p:cNvPr id="83" name="Shape 83"/>
+          <p:cNvPr id="221" name="Shape 221"/>
           <p:cNvSpPr/>
           <p:nvPr>
             <p:ph idx="2" type="sldImg"/>
@@ -840,7 +898,7 @@
       </p:sp>
       <p:sp>
         <p:nvSpPr>
-          <p:cNvPr id="84" name="Shape 84"/>
+          <p:cNvPr id="222" name="Shape 222"/>
           <p:cNvSpPr txBox="1"/>
           <p:nvPr>
             <p:ph idx="1" type="body"/>
@@ -860,15 +918,7 @@
             <a:noAutofit/>
           </a:bodyPr>
           <a:lstStyle/>
-          <a:p>
-            <a:pPr rtl="0" lvl="0">
-              <a:buNone/>
-            </a:pPr>
-            <a:r>
-              <a:rPr lang="en"/>
-              <a:t>note that this photo should be different from the example</a:t>
-            </a:r>
-          </a:p>
+          <a:p/>
         </p:txBody>
       </p:sp>
     </p:spTree>
@@ -879,12 +929,12 @@
 </p:notes>
 </file>
 
-<file path=ppt/notesSlides/notesSlide6.xml><?xml version="1.0" encoding="utf-8"?>
+<file path=ppt/notesSlides/notesSlide15.xml><?xml version="1.0" encoding="utf-8"?>
 <p:notes xmlns:a="http://schemas.openxmlformats.org/drawingml/2006/main" xmlns:r="http://schemas.openxmlformats.org/officeDocument/2006/relationships" xmlns:mc="http://schemas.openxmlformats.org/markup-compatibility/2006" xmlns:mv="urn:schemas-microsoft-com:mac:vml" xmlns:p="http://schemas.openxmlformats.org/presentationml/2006/main" xmlns:c="http://schemas.openxmlformats.org/drawingml/2006/chart" xmlns:dgm="http://schemas.openxmlformats.org/drawingml/2006/diagram" xmlns:o="urn:schemas-microsoft-com:office:office" xmlns:v="urn:schemas-microsoft-com:vml" xmlns:pvml="urn:schemas-microsoft-com:office:powerpoint" xmlns:com="http://schemas.openxmlformats.org/drawingml/2006/compatibility" xmlns:p14="http://schemas.microsoft.com/office/powerpoint/2010/main" showMasterSp="0" showMasterPhAnim="0">
   <p:cSld>
     <p:spTree>
       <p:nvGrpSpPr>
-        <p:cNvPr id="93" name="Shape 93"/>
+        <p:cNvPr id="229" name="Shape 229"/>
         <p:cNvGrpSpPr/>
         <p:nvPr/>
       </p:nvGrpSpPr>
@@ -898,7 +948,7 @@
       </p:grpSpPr>
       <p:sp>
         <p:nvSpPr>
-          <p:cNvPr id="94" name="Shape 94"/>
+          <p:cNvPr id="230" name="Shape 230"/>
           <p:cNvSpPr/>
           <p:nvPr>
             <p:ph idx="2" type="sldImg"/>
@@ -932,7 +982,7 @@
       </p:sp>
       <p:sp>
         <p:nvSpPr>
-          <p:cNvPr id="95" name="Shape 95"/>
+          <p:cNvPr id="231" name="Shape 231"/>
           <p:cNvSpPr txBox="1"/>
           <p:nvPr>
             <p:ph idx="1" type="body"/>
@@ -952,185 +1002,7 @@
             <a:noAutofit/>
           </a:bodyPr>
           <a:lstStyle/>
-          <a:p>
-            <a:pPr rtl="0" lvl="0">
-              <a:buNone/>
-            </a:pPr>
-            <a:r>
-              <a:rPr lang="en"/>
-              <a:t>get feedback from a classmate button</a:t>
-            </a:r>
-          </a:p>
-          <a:p>
-            <a:pPr rtl="0" lvl="0">
-              <a:buNone/>
-            </a:pPr>
-            <a:r>
-              <a:rPr lang="en"/>
-              <a:t>show their 3 sentences</a:t>
-            </a:r>
-          </a:p>
-          <a:p>
-            <a:r>
-              <a:t/>
-            </a:r>
-          </a:p>
-          <a:p>
-            <a:pPr rtl="0" lvl="0">
-              <a:buNone/>
-            </a:pPr>
-            <a:r>
-              <a:rPr lang="en"/>
-              <a:t>peer review</a:t>
-            </a:r>
-          </a:p>
-          <a:p>
-            <a:pPr rtl="0" lvl="0">
-              <a:buNone/>
-            </a:pPr>
-            <a:r>
-              <a:rPr lang="en"/>
-              <a:t>“Which sentence did you like best and why?”</a:t>
-            </a:r>
-          </a:p>
-          <a:p>
-            <a:pPr rtl="0" lvl="0">
-              <a:buNone/>
-            </a:pPr>
-            <a:r>
-              <a:rPr lang="en"/>
-              <a:t>“Which sentence needs to be revised and why?”</a:t>
-            </a:r>
-          </a:p>
-          <a:p>
-            <a:r>
-              <a:t/>
-            </a:r>
-          </a:p>
-          <a:p>
-            <a:pPr rtl="0" lvl="0">
-              <a:buNone/>
-            </a:pPr>
-            <a:r>
-              <a:rPr lang="en"/>
-              <a:t>submit to teacher button when done reviewed</a:t>
-            </a:r>
-          </a:p>
-          <a:p>
-            <a:pPr rtl="0" lvl="0">
-              <a:buNone/>
-            </a:pPr>
-            <a:r>
-              <a:rPr lang="en"/>
-              <a:t>some sort of notification to tell students a peer review awaits</a:t>
-            </a:r>
-          </a:p>
-          <a:p>
-            <a:pPr rtl="0" lvl="0">
-              <a:buNone/>
-            </a:pPr>
-            <a:r>
-              <a:rPr lang="en"/>
-              <a:t>-then returning the peer reviewed work</a:t>
-            </a:r>
-          </a:p>
-          <a:p>
-            <a:r>
-              <a:t/>
-            </a:r>
-          </a:p>
-          <a:p>
-            <a:pPr rtl="0" lvl="0">
-              <a:buNone/>
-            </a:pPr>
-            <a:r>
-              <a:rPr lang="en"/>
-              <a:t>every student peer reviews at least 2</a:t>
-            </a:r>
-          </a:p>
-          <a:p>
-            <a:r>
-              <a:t/>
-            </a:r>
-          </a:p>
-          <a:p>
-            <a:pPr rtl="0" lvl="0">
-              <a:buNone/>
-            </a:pPr>
-            <a:r>
-              <a:rPr lang="en"/>
-              <a:t>dynamically allocate paper distribution</a:t>
-            </a:r>
-          </a:p>
-          <a:p>
-            <a:r>
-              <a:t/>
-            </a:r>
-          </a:p>
-          <a:p>
-            <a:pPr rtl="0" lvl="0">
-              <a:buNone/>
-            </a:pPr>
-            <a:r>
-              <a:rPr lang="en"/>
-              <a:t>do a first pass of database</a:t>
-            </a:r>
-          </a:p>
-          <a:p>
-            <a:pPr rtl="0" lvl="0">
-              <a:buNone/>
-            </a:pPr>
-            <a:r>
-              <a:rPr lang="en"/>
-              <a:t>-and have information of what is going on on(&lt;-this makes total sense) each slide</a:t>
-            </a:r>
-          </a:p>
-          <a:p>
-            <a:r>
-              <a:t/>
-            </a:r>
-          </a:p>
-          <a:p>
-            <a:pPr rtl="0" lvl="0">
-              <a:buNone/>
-            </a:pPr>
-            <a:r>
-              <a:rPr lang="en"/>
-              <a:t>needs to have a teacher control panel</a:t>
-            </a:r>
-          </a:p>
-          <a:p>
-            <a:pPr rtl="0" lvl="0">
-              <a:buNone/>
-            </a:pPr>
-            <a:r>
-              <a:rPr lang="en"/>
-              <a:t>--has format and assignment</a:t>
-            </a:r>
-          </a:p>
-          <a:p>
-            <a:pPr rtl="0" lvl="0">
-              <a:buNone/>
-            </a:pPr>
-            <a:r>
-              <a:rPr lang="en"/>
-              <a:t>--able to retrieve data and what kind of data</a:t>
-            </a:r>
-          </a:p>
-          <a:p>
-            <a:r>
-              <a:t/>
-            </a:r>
-          </a:p>
-          <a:p>
-            <a:pPr rtl="0" lvl="0">
-              <a:buNone/>
-            </a:pPr>
-            <a:r>
-              <a:rPr lang="en"/>
-              <a:t>keep the inputs safe (also limit to characters to prevent paragraphs)</a:t>
-            </a:r>
-          </a:p>
+          <a:p/>
         </p:txBody>
       </p:sp>
     </p:spTree>
@@ -1141,12 +1013,12 @@
 </p:notes>
 </file>
 
-<file path=ppt/notesSlides/notesSlide7.xml><?xml version="1.0" encoding="utf-8"?>
+<file path=ppt/notesSlides/notesSlide16.xml><?xml version="1.0" encoding="utf-8"?>
 <p:notes xmlns:a="http://schemas.openxmlformats.org/drawingml/2006/main" xmlns:r="http://schemas.openxmlformats.org/officeDocument/2006/relationships" xmlns:mc="http://schemas.openxmlformats.org/markup-compatibility/2006" xmlns:mv="urn:schemas-microsoft-com:mac:vml" xmlns:p="http://schemas.openxmlformats.org/presentationml/2006/main" xmlns:c="http://schemas.openxmlformats.org/drawingml/2006/chart" xmlns:dgm="http://schemas.openxmlformats.org/drawingml/2006/diagram" xmlns:o="urn:schemas-microsoft-com:office:office" xmlns:v="urn:schemas-microsoft-com:vml" xmlns:pvml="urn:schemas-microsoft-com:office:powerpoint" xmlns:com="http://schemas.openxmlformats.org/drawingml/2006/compatibility" xmlns:p14="http://schemas.microsoft.com/office/powerpoint/2010/main" showMasterSp="0" showMasterPhAnim="0">
   <p:cSld>
     <p:spTree>
       <p:nvGrpSpPr>
-        <p:cNvPr id="102" name="Shape 102"/>
+        <p:cNvPr id="238" name="Shape 238"/>
         <p:cNvGrpSpPr/>
         <p:nvPr/>
       </p:nvGrpSpPr>
@@ -1160,7 +1032,7 @@
       </p:grpSpPr>
       <p:sp>
         <p:nvSpPr>
-          <p:cNvPr id="103" name="Shape 103"/>
+          <p:cNvPr id="239" name="Shape 239"/>
           <p:cNvSpPr/>
           <p:nvPr>
             <p:ph idx="2" type="sldImg"/>
@@ -1194,7 +1066,7 @@
       </p:sp>
       <p:sp>
         <p:nvSpPr>
-          <p:cNvPr id="104" name="Shape 104"/>
+          <p:cNvPr id="240" name="Shape 240"/>
           <p:cNvSpPr txBox="1"/>
           <p:nvPr>
             <p:ph idx="1" type="body"/>
@@ -1225,12 +1097,12 @@
 </p:notes>
 </file>
 
-<file path=ppt/notesSlides/notesSlide8.xml><?xml version="1.0" encoding="utf-8"?>
+<file path=ppt/notesSlides/notesSlide2.xml><?xml version="1.0" encoding="utf-8"?>
 <p:notes xmlns:a="http://schemas.openxmlformats.org/drawingml/2006/main" xmlns:r="http://schemas.openxmlformats.org/officeDocument/2006/relationships" xmlns:mc="http://schemas.openxmlformats.org/markup-compatibility/2006" xmlns:mv="urn:schemas-microsoft-com:mac:vml" xmlns:p="http://schemas.openxmlformats.org/presentationml/2006/main" xmlns:c="http://schemas.openxmlformats.org/drawingml/2006/chart" xmlns:dgm="http://schemas.openxmlformats.org/drawingml/2006/diagram" xmlns:o="urn:schemas-microsoft-com:office:office" xmlns:v="urn:schemas-microsoft-com:vml" xmlns:pvml="urn:schemas-microsoft-com:office:powerpoint" xmlns:com="http://schemas.openxmlformats.org/drawingml/2006/compatibility" xmlns:p14="http://schemas.microsoft.com/office/powerpoint/2010/main" showMasterSp="0" showMasterPhAnim="0">
   <p:cSld>
     <p:spTree>
       <p:nvGrpSpPr>
-        <p:cNvPr id="111" name="Shape 111"/>
+        <p:cNvPr id="45" name="Shape 45"/>
         <p:cNvGrpSpPr/>
         <p:nvPr/>
       </p:nvGrpSpPr>
@@ -1244,7 +1116,7 @@
       </p:grpSpPr>
       <p:sp>
         <p:nvSpPr>
-          <p:cNvPr id="112" name="Shape 112"/>
+          <p:cNvPr id="46" name="Shape 46"/>
           <p:cNvSpPr/>
           <p:nvPr>
             <p:ph idx="2" type="sldImg"/>
@@ -1253,7 +1125,7 @@
         <p:spPr>
           <a:xfrm>
             <a:off y="685800" x="1143225"/>
-            <a:ext cy="3429000" cx="4572299"/>
+            <a:ext cy="3429000" cx="4572225"/>
           </a:xfrm>
           <a:custGeom>
             <a:pathLst>
@@ -1278,7 +1150,7 @@
       </p:sp>
       <p:sp>
         <p:nvSpPr>
-          <p:cNvPr id="113" name="Shape 113"/>
+          <p:cNvPr id="47" name="Shape 47"/>
           <p:cNvSpPr txBox="1"/>
           <p:nvPr>
             <p:ph idx="1" type="body"/>
@@ -1298,7 +1170,56 @@
             <a:noAutofit/>
           </a:bodyPr>
           <a:lstStyle/>
-          <a:p/>
+          <a:p>
+            <a:pPr rtl="0" lvl="0">
+              <a:buNone/>
+            </a:pPr>
+            <a:r>
+              <a:rPr lang="en"/>
+              <a:t>From here Student will be welcomed back into Grammar Brushstrokes. On the right they can see tasks they have to do(which may be assigned by the teacher). On the left there is a section to see which tasks are completed.</a:t>
+            </a:r>
+          </a:p>
+          <a:p>
+            <a:r>
+              <a:t/>
+            </a:r>
+          </a:p>
+          <a:p>
+            <a:pPr rtl="0" lvl="0">
+              <a:buNone/>
+            </a:pPr>
+            <a:r>
+              <a:rPr lang="en"/>
+              <a:t>Color Scheme Reasoning(just an idea, not necessarily what we’ll have):</a:t>
+            </a:r>
+          </a:p>
+          <a:p>
+            <a:pPr rtl="0" lvl="0">
+              <a:buNone/>
+            </a:pPr>
+            <a:r>
+              <a:rPr lang="en"/>
+              <a:t>Red: Not able to do until assigned?</a:t>
+            </a:r>
+          </a:p>
+          <a:p>
+            <a:pPr rtl="0" lvl="0">
+              <a:buNone/>
+            </a:pPr>
+            <a:r>
+              <a:rPr lang="en"/>
+              <a:t>Blue: Completed</a:t>
+            </a:r>
+          </a:p>
+          <a:p>
+            <a:pPr>
+              <a:buNone/>
+            </a:pPr>
+            <a:r>
+              <a:rPr lang="en"/>
+              <a:t>Grey: Task to complete</a:t>
+            </a:r>
+          </a:p>
         </p:txBody>
       </p:sp>
     </p:spTree>
@@ -1309,12 +1230,12 @@
 </p:notes>
 </file>
 
-<file path=ppt/notesSlides/notesSlide9.xml><?xml version="1.0" encoding="utf-8"?>
+<file path=ppt/notesSlides/notesSlide3.xml><?xml version="1.0" encoding="utf-8"?>
 <p:notes xmlns:a="http://schemas.openxmlformats.org/drawingml/2006/main" xmlns:r="http://schemas.openxmlformats.org/officeDocument/2006/relationships" xmlns:mc="http://schemas.openxmlformats.org/markup-compatibility/2006" xmlns:mv="urn:schemas-microsoft-com:mac:vml" xmlns:p="http://schemas.openxmlformats.org/presentationml/2006/main" xmlns:c="http://schemas.openxmlformats.org/drawingml/2006/chart" xmlns:dgm="http://schemas.openxmlformats.org/drawingml/2006/diagram" xmlns:o="urn:schemas-microsoft-com:office:office" xmlns:v="urn:schemas-microsoft-com:vml" xmlns:pvml="urn:schemas-microsoft-com:office:powerpoint" xmlns:com="http://schemas.openxmlformats.org/drawingml/2006/compatibility" xmlns:p14="http://schemas.microsoft.com/office/powerpoint/2010/main" showMasterSp="0" showMasterPhAnim="0">
   <p:cSld>
     <p:spTree>
       <p:nvGrpSpPr>
-        <p:cNvPr id="120" name="Shape 120"/>
+        <p:cNvPr id="56" name="Shape 56"/>
         <p:cNvGrpSpPr/>
         <p:nvPr/>
       </p:nvGrpSpPr>
@@ -1328,7 +1249,7 @@
       </p:grpSpPr>
       <p:sp>
         <p:nvSpPr>
-          <p:cNvPr id="121" name="Shape 121"/>
+          <p:cNvPr id="57" name="Shape 57"/>
           <p:cNvSpPr/>
           <p:nvPr>
             <p:ph idx="2" type="sldImg"/>
@@ -1362,7 +1283,7 @@
       </p:sp>
       <p:sp>
         <p:nvSpPr>
-          <p:cNvPr id="122" name="Shape 122"/>
+          <p:cNvPr id="58" name="Shape 58"/>
           <p:cNvSpPr txBox="1"/>
           <p:nvPr>
             <p:ph idx="1" type="body"/>
@@ -1382,7 +1303,567 @@
             <a:noAutofit/>
           </a:bodyPr>
           <a:lstStyle/>
-          <a:p/>
+          <a:p>
+            <a:pPr rtl="0" lvl="0">
+              <a:buNone/>
+            </a:pPr>
+            <a:r>
+              <a:rPr lang="en"/>
+              <a:t>Student starts Active Verb section by clicking the Tab. While in process, the tab could be highlighted</a:t>
+            </a:r>
+          </a:p>
+        </p:txBody>
+      </p:sp>
+    </p:spTree>
+  </p:cSld>
+  <p:clrMapOvr>
+    <a:masterClrMapping/>
+  </p:clrMapOvr>
+</p:notes>
+</file>
+
+<file path=ppt/notesSlides/notesSlide4.xml><?xml version="1.0" encoding="utf-8"?>
+<p:notes xmlns:a="http://schemas.openxmlformats.org/drawingml/2006/main" xmlns:r="http://schemas.openxmlformats.org/officeDocument/2006/relationships" xmlns:mc="http://schemas.openxmlformats.org/markup-compatibility/2006" xmlns:mv="urn:schemas-microsoft-com:mac:vml" xmlns:p="http://schemas.openxmlformats.org/presentationml/2006/main" xmlns:c="http://schemas.openxmlformats.org/drawingml/2006/chart" xmlns:dgm="http://schemas.openxmlformats.org/drawingml/2006/diagram" xmlns:o="urn:schemas-microsoft-com:office:office" xmlns:v="urn:schemas-microsoft-com:vml" xmlns:pvml="urn:schemas-microsoft-com:office:powerpoint" xmlns:com="http://schemas.openxmlformats.org/drawingml/2006/compatibility" xmlns:p14="http://schemas.microsoft.com/office/powerpoint/2010/main" showMasterSp="0" showMasterPhAnim="0">
+  <p:cSld>
+    <p:spTree>
+      <p:nvGrpSpPr>
+        <p:cNvPr id="70" name="Shape 70"/>
+        <p:cNvGrpSpPr/>
+        <p:nvPr/>
+      </p:nvGrpSpPr>
+      <p:grpSpPr>
+        <a:xfrm>
+          <a:off y="0" x="0"/>
+          <a:ext cy="0" cx="0"/>
+          <a:chOff y="0" x="0"/>
+          <a:chExt cy="0" cx="0"/>
+        </a:xfrm>
+      </p:grpSpPr>
+      <p:sp>
+        <p:nvSpPr>
+          <p:cNvPr id="71" name="Shape 71"/>
+          <p:cNvSpPr/>
+          <p:nvPr>
+            <p:ph idx="2" type="sldImg"/>
+          </p:nvPr>
+        </p:nvSpPr>
+        <p:spPr>
+          <a:xfrm>
+            <a:off y="685800" x="1143225"/>
+            <a:ext cy="3429000" cx="4572299"/>
+          </a:xfrm>
+          <a:custGeom>
+            <a:pathLst>
+              <a:path w="120000" extrusionOk="0" h="120000">
+                <a:moveTo>
+                  <a:pt y="0" x="0"/>
+                </a:moveTo>
+                <a:lnTo>
+                  <a:pt y="0" x="120000"/>
+                </a:lnTo>
+                <a:lnTo>
+                  <a:pt y="120000" x="120000"/>
+                </a:lnTo>
+                <a:lnTo>
+                  <a:pt y="120000" x="0"/>
+                </a:lnTo>
+                <a:close/>
+              </a:path>
+            </a:pathLst>
+          </a:custGeom>
+        </p:spPr>
+      </p:sp>
+      <p:sp>
+        <p:nvSpPr>
+          <p:cNvPr id="72" name="Shape 72"/>
+          <p:cNvSpPr txBox="1"/>
+          <p:nvPr>
+            <p:ph idx="1" type="body"/>
+          </p:nvPr>
+        </p:nvSpPr>
+        <p:spPr>
+          <a:xfrm>
+            <a:off y="4343400" x="685800"/>
+            <a:ext cy="4114800" cx="5486399"/>
+          </a:xfrm>
+          <a:prstGeom prst="rect">
+            <a:avLst/>
+          </a:prstGeom>
+        </p:spPr>
+        <p:txBody>
+          <a:bodyPr bIns="91425" rIns="91425" lIns="91425" tIns="91425" anchor="t" anchorCtr="0">
+            <a:noAutofit/>
+          </a:bodyPr>
+          <a:lstStyle/>
+          <a:p>
+            <a:pPr rtl="0" lvl="0">
+              <a:buNone/>
+            </a:pPr>
+            <a:r>
+              <a:rPr lang="en"/>
+              <a:t>ineffective and effective</a:t>
+            </a:r>
+          </a:p>
+        </p:txBody>
+      </p:sp>
+    </p:spTree>
+  </p:cSld>
+  <p:clrMapOvr>
+    <a:masterClrMapping/>
+  </p:clrMapOvr>
+</p:notes>
+</file>
+
+<file path=ppt/notesSlides/notesSlide5.xml><?xml version="1.0" encoding="utf-8"?>
+<p:notes xmlns:a="http://schemas.openxmlformats.org/drawingml/2006/main" xmlns:r="http://schemas.openxmlformats.org/officeDocument/2006/relationships" xmlns:mc="http://schemas.openxmlformats.org/markup-compatibility/2006" xmlns:mv="urn:schemas-microsoft-com:mac:vml" xmlns:p="http://schemas.openxmlformats.org/presentationml/2006/main" xmlns:c="http://schemas.openxmlformats.org/drawingml/2006/chart" xmlns:dgm="http://schemas.openxmlformats.org/drawingml/2006/diagram" xmlns:o="urn:schemas-microsoft-com:office:office" xmlns:v="urn:schemas-microsoft-com:vml" xmlns:pvml="urn:schemas-microsoft-com:office:powerpoint" xmlns:com="http://schemas.openxmlformats.org/drawingml/2006/compatibility" xmlns:p14="http://schemas.microsoft.com/office/powerpoint/2010/main" showMasterSp="0" showMasterPhAnim="0">
+  <p:cSld>
+    <p:spTree>
+      <p:nvGrpSpPr>
+        <p:cNvPr id="84" name="Shape 84"/>
+        <p:cNvGrpSpPr/>
+        <p:nvPr/>
+      </p:nvGrpSpPr>
+      <p:grpSpPr>
+        <a:xfrm>
+          <a:off y="0" x="0"/>
+          <a:ext cy="0" cx="0"/>
+          <a:chOff y="0" x="0"/>
+          <a:chExt cy="0" cx="0"/>
+        </a:xfrm>
+      </p:grpSpPr>
+      <p:sp>
+        <p:nvSpPr>
+          <p:cNvPr id="85" name="Shape 85"/>
+          <p:cNvSpPr/>
+          <p:nvPr>
+            <p:ph idx="2" type="sldImg"/>
+          </p:nvPr>
+        </p:nvSpPr>
+        <p:spPr>
+          <a:xfrm>
+            <a:off y="685800" x="1143225"/>
+            <a:ext cy="3429000" cx="4572299"/>
+          </a:xfrm>
+          <a:custGeom>
+            <a:pathLst>
+              <a:path w="120000" extrusionOk="0" h="120000">
+                <a:moveTo>
+                  <a:pt y="0" x="0"/>
+                </a:moveTo>
+                <a:lnTo>
+                  <a:pt y="0" x="120000"/>
+                </a:lnTo>
+                <a:lnTo>
+                  <a:pt y="120000" x="120000"/>
+                </a:lnTo>
+                <a:lnTo>
+                  <a:pt y="120000" x="0"/>
+                </a:lnTo>
+                <a:close/>
+              </a:path>
+            </a:pathLst>
+          </a:custGeom>
+        </p:spPr>
+      </p:sp>
+      <p:sp>
+        <p:nvSpPr>
+          <p:cNvPr id="86" name="Shape 86"/>
+          <p:cNvSpPr txBox="1"/>
+          <p:nvPr>
+            <p:ph idx="1" type="body"/>
+          </p:nvPr>
+        </p:nvSpPr>
+        <p:spPr>
+          <a:xfrm>
+            <a:off y="4343400" x="685800"/>
+            <a:ext cy="4114800" cx="5486399"/>
+          </a:xfrm>
+          <a:prstGeom prst="rect">
+            <a:avLst/>
+          </a:prstGeom>
+        </p:spPr>
+        <p:txBody>
+          <a:bodyPr bIns="91425" rIns="91425" lIns="91425" tIns="91425" anchor="t" anchorCtr="0">
+            <a:noAutofit/>
+          </a:bodyPr>
+          <a:lstStyle/>
+          <a:p>
+            <a:pPr>
+              <a:buNone/>
+            </a:pPr>
+            <a:r>
+              <a:rPr lang="en"/>
+              <a:t>note that this photo should be different from the example</a:t>
+            </a:r>
+          </a:p>
+        </p:txBody>
+      </p:sp>
+    </p:spTree>
+  </p:cSld>
+  <p:clrMapOvr>
+    <a:masterClrMapping/>
+  </p:clrMapOvr>
+</p:notes>
+</file>
+
+<file path=ppt/notesSlides/notesSlide6.xml><?xml version="1.0" encoding="utf-8"?>
+<p:notes xmlns:a="http://schemas.openxmlformats.org/drawingml/2006/main" xmlns:r="http://schemas.openxmlformats.org/officeDocument/2006/relationships" xmlns:mc="http://schemas.openxmlformats.org/markup-compatibility/2006" xmlns:mv="urn:schemas-microsoft-com:mac:vml" xmlns:p="http://schemas.openxmlformats.org/presentationml/2006/main" xmlns:c="http://schemas.openxmlformats.org/drawingml/2006/chart" xmlns:dgm="http://schemas.openxmlformats.org/drawingml/2006/diagram" xmlns:o="urn:schemas-microsoft-com:office:office" xmlns:v="urn:schemas-microsoft-com:vml" xmlns:pvml="urn:schemas-microsoft-com:office:powerpoint" xmlns:com="http://schemas.openxmlformats.org/drawingml/2006/compatibility" xmlns:p14="http://schemas.microsoft.com/office/powerpoint/2010/main" showMasterSp="0" showMasterPhAnim="0">
+  <p:cSld>
+    <p:spTree>
+      <p:nvGrpSpPr>
+        <p:cNvPr id="98" name="Shape 98"/>
+        <p:cNvGrpSpPr/>
+        <p:nvPr/>
+      </p:nvGrpSpPr>
+      <p:grpSpPr>
+        <a:xfrm>
+          <a:off y="0" x="0"/>
+          <a:ext cy="0" cx="0"/>
+          <a:chOff y="0" x="0"/>
+          <a:chExt cy="0" cx="0"/>
+        </a:xfrm>
+      </p:grpSpPr>
+      <p:sp>
+        <p:nvSpPr>
+          <p:cNvPr id="99" name="Shape 99"/>
+          <p:cNvSpPr/>
+          <p:nvPr>
+            <p:ph idx="2" type="sldImg"/>
+          </p:nvPr>
+        </p:nvSpPr>
+        <p:spPr>
+          <a:xfrm>
+            <a:off y="685800" x="1143225"/>
+            <a:ext cy="3429000" cx="4572299"/>
+          </a:xfrm>
+          <a:custGeom>
+            <a:pathLst>
+              <a:path w="120000" extrusionOk="0" h="120000">
+                <a:moveTo>
+                  <a:pt y="0" x="0"/>
+                </a:moveTo>
+                <a:lnTo>
+                  <a:pt y="0" x="120000"/>
+                </a:lnTo>
+                <a:lnTo>
+                  <a:pt y="120000" x="120000"/>
+                </a:lnTo>
+                <a:lnTo>
+                  <a:pt y="120000" x="0"/>
+                </a:lnTo>
+                <a:close/>
+              </a:path>
+            </a:pathLst>
+          </a:custGeom>
+        </p:spPr>
+      </p:sp>
+      <p:sp>
+        <p:nvSpPr>
+          <p:cNvPr id="100" name="Shape 100"/>
+          <p:cNvSpPr txBox="1"/>
+          <p:nvPr>
+            <p:ph idx="1" type="body"/>
+          </p:nvPr>
+        </p:nvSpPr>
+        <p:spPr>
+          <a:xfrm>
+            <a:off y="4343400" x="685800"/>
+            <a:ext cy="4114800" cx="5486399"/>
+          </a:xfrm>
+          <a:prstGeom prst="rect">
+            <a:avLst/>
+          </a:prstGeom>
+        </p:spPr>
+        <p:txBody>
+          <a:bodyPr bIns="91425" rIns="91425" lIns="91425" tIns="91425" anchor="t" anchorCtr="0">
+            <a:noAutofit/>
+          </a:bodyPr>
+          <a:lstStyle/>
+          <a:p>
+            <a:pPr rtl="0" lvl="0">
+              <a:buNone/>
+            </a:pPr>
+            <a:r>
+              <a:rPr lang="en"/>
+              <a:t>note that this photo should be different from the example</a:t>
+            </a:r>
+          </a:p>
+        </p:txBody>
+      </p:sp>
+    </p:spTree>
+  </p:cSld>
+  <p:clrMapOvr>
+    <a:masterClrMapping/>
+  </p:clrMapOvr>
+</p:notes>
+</file>
+
+<file path=ppt/notesSlides/notesSlide7.xml><?xml version="1.0" encoding="utf-8"?>
+<p:notes xmlns:a="http://schemas.openxmlformats.org/drawingml/2006/main" xmlns:r="http://schemas.openxmlformats.org/officeDocument/2006/relationships" xmlns:mc="http://schemas.openxmlformats.org/markup-compatibility/2006" xmlns:mv="urn:schemas-microsoft-com:mac:vml" xmlns:p="http://schemas.openxmlformats.org/presentationml/2006/main" xmlns:c="http://schemas.openxmlformats.org/drawingml/2006/chart" xmlns:dgm="http://schemas.openxmlformats.org/drawingml/2006/diagram" xmlns:o="urn:schemas-microsoft-com:office:office" xmlns:v="urn:schemas-microsoft-com:vml" xmlns:pvml="urn:schemas-microsoft-com:office:powerpoint" xmlns:com="http://schemas.openxmlformats.org/drawingml/2006/compatibility" xmlns:p14="http://schemas.microsoft.com/office/powerpoint/2010/main" showMasterSp="0" showMasterPhAnim="0">
+  <p:cSld>
+    <p:spTree>
+      <p:nvGrpSpPr>
+        <p:cNvPr id="112" name="Shape 112"/>
+        <p:cNvGrpSpPr/>
+        <p:nvPr/>
+      </p:nvGrpSpPr>
+      <p:grpSpPr>
+        <a:xfrm>
+          <a:off y="0" x="0"/>
+          <a:ext cy="0" cx="0"/>
+          <a:chOff y="0" x="0"/>
+          <a:chExt cy="0" cx="0"/>
+        </a:xfrm>
+      </p:grpSpPr>
+      <p:sp>
+        <p:nvSpPr>
+          <p:cNvPr id="113" name="Shape 113"/>
+          <p:cNvSpPr/>
+          <p:nvPr>
+            <p:ph idx="2" type="sldImg"/>
+          </p:nvPr>
+        </p:nvSpPr>
+        <p:spPr>
+          <a:xfrm>
+            <a:off y="685800" x="1143225"/>
+            <a:ext cy="3429000" cx="4572299"/>
+          </a:xfrm>
+          <a:custGeom>
+            <a:pathLst>
+              <a:path w="120000" extrusionOk="0" h="120000">
+                <a:moveTo>
+                  <a:pt y="0" x="0"/>
+                </a:moveTo>
+                <a:lnTo>
+                  <a:pt y="0" x="120000"/>
+                </a:lnTo>
+                <a:lnTo>
+                  <a:pt y="120000" x="120000"/>
+                </a:lnTo>
+                <a:lnTo>
+                  <a:pt y="120000" x="0"/>
+                </a:lnTo>
+                <a:close/>
+              </a:path>
+            </a:pathLst>
+          </a:custGeom>
+        </p:spPr>
+      </p:sp>
+      <p:sp>
+        <p:nvSpPr>
+          <p:cNvPr id="114" name="Shape 114"/>
+          <p:cNvSpPr txBox="1"/>
+          <p:nvPr>
+            <p:ph idx="1" type="body"/>
+          </p:nvPr>
+        </p:nvSpPr>
+        <p:spPr>
+          <a:xfrm>
+            <a:off y="4343400" x="685800"/>
+            <a:ext cy="4114800" cx="5486399"/>
+          </a:xfrm>
+          <a:prstGeom prst="rect">
+            <a:avLst/>
+          </a:prstGeom>
+        </p:spPr>
+        <p:txBody>
+          <a:bodyPr bIns="91425" rIns="91425" lIns="91425" tIns="91425" anchor="t" anchorCtr="0">
+            <a:noAutofit/>
+          </a:bodyPr>
+          <a:lstStyle/>
+          <a:p>
+            <a:pPr rtl="0" lvl="0">
+              <a:buNone/>
+            </a:pPr>
+            <a:r>
+              <a:rPr lang="en"/>
+              <a:t>note that this photo should be different from the example</a:t>
+            </a:r>
+          </a:p>
+        </p:txBody>
+      </p:sp>
+    </p:spTree>
+  </p:cSld>
+  <p:clrMapOvr>
+    <a:masterClrMapping/>
+  </p:clrMapOvr>
+</p:notes>
+</file>
+
+<file path=ppt/notesSlides/notesSlide8.xml><?xml version="1.0" encoding="utf-8"?>
+<p:notes xmlns:a="http://schemas.openxmlformats.org/drawingml/2006/main" xmlns:r="http://schemas.openxmlformats.org/officeDocument/2006/relationships" xmlns:mc="http://schemas.openxmlformats.org/markup-compatibility/2006" xmlns:mv="urn:schemas-microsoft-com:mac:vml" xmlns:p="http://schemas.openxmlformats.org/presentationml/2006/main" xmlns:c="http://schemas.openxmlformats.org/drawingml/2006/chart" xmlns:dgm="http://schemas.openxmlformats.org/drawingml/2006/diagram" xmlns:o="urn:schemas-microsoft-com:office:office" xmlns:v="urn:schemas-microsoft-com:vml" xmlns:pvml="urn:schemas-microsoft-com:office:powerpoint" xmlns:com="http://schemas.openxmlformats.org/drawingml/2006/compatibility" xmlns:p14="http://schemas.microsoft.com/office/powerpoint/2010/main" showMasterSp="0" showMasterPhAnim="0">
+  <p:cSld>
+    <p:spTree>
+      <p:nvGrpSpPr>
+        <p:cNvPr id="128" name="Shape 128"/>
+        <p:cNvGrpSpPr/>
+        <p:nvPr/>
+      </p:nvGrpSpPr>
+      <p:grpSpPr>
+        <a:xfrm>
+          <a:off y="0" x="0"/>
+          <a:ext cy="0" cx="0"/>
+          <a:chOff y="0" x="0"/>
+          <a:chExt cy="0" cx="0"/>
+        </a:xfrm>
+      </p:grpSpPr>
+      <p:sp>
+        <p:nvSpPr>
+          <p:cNvPr id="129" name="Shape 129"/>
+          <p:cNvSpPr/>
+          <p:nvPr>
+            <p:ph idx="2" type="sldImg"/>
+          </p:nvPr>
+        </p:nvSpPr>
+        <p:spPr>
+          <a:xfrm>
+            <a:off y="685800" x="1143225"/>
+            <a:ext cy="3429000" cx="4572299"/>
+          </a:xfrm>
+          <a:custGeom>
+            <a:pathLst>
+              <a:path w="120000" extrusionOk="0" h="120000">
+                <a:moveTo>
+                  <a:pt y="0" x="0"/>
+                </a:moveTo>
+                <a:lnTo>
+                  <a:pt y="0" x="120000"/>
+                </a:lnTo>
+                <a:lnTo>
+                  <a:pt y="120000" x="120000"/>
+                </a:lnTo>
+                <a:lnTo>
+                  <a:pt y="120000" x="0"/>
+                </a:lnTo>
+                <a:close/>
+              </a:path>
+            </a:pathLst>
+          </a:custGeom>
+        </p:spPr>
+      </p:sp>
+      <p:sp>
+        <p:nvSpPr>
+          <p:cNvPr id="130" name="Shape 130"/>
+          <p:cNvSpPr txBox="1"/>
+          <p:nvPr>
+            <p:ph idx="1" type="body"/>
+          </p:nvPr>
+        </p:nvSpPr>
+        <p:spPr>
+          <a:xfrm>
+            <a:off y="4343400" x="685800"/>
+            <a:ext cy="4114800" cx="5486399"/>
+          </a:xfrm>
+          <a:prstGeom prst="rect">
+            <a:avLst/>
+          </a:prstGeom>
+        </p:spPr>
+        <p:txBody>
+          <a:bodyPr bIns="91425" rIns="91425" lIns="91425" tIns="91425" anchor="t" anchorCtr="0">
+            <a:noAutofit/>
+          </a:bodyPr>
+          <a:lstStyle/>
+          <a:p>
+            <a:pPr rtl="0" lvl="0">
+              <a:buNone/>
+            </a:pPr>
+            <a:r>
+              <a:rPr lang="en"/>
+              <a:t>Here the Student gets an overview of the sentences they wrote along with the picture. The boxes could presumably be editable from this section if they wish to change their answer.</a:t>
+            </a:r>
+          </a:p>
+        </p:txBody>
+      </p:sp>
+    </p:spTree>
+  </p:cSld>
+  <p:clrMapOvr>
+    <a:masterClrMapping/>
+  </p:clrMapOvr>
+</p:notes>
+</file>
+
+<file path=ppt/notesSlides/notesSlide9.xml><?xml version="1.0" encoding="utf-8"?>
+<p:notes xmlns:a="http://schemas.openxmlformats.org/drawingml/2006/main" xmlns:r="http://schemas.openxmlformats.org/officeDocument/2006/relationships" xmlns:mc="http://schemas.openxmlformats.org/markup-compatibility/2006" xmlns:mv="urn:schemas-microsoft-com:mac:vml" xmlns:p="http://schemas.openxmlformats.org/presentationml/2006/main" xmlns:c="http://schemas.openxmlformats.org/drawingml/2006/chart" xmlns:dgm="http://schemas.openxmlformats.org/drawingml/2006/diagram" xmlns:o="urn:schemas-microsoft-com:office:office" xmlns:v="urn:schemas-microsoft-com:vml" xmlns:pvml="urn:schemas-microsoft-com:office:powerpoint" xmlns:com="http://schemas.openxmlformats.org/drawingml/2006/compatibility" xmlns:p14="http://schemas.microsoft.com/office/powerpoint/2010/main" showMasterSp="0" showMasterPhAnim="0">
+  <p:cSld>
+    <p:spTree>
+      <p:nvGrpSpPr>
+        <p:cNvPr id="139" name="Shape 139"/>
+        <p:cNvGrpSpPr/>
+        <p:nvPr/>
+      </p:nvGrpSpPr>
+      <p:grpSpPr>
+        <a:xfrm>
+          <a:off y="0" x="0"/>
+          <a:ext cy="0" cx="0"/>
+          <a:chOff y="0" x="0"/>
+          <a:chExt cy="0" cx="0"/>
+        </a:xfrm>
+      </p:grpSpPr>
+      <p:sp>
+        <p:nvSpPr>
+          <p:cNvPr id="140" name="Shape 140"/>
+          <p:cNvSpPr/>
+          <p:nvPr>
+            <p:ph idx="2" type="sldImg"/>
+          </p:nvPr>
+        </p:nvSpPr>
+        <p:spPr>
+          <a:xfrm>
+            <a:off y="685800" x="1143225"/>
+            <a:ext cy="3429000" cx="4572299"/>
+          </a:xfrm>
+          <a:custGeom>
+            <a:pathLst>
+              <a:path w="120000" extrusionOk="0" h="120000">
+                <a:moveTo>
+                  <a:pt y="0" x="0"/>
+                </a:moveTo>
+                <a:lnTo>
+                  <a:pt y="0" x="120000"/>
+                </a:lnTo>
+                <a:lnTo>
+                  <a:pt y="120000" x="120000"/>
+                </a:lnTo>
+                <a:lnTo>
+                  <a:pt y="120000" x="0"/>
+                </a:lnTo>
+                <a:close/>
+              </a:path>
+            </a:pathLst>
+          </a:custGeom>
+        </p:spPr>
+      </p:sp>
+      <p:sp>
+        <p:nvSpPr>
+          <p:cNvPr id="141" name="Shape 141"/>
+          <p:cNvSpPr txBox="1"/>
+          <p:nvPr>
+            <p:ph idx="1" type="body"/>
+          </p:nvPr>
+        </p:nvSpPr>
+        <p:spPr>
+          <a:xfrm>
+            <a:off y="4343400" x="685800"/>
+            <a:ext cy="4114800" cx="5486399"/>
+          </a:xfrm>
+          <a:prstGeom prst="rect">
+            <a:avLst/>
+          </a:prstGeom>
+        </p:spPr>
+        <p:txBody>
+          <a:bodyPr bIns="91425" rIns="91425" lIns="91425" tIns="91425" anchor="t" anchorCtr="0">
+            <a:noAutofit/>
+          </a:bodyPr>
+          <a:lstStyle/>
+          <a:p>
+            <a:pPr rtl="0" lvl="0">
+              <a:buNone/>
+            </a:pPr>
+            <a:r>
+              <a:rPr lang="en"/>
+              <a:t>Once Responses are sent. You should be told of any actions you have left. Hopefully they would have a peer review already waiting for them.</a:t>
+            </a:r>
+          </a:p>
         </p:txBody>
       </p:sp>
     </p:spTree>
@@ -2925,8 +3406,8 @@
         </p:nvSpPr>
         <p:spPr>
           <a:xfrm>
-            <a:off y="0" x="0"/>
-            <a:ext cy="809699" cx="1769999"/>
+            <a:off y="1723050" x="2641950"/>
+            <a:ext cy="1845300" cx="3860100"/>
           </a:xfrm>
           <a:prstGeom prst="rect">
             <a:avLst/>
@@ -2949,20 +3430,177 @@
             <a:noAutofit/>
           </a:bodyPr>
           <a:lstStyle/>
-          <a:p>
-            <a:pPr>
-              <a:buNone/>
-            </a:pPr>
-            <a:r>
-              <a:rPr lang="en"/>
-              <a:t>Active Verbs</a:t>
-            </a:r>
-          </a:p>
+          <a:p/>
         </p:txBody>
       </p:sp>
       <p:sp>
         <p:nvSpPr>
           <p:cNvPr id="24" name="Shape 24"/>
+          <p:cNvSpPr txBox="1"/>
+          <p:nvPr/>
+        </p:nvSpPr>
+        <p:spPr>
+          <a:xfrm>
+            <a:off y="1060162" x="1894225"/>
+            <a:ext cy="704699" cx="5221199"/>
+          </a:xfrm>
+          <a:prstGeom prst="rect">
+            <a:avLst/>
+          </a:prstGeom>
+        </p:spPr>
+        <p:txBody>
+          <a:bodyPr bIns="91425" rIns="91425" lIns="91425" tIns="91425" anchor="t" anchorCtr="0">
+            <a:noAutofit/>
+          </a:bodyPr>
+          <a:lstStyle/>
+          <a:p>
+            <a:pPr rtl="0" lvl="0">
+              <a:buNone/>
+            </a:pPr>
+            <a:r>
+              <a:rPr sz="2400" lang="en"/>
+              <a:t>Welcome to Grammar Brushstrokes! </a:t>
+            </a:r>
+          </a:p>
+          <a:p>
+            <a:r>
+              <a:t/>
+            </a:r>
+          </a:p>
+        </p:txBody>
+      </p:sp>
+      <p:sp>
+        <p:nvSpPr>
+          <p:cNvPr id="25" name="Shape 25"/>
+          <p:cNvSpPr/>
+          <p:nvPr/>
+        </p:nvSpPr>
+        <p:spPr>
+          <a:xfrm>
+            <a:off y="2190725" x="2844025"/>
+            <a:ext cy="333300" cx="3321600"/>
+          </a:xfrm>
+          <a:prstGeom prst="rect">
+            <a:avLst/>
+          </a:prstGeom>
+          <a:solidFill>
+            <a:srgbClr val="FFFFFF"/>
+          </a:solidFill>
+          <a:ln w="19050" cap="flat">
+            <a:solidFill>
+              <a:schemeClr val="dk2"/>
+            </a:solidFill>
+            <a:prstDash val="solid"/>
+            <a:round/>
+            <a:headEnd w="med" len="med" type="none"/>
+            <a:tailEnd w="med" len="med" type="none"/>
+          </a:ln>
+        </p:spPr>
+        <p:txBody>
+          <a:bodyPr bIns="91425" rIns="91425" lIns="91425" tIns="91425" anchor="ctr" anchorCtr="0">
+            <a:noAutofit/>
+          </a:bodyPr>
+          <a:lstStyle/>
+          <a:p>
+            <a:pPr rtl="0" lvl="0">
+              <a:buNone/>
+            </a:pPr>
+            <a:r>
+              <a:rPr lang="en"/>
+              <a:t>Username</a:t>
+            </a:r>
+          </a:p>
+        </p:txBody>
+      </p:sp>
+      <p:sp>
+        <p:nvSpPr>
+          <p:cNvPr id="26" name="Shape 26"/>
+          <p:cNvSpPr/>
+          <p:nvPr/>
+        </p:nvSpPr>
+        <p:spPr>
+          <a:xfrm>
+            <a:off y="2731925" x="2844025"/>
+            <a:ext cy="333300" cx="3321600"/>
+          </a:xfrm>
+          <a:prstGeom prst="rect">
+            <a:avLst/>
+          </a:prstGeom>
+          <a:solidFill>
+            <a:srgbClr val="FFFFFF"/>
+          </a:solidFill>
+          <a:ln w="19050" cap="flat">
+            <a:solidFill>
+              <a:schemeClr val="dk2"/>
+            </a:solidFill>
+            <a:prstDash val="solid"/>
+            <a:round/>
+            <a:headEnd w="med" len="med" type="none"/>
+            <a:tailEnd w="med" len="med" type="none"/>
+          </a:ln>
+        </p:spPr>
+        <p:txBody>
+          <a:bodyPr bIns="91425" rIns="91425" lIns="91425" tIns="91425" anchor="ctr" anchorCtr="0">
+            <a:noAutofit/>
+          </a:bodyPr>
+          <a:lstStyle/>
+          <a:p>
+            <a:pPr rtl="0" lvl="0">
+              <a:buNone/>
+            </a:pPr>
+            <a:r>
+              <a:rPr lang="en"/>
+              <a:t>Password</a:t>
+            </a:r>
+          </a:p>
+        </p:txBody>
+      </p:sp>
+      <p:sp>
+        <p:nvSpPr>
+          <p:cNvPr id="27" name="Shape 27"/>
+          <p:cNvSpPr/>
+          <p:nvPr/>
+        </p:nvSpPr>
+        <p:spPr>
+          <a:xfrm>
+            <a:off y="3188300" x="5299225"/>
+            <a:ext cy="255599" cx="866400"/>
+          </a:xfrm>
+          <a:prstGeom prst="rect">
+            <a:avLst/>
+          </a:prstGeom>
+          <a:solidFill>
+            <a:srgbClr val="00FF00"/>
+          </a:solidFill>
+          <a:ln w="19050" cap="flat">
+            <a:solidFill>
+              <a:schemeClr val="dk2"/>
+            </a:solidFill>
+            <a:prstDash val="solid"/>
+            <a:round/>
+            <a:headEnd w="med" len="med" type="none"/>
+            <a:tailEnd w="med" len="med" type="none"/>
+          </a:ln>
+        </p:spPr>
+        <p:txBody>
+          <a:bodyPr bIns="91425" rIns="91425" lIns="91425" tIns="91425" anchor="ctr" anchorCtr="0">
+            <a:noAutofit/>
+          </a:bodyPr>
+          <a:lstStyle/>
+          <a:p>
+            <a:pPr rtl="0" lvl="0">
+              <a:buNone/>
+            </a:pPr>
+            <a:r>
+              <a:rPr lang="en"/>
+              <a:t>Login</a:t>
+            </a:r>
+          </a:p>
+        </p:txBody>
+      </p:sp>
+      <p:sp>
+        <p:nvSpPr>
+          <p:cNvPr id="28" name="Shape 28"/>
           <p:cNvSpPr/>
           <p:nvPr/>
         </p:nvSpPr>
@@ -3005,7 +3643,7 @@
       </p:sp>
       <p:sp>
         <p:nvSpPr>
-          <p:cNvPr id="25" name="Shape 25"/>
+          <p:cNvPr id="29" name="Shape 29"/>
           <p:cNvSpPr/>
           <p:nvPr/>
         </p:nvSpPr>
@@ -3048,7 +3686,7 @@
       </p:sp>
       <p:sp>
         <p:nvSpPr>
-          <p:cNvPr id="26" name="Shape 26"/>
+          <p:cNvPr id="30" name="Shape 30"/>
           <p:cNvSpPr/>
           <p:nvPr/>
         </p:nvSpPr>
@@ -3091,7 +3729,7 @@
       </p:sp>
       <p:sp>
         <p:nvSpPr>
-          <p:cNvPr id="27" name="Shape 27"/>
+          <p:cNvPr id="31" name="Shape 31"/>
           <p:cNvSpPr/>
           <p:nvPr/>
         </p:nvSpPr>
@@ -3134,14 +3772,14 @@
       </p:sp>
       <p:sp>
         <p:nvSpPr>
-          <p:cNvPr id="28" name="Shape 28"/>
+          <p:cNvPr id="32" name="Shape 32"/>
           <p:cNvSpPr txBox="1"/>
           <p:nvPr/>
         </p:nvSpPr>
         <p:spPr>
           <a:xfrm>
-            <a:off y="1793150" x="2632650"/>
-            <a:ext cy="1172399" cx="3318299"/>
+            <a:off y="4012500" x="484050"/>
+            <a:ext cy="1131000" cx="4286099"/>
           </a:xfrm>
           <a:prstGeom prst="rect">
             <a:avLst/>
@@ -3157,8 +3795,8 @@
               <a:buNone/>
             </a:pPr>
             <a:r>
-              <a:rPr sz="3600" lang="en"/>
-              <a:t>Press a tab to begin! </a:t>
+              <a:rPr lang="en"/>
+              <a:t>Developer Note: Keep an eye on the comment section for my reasoning and commentary</a:t>
             </a:r>
           </a:p>
         </p:txBody>
@@ -3179,7 +3817,7 @@
   <p:cSld>
     <p:spTree>
       <p:nvGrpSpPr>
-        <p:cNvPr id="123" name="Shape 123"/>
+        <p:cNvPr id="142" name="Shape 142"/>
         <p:cNvGrpSpPr/>
         <p:nvPr/>
       </p:nvGrpSpPr>
@@ -3193,7 +3831,7 @@
       </p:grpSpPr>
       <p:sp>
         <p:nvSpPr>
-          <p:cNvPr id="124" name="Shape 124"/>
+          <p:cNvPr id="143" name="Shape 143"/>
           <p:cNvSpPr/>
           <p:nvPr/>
         </p:nvSpPr>
@@ -3206,7 +3844,7 @@
             <a:avLst/>
           </a:prstGeom>
           <a:solidFill>
-            <a:schemeClr val="lt2"/>
+            <a:srgbClr val="00FF00"/>
           </a:solidFill>
           <a:ln w="19050" cap="flat">
             <a:solidFill>
@@ -3236,7 +3874,7 @@
       </p:sp>
       <p:sp>
         <p:nvSpPr>
-          <p:cNvPr id="125" name="Shape 125"/>
+          <p:cNvPr id="144" name="Shape 144"/>
           <p:cNvSpPr/>
           <p:nvPr/>
         </p:nvSpPr>
@@ -3279,7 +3917,7 @@
       </p:sp>
       <p:sp>
         <p:nvSpPr>
-          <p:cNvPr id="126" name="Shape 126"/>
+          <p:cNvPr id="145" name="Shape 145"/>
           <p:cNvSpPr/>
           <p:nvPr/>
         </p:nvSpPr>
@@ -3322,7 +3960,7 @@
       </p:sp>
       <p:sp>
         <p:nvSpPr>
-          <p:cNvPr id="127" name="Shape 127"/>
+          <p:cNvPr id="146" name="Shape 146"/>
           <p:cNvSpPr/>
           <p:nvPr/>
         </p:nvSpPr>
@@ -3365,7 +4003,2900 @@
       </p:sp>
       <p:sp>
         <p:nvSpPr>
-          <p:cNvPr id="128" name="Shape 128"/>
+          <p:cNvPr id="147" name="Shape 147"/>
+          <p:cNvSpPr/>
+          <p:nvPr/>
+        </p:nvSpPr>
+        <p:spPr>
+          <a:xfrm>
+            <a:off y="0" x="7182750"/>
+            <a:ext cy="809699" cx="1961099"/>
+          </a:xfrm>
+          <a:prstGeom prst="rect">
+            <a:avLst/>
+          </a:prstGeom>
+          <a:solidFill>
+            <a:schemeClr val="lt2"/>
+          </a:solidFill>
+          <a:ln w="19050" cap="flat">
+            <a:solidFill>
+              <a:schemeClr val="dk2"/>
+            </a:solidFill>
+            <a:prstDash val="solid"/>
+            <a:round/>
+            <a:headEnd w="med" len="med" type="none"/>
+            <a:tailEnd w="med" len="med" type="none"/>
+          </a:ln>
+        </p:spPr>
+        <p:txBody>
+          <a:bodyPr bIns="91425" rIns="91425" lIns="91425" tIns="91425" anchor="ctr" anchorCtr="0">
+            <a:noAutofit/>
+          </a:bodyPr>
+          <a:lstStyle/>
+          <a:p>
+            <a:pPr rtl="0" lvl="0">
+              <a:buNone/>
+            </a:pPr>
+            <a:r>
+              <a:rPr lang="en"/>
+              <a:t>Adjectives out of Order</a:t>
+            </a:r>
+          </a:p>
+        </p:txBody>
+      </p:sp>
+      <p:sp>
+        <p:nvSpPr>
+          <p:cNvPr id="148" name="Shape 148"/>
+          <p:cNvSpPr/>
+          <p:nvPr/>
+        </p:nvSpPr>
+        <p:spPr>
+          <a:xfrm>
+            <a:off y="1291050" x="1591375"/>
+            <a:ext cy="616200" cx="2364300"/>
+          </a:xfrm>
+          <a:prstGeom prst="rect">
+            <a:avLst/>
+          </a:prstGeom>
+          <a:solidFill>
+            <a:schemeClr val="lt2"/>
+          </a:solidFill>
+          <a:ln w="19050" cap="flat">
+            <a:solidFill>
+              <a:schemeClr val="dk2"/>
+            </a:solidFill>
+            <a:prstDash val="solid"/>
+            <a:round/>
+            <a:headEnd w="med" len="med" type="none"/>
+            <a:tailEnd w="med" len="med" type="none"/>
+          </a:ln>
+        </p:spPr>
+        <p:txBody>
+          <a:bodyPr bIns="91425" rIns="91425" lIns="91425" tIns="91425" anchor="ctr" anchorCtr="0">
+            <a:noAutofit/>
+          </a:bodyPr>
+          <a:lstStyle/>
+          <a:p>
+            <a:pPr rtl="0" lvl="0">
+              <a:buNone/>
+            </a:pPr>
+            <a:r>
+              <a:rPr lang="en"/>
+              <a:t>Peer Response</a:t>
+            </a:r>
+          </a:p>
+        </p:txBody>
+      </p:sp>
+      <p:sp>
+        <p:nvSpPr>
+          <p:cNvPr id="149" name="Shape 149"/>
+          <p:cNvSpPr/>
+          <p:nvPr/>
+        </p:nvSpPr>
+        <p:spPr>
+          <a:xfrm>
+            <a:off y="2263650" x="1591375"/>
+            <a:ext cy="616200" cx="2364300"/>
+          </a:xfrm>
+          <a:prstGeom prst="rect">
+            <a:avLst/>
+          </a:prstGeom>
+          <a:solidFill>
+            <a:schemeClr val="lt2"/>
+          </a:solidFill>
+          <a:ln w="19050" cap="flat">
+            <a:solidFill>
+              <a:schemeClr val="dk2"/>
+            </a:solidFill>
+            <a:prstDash val="solid"/>
+            <a:round/>
+            <a:headEnd w="med" len="med" type="none"/>
+            <a:tailEnd w="med" len="med" type="none"/>
+          </a:ln>
+        </p:spPr>
+        <p:txBody>
+          <a:bodyPr bIns="91425" rIns="91425" lIns="91425" tIns="91425" anchor="ctr" anchorCtr="0">
+            <a:noAutofit/>
+          </a:bodyPr>
+          <a:lstStyle/>
+          <a:p>
+            <a:pPr rtl="0" lvl="0">
+              <a:buNone/>
+            </a:pPr>
+            <a:r>
+              <a:rPr lang="en"/>
+              <a:t>Peer Response</a:t>
+            </a:r>
+          </a:p>
+        </p:txBody>
+      </p:sp>
+      <p:sp>
+        <p:nvSpPr>
+          <p:cNvPr id="150" name="Shape 150"/>
+          <p:cNvSpPr/>
+          <p:nvPr/>
+        </p:nvSpPr>
+        <p:spPr>
+          <a:xfrm>
+            <a:off y="3117600" x="1591375"/>
+            <a:ext cy="616200" cx="2364300"/>
+          </a:xfrm>
+          <a:prstGeom prst="rect">
+            <a:avLst/>
+          </a:prstGeom>
+          <a:solidFill>
+            <a:schemeClr val="lt2"/>
+          </a:solidFill>
+          <a:ln w="19050" cap="flat">
+            <a:solidFill>
+              <a:schemeClr val="dk2"/>
+            </a:solidFill>
+            <a:prstDash val="solid"/>
+            <a:round/>
+            <a:headEnd w="med" len="med" type="none"/>
+            <a:tailEnd w="med" len="med" type="none"/>
+          </a:ln>
+        </p:spPr>
+        <p:txBody>
+          <a:bodyPr bIns="91425" rIns="91425" lIns="91425" tIns="91425" anchor="ctr" anchorCtr="0">
+            <a:noAutofit/>
+          </a:bodyPr>
+          <a:lstStyle/>
+          <a:p>
+            <a:pPr rtl="0" lvl="0">
+              <a:buNone/>
+            </a:pPr>
+            <a:r>
+              <a:rPr lang="en"/>
+              <a:t>Peer Response</a:t>
+            </a:r>
+          </a:p>
+        </p:txBody>
+      </p:sp>
+      <p:sp>
+        <p:nvSpPr>
+          <p:cNvPr id="151" name="Shape 151"/>
+          <p:cNvSpPr/>
+          <p:nvPr/>
+        </p:nvSpPr>
+        <p:spPr>
+          <a:xfrm>
+            <a:off y="4570100" x="8068300"/>
+            <a:ext cy="524399" cx="1019699"/>
+          </a:xfrm>
+          <a:prstGeom prst="rightArrow">
+            <a:avLst>
+              <a:gd fmla="val 50000" name="adj1"/>
+              <a:gd fmla="val 50000" name="adj2"/>
+            </a:avLst>
+          </a:prstGeom>
+          <a:solidFill>
+            <a:schemeClr val="lt2"/>
+          </a:solidFill>
+          <a:ln w="19050" cap="flat">
+            <a:solidFill>
+              <a:schemeClr val="dk2"/>
+            </a:solidFill>
+            <a:prstDash val="solid"/>
+            <a:round/>
+            <a:headEnd w="med" len="med" type="none"/>
+            <a:tailEnd w="med" len="med" type="none"/>
+          </a:ln>
+        </p:spPr>
+        <p:txBody>
+          <a:bodyPr bIns="91425" rIns="91425" lIns="91425" tIns="91425" anchor="ctr" anchorCtr="0">
+            <a:noAutofit/>
+          </a:bodyPr>
+          <a:lstStyle/>
+          <a:p>
+            <a:pPr rtl="0" lvl="0">
+              <a:buNone/>
+            </a:pPr>
+            <a:r>
+              <a:rPr lang="en"/>
+              <a:t>Return to Student!</a:t>
+            </a:r>
+          </a:p>
+        </p:txBody>
+      </p:sp>
+      <p:sp>
+        <p:nvSpPr>
+          <p:cNvPr id="152" name="Shape 152"/>
+          <p:cNvSpPr/>
+          <p:nvPr/>
+        </p:nvSpPr>
+        <p:spPr>
+          <a:xfrm>
+            <a:off y="1391800" x="538000"/>
+            <a:ext cy="515400" cx="650100"/>
+          </a:xfrm>
+          <a:prstGeom prst="curvedUpArrow">
+            <a:avLst>
+              <a:gd fmla="val 25000" name="adj1"/>
+              <a:gd fmla="val 50000" name="adj2"/>
+              <a:gd fmla="val 25000" name="adj3"/>
+            </a:avLst>
+          </a:prstGeom>
+          <a:solidFill>
+            <a:schemeClr val="lt2"/>
+          </a:solidFill>
+          <a:ln w="19050" cap="flat">
+            <a:solidFill>
+              <a:schemeClr val="dk2"/>
+            </a:solidFill>
+            <a:prstDash val="solid"/>
+            <a:round/>
+            <a:headEnd w="med" len="med" type="none"/>
+            <a:tailEnd w="med" len="med" type="none"/>
+          </a:ln>
+        </p:spPr>
+        <p:txBody>
+          <a:bodyPr bIns="91425" rIns="91425" lIns="91425" tIns="91425" anchor="ctr" anchorCtr="0">
+            <a:noAutofit/>
+          </a:bodyPr>
+          <a:lstStyle/>
+          <a:p/>
+        </p:txBody>
+      </p:sp>
+      <p:sp>
+        <p:nvSpPr>
+          <p:cNvPr id="153" name="Shape 153"/>
+          <p:cNvSpPr/>
+          <p:nvPr/>
+        </p:nvSpPr>
+        <p:spPr>
+          <a:xfrm>
+            <a:off y="2355450" x="403550"/>
+            <a:ext cy="524399" cx="728399"/>
+          </a:xfrm>
+          <a:prstGeom prst="mathNotEqual">
+            <a:avLst>
+              <a:gd fmla="val 23520" name="adj1"/>
+              <a:gd fmla="val 6600000" name="adj2"/>
+              <a:gd fmla="val 11760" name="adj3"/>
+            </a:avLst>
+          </a:prstGeom>
+          <a:solidFill>
+            <a:schemeClr val="lt2"/>
+          </a:solidFill>
+          <a:ln w="19050" cap="flat">
+            <a:solidFill>
+              <a:schemeClr val="dk2"/>
+            </a:solidFill>
+            <a:prstDash val="solid"/>
+            <a:round/>
+            <a:headEnd w="med" len="med" type="none"/>
+            <a:tailEnd w="med" len="med" type="none"/>
+          </a:ln>
+        </p:spPr>
+        <p:txBody>
+          <a:bodyPr bIns="91425" rIns="91425" lIns="91425" tIns="91425" anchor="ctr" anchorCtr="0">
+            <a:noAutofit/>
+          </a:bodyPr>
+          <a:lstStyle/>
+          <a:p/>
+        </p:txBody>
+      </p:sp>
+      <p:sp>
+        <p:nvSpPr>
+          <p:cNvPr id="154" name="Shape 154"/>
+          <p:cNvSpPr/>
+          <p:nvPr/>
+        </p:nvSpPr>
+        <p:spPr>
+          <a:xfrm>
+            <a:off y="3240750" x="448375"/>
+            <a:ext cy="524447" cx="795635"/>
+          </a:xfrm>
+          <a:prstGeom prst="cloud">
+            <a:avLst/>
+          </a:prstGeom>
+          <a:solidFill>
+            <a:schemeClr val="lt2"/>
+          </a:solidFill>
+          <a:ln w="19050" cap="flat">
+            <a:solidFill>
+              <a:schemeClr val="dk2"/>
+            </a:solidFill>
+            <a:prstDash val="solid"/>
+            <a:round/>
+            <a:headEnd w="med" len="med" type="none"/>
+            <a:tailEnd w="med" len="med" type="none"/>
+          </a:ln>
+        </p:spPr>
+        <p:txBody>
+          <a:bodyPr bIns="91425" rIns="91425" lIns="91425" tIns="91425" anchor="ctr" anchorCtr="0">
+            <a:noAutofit/>
+          </a:bodyPr>
+          <a:lstStyle/>
+          <a:p/>
+        </p:txBody>
+      </p:sp>
+      <p:sp>
+        <p:nvSpPr>
+          <p:cNvPr id="155" name="Shape 155"/>
+          <p:cNvSpPr txBox="1"/>
+          <p:nvPr/>
+        </p:nvSpPr>
+        <p:spPr>
+          <a:xfrm>
+            <a:off y="1122850" x="1255175"/>
+            <a:ext cy="268799" cx="269099"/>
+          </a:xfrm>
+          <a:prstGeom prst="rect">
+            <a:avLst/>
+          </a:prstGeom>
+        </p:spPr>
+        <p:txBody>
+          <a:bodyPr bIns="91425" rIns="91425" lIns="91425" tIns="91425" anchor="t" anchorCtr="0">
+            <a:noAutofit/>
+          </a:bodyPr>
+          <a:lstStyle/>
+          <a:p>
+            <a:pPr>
+              <a:buNone/>
+            </a:pPr>
+            <a:r>
+              <a:rPr lang="en"/>
+              <a:t>A</a:t>
+            </a:r>
+          </a:p>
+        </p:txBody>
+      </p:sp>
+      <p:sp>
+        <p:nvSpPr>
+          <p:cNvPr id="156" name="Shape 156"/>
+          <p:cNvSpPr txBox="1"/>
+          <p:nvPr/>
+        </p:nvSpPr>
+        <p:spPr>
+          <a:xfrm>
+            <a:off y="2041725" x="1311225"/>
+            <a:ext cy="268799" cx="269099"/>
+          </a:xfrm>
+          <a:prstGeom prst="rect">
+            <a:avLst/>
+          </a:prstGeom>
+        </p:spPr>
+        <p:txBody>
+          <a:bodyPr bIns="91425" rIns="91425" lIns="91425" tIns="91425" anchor="t" anchorCtr="0">
+            <a:noAutofit/>
+          </a:bodyPr>
+          <a:lstStyle/>
+          <a:p>
+            <a:pPr>
+              <a:buNone/>
+            </a:pPr>
+            <a:r>
+              <a:rPr lang="en"/>
+              <a:t>B</a:t>
+            </a:r>
+          </a:p>
+        </p:txBody>
+      </p:sp>
+      <p:sp>
+        <p:nvSpPr>
+          <p:cNvPr id="157" name="Shape 157"/>
+          <p:cNvSpPr txBox="1"/>
+          <p:nvPr/>
+        </p:nvSpPr>
+        <p:spPr>
+          <a:xfrm>
+            <a:off y="2994225" x="1322425"/>
+            <a:ext cy="123299" cx="269099"/>
+          </a:xfrm>
+          <a:prstGeom prst="rect">
+            <a:avLst/>
+          </a:prstGeom>
+        </p:spPr>
+        <p:txBody>
+          <a:bodyPr bIns="91425" rIns="91425" lIns="91425" tIns="91425" anchor="t" anchorCtr="0">
+            <a:noAutofit/>
+          </a:bodyPr>
+          <a:lstStyle/>
+          <a:p>
+            <a:pPr>
+              <a:buNone/>
+            </a:pPr>
+            <a:r>
+              <a:rPr lang="en"/>
+              <a:t>C</a:t>
+            </a:r>
+          </a:p>
+        </p:txBody>
+      </p:sp>
+      <p:sp>
+        <p:nvSpPr>
+          <p:cNvPr id="158" name="Shape 158"/>
+          <p:cNvSpPr txBox="1"/>
+          <p:nvPr/>
+        </p:nvSpPr>
+        <p:spPr>
+          <a:xfrm>
+            <a:off y="1044300" x="4358950"/>
+            <a:ext cy="630599" cx="1644900"/>
+          </a:xfrm>
+          <a:prstGeom prst="rect">
+            <a:avLst/>
+          </a:prstGeom>
+        </p:spPr>
+        <p:txBody>
+          <a:bodyPr bIns="91425" rIns="91425" lIns="91425" tIns="91425" anchor="t" anchorCtr="0">
+            <a:noAutofit/>
+          </a:bodyPr>
+          <a:lstStyle/>
+          <a:p>
+            <a:pPr>
+              <a:buNone/>
+            </a:pPr>
+            <a:r>
+              <a:rPr lang="en">
+                <a:solidFill>
+                  <a:schemeClr val="dk1"/>
+                </a:solidFill>
+              </a:rPr>
+              <a:t>Which sentence did you like best and why?</a:t>
+            </a:r>
+          </a:p>
+        </p:txBody>
+      </p:sp>
+      <p:sp>
+        <p:nvSpPr>
+          <p:cNvPr id="159" name="Shape 159"/>
+          <p:cNvSpPr txBox="1"/>
+          <p:nvPr/>
+        </p:nvSpPr>
+        <p:spPr>
+          <a:xfrm>
+            <a:off y="2833275" x="4415100"/>
+            <a:ext cy="750899" cx="1644900"/>
+          </a:xfrm>
+          <a:prstGeom prst="rect">
+            <a:avLst/>
+          </a:prstGeom>
+        </p:spPr>
+        <p:txBody>
+          <a:bodyPr bIns="91425" rIns="91425" lIns="91425" tIns="91425" anchor="t" anchorCtr="0">
+            <a:noAutofit/>
+          </a:bodyPr>
+          <a:lstStyle/>
+          <a:p>
+            <a:pPr rtl="0" lvl="0">
+              <a:buNone/>
+            </a:pPr>
+            <a:r>
+              <a:rPr lang="en">
+                <a:solidFill>
+                  <a:schemeClr val="dk1"/>
+                </a:solidFill>
+              </a:rPr>
+              <a:t>Which sentence needs to be revised and why?</a:t>
+            </a:r>
+          </a:p>
+        </p:txBody>
+      </p:sp>
+      <p:sp>
+        <p:nvSpPr>
+          <p:cNvPr id="160" name="Shape 160"/>
+          <p:cNvSpPr/>
+          <p:nvPr/>
+        </p:nvSpPr>
+        <p:spPr>
+          <a:xfrm>
+            <a:off y="1849237" x="4415100"/>
+            <a:ext cy="809699" cx="4244699"/>
+          </a:xfrm>
+          <a:prstGeom prst="rect">
+            <a:avLst/>
+          </a:prstGeom>
+          <a:solidFill>
+            <a:schemeClr val="lt2"/>
+          </a:solidFill>
+          <a:ln w="19050" cap="flat">
+            <a:solidFill>
+              <a:schemeClr val="dk2"/>
+            </a:solidFill>
+            <a:prstDash val="solid"/>
+            <a:round/>
+            <a:headEnd w="med" len="med" type="none"/>
+            <a:tailEnd w="med" len="med" type="none"/>
+          </a:ln>
+        </p:spPr>
+        <p:txBody>
+          <a:bodyPr bIns="91425" rIns="91425" lIns="91425" tIns="91425" anchor="ctr" anchorCtr="0">
+            <a:noAutofit/>
+          </a:bodyPr>
+          <a:lstStyle/>
+          <a:p>
+            <a:pPr>
+              <a:buNone/>
+            </a:pPr>
+            <a:r>
+              <a:rPr lang="en"/>
+              <a:t>why?</a:t>
+            </a:r>
+          </a:p>
+        </p:txBody>
+      </p:sp>
+      <p:sp>
+        <p:nvSpPr>
+          <p:cNvPr id="161" name="Shape 161"/>
+          <p:cNvSpPr/>
+          <p:nvPr/>
+        </p:nvSpPr>
+        <p:spPr>
+          <a:xfrm>
+            <a:off y="3584162" x="4415100"/>
+            <a:ext cy="809699" cx="4244699"/>
+          </a:xfrm>
+          <a:prstGeom prst="rect">
+            <a:avLst/>
+          </a:prstGeom>
+          <a:solidFill>
+            <a:schemeClr val="lt2"/>
+          </a:solidFill>
+          <a:ln w="19050" cap="flat">
+            <a:solidFill>
+              <a:schemeClr val="dk2"/>
+            </a:solidFill>
+            <a:prstDash val="solid"/>
+            <a:round/>
+            <a:headEnd w="med" len="med" type="none"/>
+            <a:tailEnd w="med" len="med" type="none"/>
+          </a:ln>
+        </p:spPr>
+        <p:txBody>
+          <a:bodyPr bIns="91425" rIns="91425" lIns="91425" tIns="91425" anchor="ctr" anchorCtr="0">
+            <a:noAutofit/>
+          </a:bodyPr>
+          <a:lstStyle/>
+          <a:p>
+            <a:pPr rtl="0" lvl="0">
+              <a:buNone/>
+            </a:pPr>
+            <a:r>
+              <a:rPr lang="en"/>
+              <a:t>why?</a:t>
+            </a:r>
+          </a:p>
+        </p:txBody>
+      </p:sp>
+      <p:sp>
+        <p:nvSpPr>
+          <p:cNvPr id="162" name="Shape 162"/>
+          <p:cNvSpPr/>
+          <p:nvPr/>
+        </p:nvSpPr>
+        <p:spPr>
+          <a:xfrm>
+            <a:off y="1363800" x="6295500"/>
+            <a:ext cy="470700" cx="2364300"/>
+          </a:xfrm>
+          <a:prstGeom prst="rect">
+            <a:avLst/>
+          </a:prstGeom>
+          <a:solidFill>
+            <a:schemeClr val="lt2"/>
+          </a:solidFill>
+          <a:ln w="19050" cap="flat">
+            <a:solidFill>
+              <a:schemeClr val="dk2"/>
+            </a:solidFill>
+            <a:prstDash val="solid"/>
+            <a:round/>
+            <a:headEnd w="med" len="med" type="none"/>
+            <a:tailEnd w="med" len="med" type="none"/>
+          </a:ln>
+        </p:spPr>
+        <p:txBody>
+          <a:bodyPr bIns="91425" rIns="91425" lIns="91425" tIns="91425" anchor="ctr" anchorCtr="0">
+            <a:noAutofit/>
+          </a:bodyPr>
+          <a:lstStyle/>
+          <a:p>
+            <a:pPr rtl="0" lvl="0">
+              <a:buNone/>
+            </a:pPr>
+            <a:r>
+              <a:rPr lang="en"/>
+              <a:t>Sentence:</a:t>
+            </a:r>
+          </a:p>
+        </p:txBody>
+      </p:sp>
+      <p:sp>
+        <p:nvSpPr>
+          <p:cNvPr id="163" name="Shape 163"/>
+          <p:cNvSpPr/>
+          <p:nvPr/>
+        </p:nvSpPr>
+        <p:spPr>
+          <a:xfrm>
+            <a:off y="3117600" x="6295500"/>
+            <a:ext cy="470700" cx="2364300"/>
+          </a:xfrm>
+          <a:prstGeom prst="rect">
+            <a:avLst/>
+          </a:prstGeom>
+          <a:solidFill>
+            <a:schemeClr val="lt2"/>
+          </a:solidFill>
+          <a:ln w="19050" cap="flat">
+            <a:solidFill>
+              <a:schemeClr val="dk2"/>
+            </a:solidFill>
+            <a:prstDash val="solid"/>
+            <a:round/>
+            <a:headEnd w="med" len="med" type="none"/>
+            <a:tailEnd w="med" len="med" type="none"/>
+          </a:ln>
+        </p:spPr>
+        <p:txBody>
+          <a:bodyPr bIns="91425" rIns="91425" lIns="91425" tIns="91425" anchor="ctr" anchorCtr="0">
+            <a:noAutofit/>
+          </a:bodyPr>
+          <a:lstStyle/>
+          <a:p>
+            <a:pPr rtl="0" lvl="0">
+              <a:buNone/>
+            </a:pPr>
+            <a:r>
+              <a:rPr lang="en"/>
+              <a:t>Sentence:</a:t>
+            </a:r>
+          </a:p>
+        </p:txBody>
+      </p:sp>
+      <p:sp>
+        <p:nvSpPr>
+          <p:cNvPr id="164" name="Shape 164"/>
+          <p:cNvSpPr/>
+          <p:nvPr/>
+        </p:nvSpPr>
+        <p:spPr>
+          <a:xfrm>
+            <a:off y="3190500" x="7452050"/>
+            <a:ext cy="324900" cx="728399"/>
+          </a:xfrm>
+          <a:prstGeom prst="rect">
+            <a:avLst/>
+          </a:prstGeom>
+          <a:solidFill>
+            <a:srgbClr val="FFFFFF"/>
+          </a:solidFill>
+          <a:ln w="19050" cap="flat">
+            <a:solidFill>
+              <a:schemeClr val="dk2"/>
+            </a:solidFill>
+            <a:prstDash val="solid"/>
+            <a:round/>
+            <a:headEnd w="med" len="med" type="none"/>
+            <a:tailEnd w="med" len="med" type="none"/>
+          </a:ln>
+        </p:spPr>
+        <p:txBody>
+          <a:bodyPr bIns="91425" rIns="91425" lIns="91425" tIns="91425" anchor="ctr" anchorCtr="0">
+            <a:noAutofit/>
+          </a:bodyPr>
+          <a:lstStyle/>
+          <a:p>
+            <a:pPr>
+              <a:buNone/>
+            </a:pPr>
+            <a:r>
+              <a:rPr lang="en"/>
+              <a:t>C</a:t>
+            </a:r>
+          </a:p>
+        </p:txBody>
+      </p:sp>
+      <p:sp>
+        <p:nvSpPr>
+          <p:cNvPr id="165" name="Shape 165"/>
+          <p:cNvSpPr/>
+          <p:nvPr/>
+        </p:nvSpPr>
+        <p:spPr>
+          <a:xfrm>
+            <a:off y="1436700" x="7402725"/>
+            <a:ext cy="324900" cx="728399"/>
+          </a:xfrm>
+          <a:prstGeom prst="rect">
+            <a:avLst/>
+          </a:prstGeom>
+          <a:solidFill>
+            <a:srgbClr val="FFFFFF"/>
+          </a:solidFill>
+          <a:ln w="19050" cap="flat">
+            <a:solidFill>
+              <a:schemeClr val="dk2"/>
+            </a:solidFill>
+            <a:prstDash val="solid"/>
+            <a:round/>
+            <a:headEnd w="med" len="med" type="none"/>
+            <a:tailEnd w="med" len="med" type="none"/>
+          </a:ln>
+        </p:spPr>
+        <p:txBody>
+          <a:bodyPr bIns="91425" rIns="91425" lIns="91425" tIns="91425" anchor="ctr" anchorCtr="0">
+            <a:noAutofit/>
+          </a:bodyPr>
+          <a:lstStyle/>
+          <a:p>
+            <a:pPr>
+              <a:buNone/>
+            </a:pPr>
+            <a:r>
+              <a:rPr lang="en"/>
+              <a:t>A</a:t>
+            </a:r>
+          </a:p>
+        </p:txBody>
+      </p:sp>
+    </p:spTree>
+  </p:cSld>
+  <p:clrMapOvr>
+    <a:masterClrMapping/>
+  </p:clrMapOvr>
+  <p:transition spd="slow">
+    <p:cut/>
+  </p:transition>
+</p:sld>
+</file>
+
+<file path=ppt/slides/slide11.xml><?xml version="1.0" encoding="utf-8"?>
+<p:sld xmlns:a="http://schemas.openxmlformats.org/drawingml/2006/main" xmlns:r="http://schemas.openxmlformats.org/officeDocument/2006/relationships" xmlns:mc="http://schemas.openxmlformats.org/markup-compatibility/2006" xmlns:mv="urn:schemas-microsoft-com:mac:vml" xmlns:p="http://schemas.openxmlformats.org/presentationml/2006/main" xmlns:c="http://schemas.openxmlformats.org/drawingml/2006/chart" xmlns:dgm="http://schemas.openxmlformats.org/drawingml/2006/diagram" xmlns:o="urn:schemas-microsoft-com:office:office" xmlns:v="urn:schemas-microsoft-com:vml" xmlns:pvml="urn:schemas-microsoft-com:office:powerpoint" xmlns:com="http://schemas.openxmlformats.org/drawingml/2006/compatibility" xmlns:p14="http://schemas.microsoft.com/office/powerpoint/2010/main">
+  <p:cSld>
+    <p:spTree>
+      <p:nvGrpSpPr>
+        <p:cNvPr id="169" name="Shape 169"/>
+        <p:cNvGrpSpPr/>
+        <p:nvPr/>
+      </p:nvGrpSpPr>
+      <p:grpSpPr>
+        <a:xfrm>
+          <a:off y="0" x="0"/>
+          <a:ext cy="0" cx="0"/>
+          <a:chOff y="0" x="0"/>
+          <a:chExt cy="0" cx="0"/>
+        </a:xfrm>
+      </p:grpSpPr>
+      <p:sp>
+        <p:nvSpPr>
+          <p:cNvPr id="170" name="Shape 170"/>
+          <p:cNvSpPr/>
+          <p:nvPr/>
+        </p:nvSpPr>
+        <p:spPr>
+          <a:xfrm>
+            <a:off y="0" x="0"/>
+            <a:ext cy="809699" cx="1769999"/>
+          </a:xfrm>
+          <a:prstGeom prst="rect">
+            <a:avLst/>
+          </a:prstGeom>
+          <a:solidFill>
+            <a:srgbClr val="00FF00"/>
+          </a:solidFill>
+          <a:ln w="19050" cap="flat">
+            <a:solidFill>
+              <a:schemeClr val="dk2"/>
+            </a:solidFill>
+            <a:prstDash val="solid"/>
+            <a:round/>
+            <a:headEnd w="med" len="med" type="none"/>
+            <a:tailEnd w="med" len="med" type="none"/>
+          </a:ln>
+        </p:spPr>
+        <p:txBody>
+          <a:bodyPr bIns="91425" rIns="91425" lIns="91425" tIns="91425" anchor="ctr" anchorCtr="0">
+            <a:noAutofit/>
+          </a:bodyPr>
+          <a:lstStyle/>
+          <a:p>
+            <a:pPr rtl="0" lvl="0">
+              <a:buNone/>
+            </a:pPr>
+            <a:r>
+              <a:rPr lang="en"/>
+              <a:t>Active Verbs</a:t>
+            </a:r>
+          </a:p>
+        </p:txBody>
+      </p:sp>
+      <p:sp>
+        <p:nvSpPr>
+          <p:cNvPr id="171" name="Shape 171"/>
+          <p:cNvSpPr/>
+          <p:nvPr/>
+        </p:nvSpPr>
+        <p:spPr>
+          <a:xfrm>
+            <a:off y="0" x="1770000"/>
+            <a:ext cy="809699" cx="1858499"/>
+          </a:xfrm>
+          <a:prstGeom prst="rect">
+            <a:avLst/>
+          </a:prstGeom>
+          <a:solidFill>
+            <a:schemeClr val="lt2"/>
+          </a:solidFill>
+          <a:ln w="19050" cap="flat">
+            <a:solidFill>
+              <a:schemeClr val="dk2"/>
+            </a:solidFill>
+            <a:prstDash val="solid"/>
+            <a:round/>
+            <a:headEnd w="med" len="med" type="none"/>
+            <a:tailEnd w="med" len="med" type="none"/>
+          </a:ln>
+        </p:spPr>
+        <p:txBody>
+          <a:bodyPr bIns="91425" rIns="91425" lIns="91425" tIns="91425" anchor="ctr" anchorCtr="0">
+            <a:noAutofit/>
+          </a:bodyPr>
+          <a:lstStyle/>
+          <a:p>
+            <a:pPr rtl="0" lvl="0">
+              <a:buNone/>
+            </a:pPr>
+            <a:r>
+              <a:rPr lang="en"/>
+              <a:t>Participles</a:t>
+            </a:r>
+          </a:p>
+        </p:txBody>
+      </p:sp>
+      <p:sp>
+        <p:nvSpPr>
+          <p:cNvPr id="172" name="Shape 172"/>
+          <p:cNvSpPr/>
+          <p:nvPr/>
+        </p:nvSpPr>
+        <p:spPr>
+          <a:xfrm>
+            <a:off y="0" x="3642750"/>
+            <a:ext cy="809699" cx="1769999"/>
+          </a:xfrm>
+          <a:prstGeom prst="rect">
+            <a:avLst/>
+          </a:prstGeom>
+          <a:solidFill>
+            <a:schemeClr val="lt2"/>
+          </a:solidFill>
+          <a:ln w="19050" cap="flat">
+            <a:solidFill>
+              <a:schemeClr val="dk2"/>
+            </a:solidFill>
+            <a:prstDash val="solid"/>
+            <a:round/>
+            <a:headEnd w="med" len="med" type="none"/>
+            <a:tailEnd w="med" len="med" type="none"/>
+          </a:ln>
+        </p:spPr>
+        <p:txBody>
+          <a:bodyPr bIns="91425" rIns="91425" lIns="91425" tIns="91425" anchor="ctr" anchorCtr="0">
+            <a:noAutofit/>
+          </a:bodyPr>
+          <a:lstStyle/>
+          <a:p>
+            <a:pPr rtl="0" lvl="0">
+              <a:buNone/>
+            </a:pPr>
+            <a:r>
+              <a:rPr lang="en"/>
+              <a:t>Absolutes</a:t>
+            </a:r>
+          </a:p>
+        </p:txBody>
+      </p:sp>
+      <p:sp>
+        <p:nvSpPr>
+          <p:cNvPr id="173" name="Shape 173"/>
+          <p:cNvSpPr/>
+          <p:nvPr/>
+        </p:nvSpPr>
+        <p:spPr>
+          <a:xfrm>
+            <a:off y="0" x="5412750"/>
+            <a:ext cy="809699" cx="1769999"/>
+          </a:xfrm>
+          <a:prstGeom prst="rect">
+            <a:avLst/>
+          </a:prstGeom>
+          <a:solidFill>
+            <a:schemeClr val="lt2"/>
+          </a:solidFill>
+          <a:ln w="19050" cap="flat">
+            <a:solidFill>
+              <a:schemeClr val="dk2"/>
+            </a:solidFill>
+            <a:prstDash val="solid"/>
+            <a:round/>
+            <a:headEnd w="med" len="med" type="none"/>
+            <a:tailEnd w="med" len="med" type="none"/>
+          </a:ln>
+        </p:spPr>
+        <p:txBody>
+          <a:bodyPr bIns="91425" rIns="91425" lIns="91425" tIns="91425" anchor="ctr" anchorCtr="0">
+            <a:noAutofit/>
+          </a:bodyPr>
+          <a:lstStyle/>
+          <a:p>
+            <a:pPr rtl="0" lvl="0">
+              <a:buNone/>
+            </a:pPr>
+            <a:r>
+              <a:rPr lang="en"/>
+              <a:t>Appositives</a:t>
+            </a:r>
+          </a:p>
+        </p:txBody>
+      </p:sp>
+      <p:sp>
+        <p:nvSpPr>
+          <p:cNvPr id="174" name="Shape 174"/>
+          <p:cNvSpPr/>
+          <p:nvPr/>
+        </p:nvSpPr>
+        <p:spPr>
+          <a:xfrm>
+            <a:off y="0" x="7182750"/>
+            <a:ext cy="809699" cx="1961099"/>
+          </a:xfrm>
+          <a:prstGeom prst="rect">
+            <a:avLst/>
+          </a:prstGeom>
+          <a:solidFill>
+            <a:schemeClr val="lt2"/>
+          </a:solidFill>
+          <a:ln w="19050" cap="flat">
+            <a:solidFill>
+              <a:schemeClr val="dk2"/>
+            </a:solidFill>
+            <a:prstDash val="solid"/>
+            <a:round/>
+            <a:headEnd w="med" len="med" type="none"/>
+            <a:tailEnd w="med" len="med" type="none"/>
+          </a:ln>
+        </p:spPr>
+        <p:txBody>
+          <a:bodyPr bIns="91425" rIns="91425" lIns="91425" tIns="91425" anchor="ctr" anchorCtr="0">
+            <a:noAutofit/>
+          </a:bodyPr>
+          <a:lstStyle/>
+          <a:p>
+            <a:pPr rtl="0" lvl="0">
+              <a:buNone/>
+            </a:pPr>
+            <a:r>
+              <a:rPr lang="en"/>
+              <a:t>Adjectives out of Order</a:t>
+            </a:r>
+          </a:p>
+        </p:txBody>
+      </p:sp>
+      <p:sp>
+        <p:nvSpPr>
+          <p:cNvPr id="175" name="Shape 175"/>
+          <p:cNvSpPr txBox="1"/>
+          <p:nvPr/>
+        </p:nvSpPr>
+        <p:spPr>
+          <a:xfrm>
+            <a:off y="1257325" x="2459700"/>
+            <a:ext cy="1411800" cx="4224600"/>
+          </a:xfrm>
+          <a:prstGeom prst="rect">
+            <a:avLst/>
+          </a:prstGeom>
+        </p:spPr>
+        <p:txBody>
+          <a:bodyPr bIns="91425" rIns="91425" lIns="91425" tIns="91425" anchor="t" anchorCtr="0">
+            <a:noAutofit/>
+          </a:bodyPr>
+          <a:lstStyle/>
+          <a:p>
+            <a:pPr rtl="0" lvl="0">
+              <a:buNone/>
+            </a:pPr>
+            <a:r>
+              <a:rPr lang="en"/>
+              <a:t>Your review has been returned to your peer.</a:t>
+            </a:r>
+          </a:p>
+          <a:p>
+            <a:pPr rtl="0" lvl="0">
+              <a:buNone/>
+            </a:pPr>
+            <a:r>
+              <a:rPr lang="en"/>
+              <a:t>Your work on “Active Verbs” has been returned!</a:t>
+            </a:r>
+          </a:p>
+        </p:txBody>
+      </p:sp>
+      <p:sp>
+        <p:nvSpPr>
+          <p:cNvPr id="176" name="Shape 176"/>
+          <p:cNvSpPr/>
+          <p:nvPr/>
+        </p:nvSpPr>
+        <p:spPr>
+          <a:xfrm>
+            <a:off y="2097775" x="3379200"/>
+            <a:ext cy="627599" cx="2100600"/>
+          </a:xfrm>
+          <a:prstGeom prst="rect">
+            <a:avLst/>
+          </a:prstGeom>
+          <a:solidFill>
+            <a:schemeClr val="lt2"/>
+          </a:solidFill>
+          <a:ln w="19050" cap="flat">
+            <a:solidFill>
+              <a:schemeClr val="dk2"/>
+            </a:solidFill>
+            <a:prstDash val="solid"/>
+            <a:round/>
+            <a:headEnd w="med" len="med" type="none"/>
+            <a:tailEnd w="med" len="med" type="none"/>
+          </a:ln>
+        </p:spPr>
+        <p:txBody>
+          <a:bodyPr bIns="91425" rIns="91425" lIns="91425" tIns="91425" anchor="ctr" anchorCtr="0">
+            <a:noAutofit/>
+          </a:bodyPr>
+          <a:lstStyle/>
+          <a:p>
+            <a:pPr rtl="0" lvl="0">
+              <a:buNone/>
+            </a:pPr>
+            <a:r>
+              <a:rPr lang="en"/>
+              <a:t>Press to see results</a:t>
+            </a:r>
+          </a:p>
+        </p:txBody>
+      </p:sp>
+    </p:spTree>
+  </p:cSld>
+  <p:clrMapOvr>
+    <a:masterClrMapping/>
+  </p:clrMapOvr>
+  <p:transition spd="slow">
+    <p:cut/>
+  </p:transition>
+</p:sld>
+</file>
+
+<file path=ppt/slides/slide12.xml><?xml version="1.0" encoding="utf-8"?>
+<p:sld xmlns:a="http://schemas.openxmlformats.org/drawingml/2006/main" xmlns:r="http://schemas.openxmlformats.org/officeDocument/2006/relationships" xmlns:mc="http://schemas.openxmlformats.org/markup-compatibility/2006" xmlns:mv="urn:schemas-microsoft-com:mac:vml" xmlns:p="http://schemas.openxmlformats.org/presentationml/2006/main" xmlns:c="http://schemas.openxmlformats.org/drawingml/2006/chart" xmlns:dgm="http://schemas.openxmlformats.org/drawingml/2006/diagram" xmlns:o="urn:schemas-microsoft-com:office:office" xmlns:v="urn:schemas-microsoft-com:vml" xmlns:pvml="urn:schemas-microsoft-com:office:powerpoint" xmlns:com="http://schemas.openxmlformats.org/drawingml/2006/compatibility" xmlns:p14="http://schemas.microsoft.com/office/powerpoint/2010/main">
+  <p:cSld>
+    <p:spTree>
+      <p:nvGrpSpPr>
+        <p:cNvPr id="180" name="Shape 180"/>
+        <p:cNvGrpSpPr/>
+        <p:nvPr/>
+      </p:nvGrpSpPr>
+      <p:grpSpPr>
+        <a:xfrm>
+          <a:off y="0" x="0"/>
+          <a:ext cy="0" cx="0"/>
+          <a:chOff y="0" x="0"/>
+          <a:chExt cy="0" cx="0"/>
+        </a:xfrm>
+      </p:grpSpPr>
+      <p:sp>
+        <p:nvSpPr>
+          <p:cNvPr id="181" name="Shape 181"/>
+          <p:cNvSpPr/>
+          <p:nvPr/>
+        </p:nvSpPr>
+        <p:spPr>
+          <a:xfrm>
+            <a:off y="0" x="0"/>
+            <a:ext cy="809699" cx="1769999"/>
+          </a:xfrm>
+          <a:prstGeom prst="rect">
+            <a:avLst/>
+          </a:prstGeom>
+          <a:solidFill>
+            <a:srgbClr val="00FF00"/>
+          </a:solidFill>
+          <a:ln w="19050" cap="flat">
+            <a:solidFill>
+              <a:schemeClr val="dk2"/>
+            </a:solidFill>
+            <a:prstDash val="solid"/>
+            <a:round/>
+            <a:headEnd w="med" len="med" type="none"/>
+            <a:tailEnd w="med" len="med" type="none"/>
+          </a:ln>
+        </p:spPr>
+        <p:txBody>
+          <a:bodyPr bIns="91425" rIns="91425" lIns="91425" tIns="91425" anchor="ctr" anchorCtr="0">
+            <a:noAutofit/>
+          </a:bodyPr>
+          <a:lstStyle/>
+          <a:p>
+            <a:pPr rtl="0" lvl="0">
+              <a:buNone/>
+            </a:pPr>
+            <a:r>
+              <a:rPr lang="en"/>
+              <a:t>Active Verbs</a:t>
+            </a:r>
+          </a:p>
+        </p:txBody>
+      </p:sp>
+      <p:sp>
+        <p:nvSpPr>
+          <p:cNvPr id="182" name="Shape 182"/>
+          <p:cNvSpPr/>
+          <p:nvPr/>
+        </p:nvSpPr>
+        <p:spPr>
+          <a:xfrm>
+            <a:off y="0" x="1770000"/>
+            <a:ext cy="809699" cx="1858499"/>
+          </a:xfrm>
+          <a:prstGeom prst="rect">
+            <a:avLst/>
+          </a:prstGeom>
+          <a:solidFill>
+            <a:schemeClr val="lt2"/>
+          </a:solidFill>
+          <a:ln w="19050" cap="flat">
+            <a:solidFill>
+              <a:schemeClr val="dk2"/>
+            </a:solidFill>
+            <a:prstDash val="solid"/>
+            <a:round/>
+            <a:headEnd w="med" len="med" type="none"/>
+            <a:tailEnd w="med" len="med" type="none"/>
+          </a:ln>
+        </p:spPr>
+        <p:txBody>
+          <a:bodyPr bIns="91425" rIns="91425" lIns="91425" tIns="91425" anchor="ctr" anchorCtr="0">
+            <a:noAutofit/>
+          </a:bodyPr>
+          <a:lstStyle/>
+          <a:p>
+            <a:pPr rtl="0" lvl="0">
+              <a:buNone/>
+            </a:pPr>
+            <a:r>
+              <a:rPr lang="en"/>
+              <a:t>Participles</a:t>
+            </a:r>
+          </a:p>
+        </p:txBody>
+      </p:sp>
+      <p:sp>
+        <p:nvSpPr>
+          <p:cNvPr id="183" name="Shape 183"/>
+          <p:cNvSpPr/>
+          <p:nvPr/>
+        </p:nvSpPr>
+        <p:spPr>
+          <a:xfrm>
+            <a:off y="0" x="3642750"/>
+            <a:ext cy="809699" cx="1769999"/>
+          </a:xfrm>
+          <a:prstGeom prst="rect">
+            <a:avLst/>
+          </a:prstGeom>
+          <a:solidFill>
+            <a:schemeClr val="lt2"/>
+          </a:solidFill>
+          <a:ln w="19050" cap="flat">
+            <a:solidFill>
+              <a:schemeClr val="dk2"/>
+            </a:solidFill>
+            <a:prstDash val="solid"/>
+            <a:round/>
+            <a:headEnd w="med" len="med" type="none"/>
+            <a:tailEnd w="med" len="med" type="none"/>
+          </a:ln>
+        </p:spPr>
+        <p:txBody>
+          <a:bodyPr bIns="91425" rIns="91425" lIns="91425" tIns="91425" anchor="ctr" anchorCtr="0">
+            <a:noAutofit/>
+          </a:bodyPr>
+          <a:lstStyle/>
+          <a:p>
+            <a:pPr rtl="0" lvl="0">
+              <a:buNone/>
+            </a:pPr>
+            <a:r>
+              <a:rPr lang="en"/>
+              <a:t>Absolutes</a:t>
+            </a:r>
+          </a:p>
+        </p:txBody>
+      </p:sp>
+      <p:sp>
+        <p:nvSpPr>
+          <p:cNvPr id="184" name="Shape 184"/>
+          <p:cNvSpPr/>
+          <p:nvPr/>
+        </p:nvSpPr>
+        <p:spPr>
+          <a:xfrm>
+            <a:off y="0" x="5412750"/>
+            <a:ext cy="809699" cx="1769999"/>
+          </a:xfrm>
+          <a:prstGeom prst="rect">
+            <a:avLst/>
+          </a:prstGeom>
+          <a:solidFill>
+            <a:schemeClr val="lt2"/>
+          </a:solidFill>
+          <a:ln w="19050" cap="flat">
+            <a:solidFill>
+              <a:schemeClr val="dk2"/>
+            </a:solidFill>
+            <a:prstDash val="solid"/>
+            <a:round/>
+            <a:headEnd w="med" len="med" type="none"/>
+            <a:tailEnd w="med" len="med" type="none"/>
+          </a:ln>
+        </p:spPr>
+        <p:txBody>
+          <a:bodyPr bIns="91425" rIns="91425" lIns="91425" tIns="91425" anchor="ctr" anchorCtr="0">
+            <a:noAutofit/>
+          </a:bodyPr>
+          <a:lstStyle/>
+          <a:p>
+            <a:pPr rtl="0" lvl="0">
+              <a:buNone/>
+            </a:pPr>
+            <a:r>
+              <a:rPr lang="en"/>
+              <a:t>Appositives</a:t>
+            </a:r>
+          </a:p>
+        </p:txBody>
+      </p:sp>
+      <p:sp>
+        <p:nvSpPr>
+          <p:cNvPr id="185" name="Shape 185"/>
+          <p:cNvSpPr/>
+          <p:nvPr/>
+        </p:nvSpPr>
+        <p:spPr>
+          <a:xfrm>
+            <a:off y="0" x="7182750"/>
+            <a:ext cy="809699" cx="1961099"/>
+          </a:xfrm>
+          <a:prstGeom prst="rect">
+            <a:avLst/>
+          </a:prstGeom>
+          <a:solidFill>
+            <a:schemeClr val="lt2"/>
+          </a:solidFill>
+          <a:ln w="19050" cap="flat">
+            <a:solidFill>
+              <a:schemeClr val="dk2"/>
+            </a:solidFill>
+            <a:prstDash val="solid"/>
+            <a:round/>
+            <a:headEnd w="med" len="med" type="none"/>
+            <a:tailEnd w="med" len="med" type="none"/>
+          </a:ln>
+        </p:spPr>
+        <p:txBody>
+          <a:bodyPr bIns="91425" rIns="91425" lIns="91425" tIns="91425" anchor="ctr" anchorCtr="0">
+            <a:noAutofit/>
+          </a:bodyPr>
+          <a:lstStyle/>
+          <a:p>
+            <a:pPr rtl="0" lvl="0">
+              <a:buNone/>
+            </a:pPr>
+            <a:r>
+              <a:rPr lang="en"/>
+              <a:t>Adjectives out of Order</a:t>
+            </a:r>
+          </a:p>
+        </p:txBody>
+      </p:sp>
+      <p:sp>
+        <p:nvSpPr>
+          <p:cNvPr id="186" name="Shape 186"/>
+          <p:cNvSpPr/>
+          <p:nvPr/>
+        </p:nvSpPr>
+        <p:spPr>
+          <a:xfrm>
+            <a:off y="1346975" x="560425"/>
+            <a:ext cy="616200" cx="470700"/>
+          </a:xfrm>
+          <a:prstGeom prst="moon">
+            <a:avLst>
+              <a:gd fmla="val 50000" name="adj"/>
+            </a:avLst>
+          </a:prstGeom>
+          <a:solidFill>
+            <a:schemeClr val="lt2"/>
+          </a:solidFill>
+          <a:ln w="19050" cap="flat">
+            <a:solidFill>
+              <a:schemeClr val="dk2"/>
+            </a:solidFill>
+            <a:prstDash val="solid"/>
+            <a:round/>
+            <a:headEnd w="med" len="med" type="none"/>
+            <a:tailEnd w="med" len="med" type="none"/>
+          </a:ln>
+        </p:spPr>
+        <p:txBody>
+          <a:bodyPr bIns="91425" rIns="91425" lIns="91425" tIns="91425" anchor="ctr" anchorCtr="0">
+            <a:noAutofit/>
+          </a:bodyPr>
+          <a:lstStyle/>
+          <a:p/>
+        </p:txBody>
+      </p:sp>
+      <p:sp>
+        <p:nvSpPr>
+          <p:cNvPr id="187" name="Shape 187"/>
+          <p:cNvSpPr/>
+          <p:nvPr/>
+        </p:nvSpPr>
+        <p:spPr>
+          <a:xfrm>
+            <a:off y="2263650" x="453925"/>
+            <a:ext cy="616200" cx="683699"/>
+          </a:xfrm>
+          <a:prstGeom prst="smileyFace">
+            <a:avLst>
+              <a:gd fmla="val 4653" name="adj"/>
+            </a:avLst>
+          </a:prstGeom>
+          <a:solidFill>
+            <a:schemeClr val="lt2"/>
+          </a:solidFill>
+          <a:ln w="19050" cap="flat">
+            <a:solidFill>
+              <a:schemeClr val="dk2"/>
+            </a:solidFill>
+            <a:prstDash val="solid"/>
+            <a:round/>
+            <a:headEnd w="med" len="med" type="none"/>
+            <a:tailEnd w="med" len="med" type="none"/>
+          </a:ln>
+        </p:spPr>
+        <p:txBody>
+          <a:bodyPr bIns="91425" rIns="91425" lIns="91425" tIns="91425" anchor="ctr" anchorCtr="0">
+            <a:noAutofit/>
+          </a:bodyPr>
+          <a:lstStyle/>
+          <a:p/>
+        </p:txBody>
+      </p:sp>
+      <p:sp>
+        <p:nvSpPr>
+          <p:cNvPr id="188" name="Shape 188"/>
+          <p:cNvSpPr/>
+          <p:nvPr/>
+        </p:nvSpPr>
+        <p:spPr>
+          <a:xfrm>
+            <a:off y="3039025" x="420362"/>
+            <a:ext cy="694763" cx="750816"/>
+          </a:xfrm>
+          <a:prstGeom prst="irregularSeal1">
+            <a:avLst/>
+          </a:prstGeom>
+          <a:solidFill>
+            <a:schemeClr val="lt2"/>
+          </a:solidFill>
+          <a:ln w="19050" cap="flat">
+            <a:solidFill>
+              <a:schemeClr val="dk2"/>
+            </a:solidFill>
+            <a:prstDash val="solid"/>
+            <a:round/>
+            <a:headEnd w="med" len="med" type="none"/>
+            <a:tailEnd w="med" len="med" type="none"/>
+          </a:ln>
+        </p:spPr>
+        <p:txBody>
+          <a:bodyPr bIns="91425" rIns="91425" lIns="91425" tIns="91425" anchor="ctr" anchorCtr="0">
+            <a:noAutofit/>
+          </a:bodyPr>
+          <a:lstStyle/>
+          <a:p/>
+        </p:txBody>
+      </p:sp>
+      <p:sp>
+        <p:nvSpPr>
+          <p:cNvPr id="189" name="Shape 189"/>
+          <p:cNvSpPr/>
+          <p:nvPr/>
+        </p:nvSpPr>
+        <p:spPr>
+          <a:xfrm>
+            <a:off y="1291050" x="1591375"/>
+            <a:ext cy="616200" cx="2364300"/>
+          </a:xfrm>
+          <a:prstGeom prst="rect">
+            <a:avLst/>
+          </a:prstGeom>
+          <a:solidFill>
+            <a:schemeClr val="lt2"/>
+          </a:solidFill>
+          <a:ln w="19050" cap="flat">
+            <a:solidFill>
+              <a:schemeClr val="dk2"/>
+            </a:solidFill>
+            <a:prstDash val="solid"/>
+            <a:round/>
+            <a:headEnd w="med" len="med" type="none"/>
+            <a:tailEnd w="med" len="med" type="none"/>
+          </a:ln>
+        </p:spPr>
+        <p:txBody>
+          <a:bodyPr bIns="91425" rIns="91425" lIns="91425" tIns="91425" anchor="ctr" anchorCtr="0">
+            <a:noAutofit/>
+          </a:bodyPr>
+          <a:lstStyle/>
+          <a:p>
+            <a:pPr rtl="0" lvl="0">
+              <a:buNone/>
+            </a:pPr>
+            <a:r>
+              <a:rPr lang="en"/>
+              <a:t>Student Response</a:t>
+            </a:r>
+          </a:p>
+        </p:txBody>
+      </p:sp>
+      <p:sp>
+        <p:nvSpPr>
+          <p:cNvPr id="190" name="Shape 190"/>
+          <p:cNvSpPr/>
+          <p:nvPr/>
+        </p:nvSpPr>
+        <p:spPr>
+          <a:xfrm>
+            <a:off y="2263650" x="1591375"/>
+            <a:ext cy="616200" cx="2364300"/>
+          </a:xfrm>
+          <a:prstGeom prst="rect">
+            <a:avLst/>
+          </a:prstGeom>
+          <a:solidFill>
+            <a:schemeClr val="lt2"/>
+          </a:solidFill>
+          <a:ln w="19050" cap="flat">
+            <a:solidFill>
+              <a:schemeClr val="dk2"/>
+            </a:solidFill>
+            <a:prstDash val="solid"/>
+            <a:round/>
+            <a:headEnd w="med" len="med" type="none"/>
+            <a:tailEnd w="med" len="med" type="none"/>
+          </a:ln>
+        </p:spPr>
+        <p:txBody>
+          <a:bodyPr bIns="91425" rIns="91425" lIns="91425" tIns="91425" anchor="ctr" anchorCtr="0">
+            <a:noAutofit/>
+          </a:bodyPr>
+          <a:lstStyle/>
+          <a:p>
+            <a:pPr rtl="0" lvl="0">
+              <a:buNone/>
+            </a:pPr>
+            <a:r>
+              <a:rPr lang="en"/>
+              <a:t>Student Response</a:t>
+            </a:r>
+          </a:p>
+        </p:txBody>
+      </p:sp>
+      <p:sp>
+        <p:nvSpPr>
+          <p:cNvPr id="191" name="Shape 191"/>
+          <p:cNvSpPr/>
+          <p:nvPr/>
+        </p:nvSpPr>
+        <p:spPr>
+          <a:xfrm>
+            <a:off y="3117600" x="1591375"/>
+            <a:ext cy="616200" cx="2364300"/>
+          </a:xfrm>
+          <a:prstGeom prst="rect">
+            <a:avLst/>
+          </a:prstGeom>
+          <a:solidFill>
+            <a:schemeClr val="lt2"/>
+          </a:solidFill>
+          <a:ln w="19050" cap="flat">
+            <a:solidFill>
+              <a:schemeClr val="dk2"/>
+            </a:solidFill>
+            <a:prstDash val="solid"/>
+            <a:round/>
+            <a:headEnd w="med" len="med" type="none"/>
+            <a:tailEnd w="med" len="med" type="none"/>
+          </a:ln>
+        </p:spPr>
+        <p:txBody>
+          <a:bodyPr bIns="91425" rIns="91425" lIns="91425" tIns="91425" anchor="ctr" anchorCtr="0">
+            <a:noAutofit/>
+          </a:bodyPr>
+          <a:lstStyle/>
+          <a:p>
+            <a:pPr rtl="0" lvl="0">
+              <a:buNone/>
+            </a:pPr>
+            <a:r>
+              <a:rPr lang="en"/>
+              <a:t>Student Response</a:t>
+            </a:r>
+          </a:p>
+        </p:txBody>
+      </p:sp>
+      <p:sp>
+        <p:nvSpPr>
+          <p:cNvPr id="192" name="Shape 192"/>
+          <p:cNvSpPr/>
+          <p:nvPr/>
+        </p:nvSpPr>
+        <p:spPr>
+          <a:xfrm>
+            <a:off y="4336650" x="7104650"/>
+            <a:ext cy="885300" cx="1692000"/>
+          </a:xfrm>
+          <a:prstGeom prst="rightArrow">
+            <a:avLst>
+              <a:gd fmla="val 50000" name="adj1"/>
+              <a:gd fmla="val 50000" name="adj2"/>
+            </a:avLst>
+          </a:prstGeom>
+          <a:solidFill>
+            <a:schemeClr val="lt2"/>
+          </a:solidFill>
+          <a:ln w="19050" cap="flat">
+            <a:solidFill>
+              <a:schemeClr val="dk2"/>
+            </a:solidFill>
+            <a:prstDash val="solid"/>
+            <a:round/>
+            <a:headEnd w="med" len="med" type="none"/>
+            <a:tailEnd w="med" len="med" type="none"/>
+          </a:ln>
+        </p:spPr>
+        <p:txBody>
+          <a:bodyPr bIns="91425" rIns="91425" lIns="91425" tIns="91425" anchor="ctr" anchorCtr="0">
+            <a:noAutofit/>
+          </a:bodyPr>
+          <a:lstStyle/>
+          <a:p>
+            <a:pPr rtl="0" lvl="0">
+              <a:buNone/>
+            </a:pPr>
+            <a:r>
+              <a:rPr lang="en"/>
+              <a:t>Send to Teacher</a:t>
+            </a:r>
+          </a:p>
+        </p:txBody>
+      </p:sp>
+      <p:sp>
+        <p:nvSpPr>
+          <p:cNvPr id="193" name="Shape 193"/>
+          <p:cNvSpPr txBox="1"/>
+          <p:nvPr/>
+        </p:nvSpPr>
+        <p:spPr>
+          <a:xfrm>
+            <a:off y="800050" x="4762625"/>
+            <a:ext cy="548999" cx="2776499"/>
+          </a:xfrm>
+          <a:prstGeom prst="rect">
+            <a:avLst/>
+          </a:prstGeom>
+        </p:spPr>
+        <p:txBody>
+          <a:bodyPr bIns="91425" rIns="91425" lIns="91425" tIns="91425" anchor="t" anchorCtr="0">
+            <a:noAutofit/>
+          </a:bodyPr>
+          <a:lstStyle/>
+          <a:p>
+            <a:pPr>
+              <a:buNone/>
+            </a:pPr>
+            <a:r>
+              <a:rPr lang="en"/>
+              <a:t>Your work has been reviewed! Heres what your peer thought:</a:t>
+            </a:r>
+          </a:p>
+        </p:txBody>
+      </p:sp>
+      <p:sp>
+        <p:nvSpPr>
+          <p:cNvPr id="194" name="Shape 194"/>
+          <p:cNvSpPr txBox="1"/>
+          <p:nvPr/>
+        </p:nvSpPr>
+        <p:spPr>
+          <a:xfrm>
+            <a:off y="1283850" x="4415100"/>
+            <a:ext cy="630599" cx="1769999"/>
+          </a:xfrm>
+          <a:prstGeom prst="rect">
+            <a:avLst/>
+          </a:prstGeom>
+        </p:spPr>
+        <p:txBody>
+          <a:bodyPr bIns="91425" rIns="91425" lIns="91425" tIns="91425" anchor="t" anchorCtr="0">
+            <a:noAutofit/>
+          </a:bodyPr>
+          <a:lstStyle/>
+          <a:p>
+            <a:pPr rtl="0" lvl="0">
+              <a:buNone/>
+            </a:pPr>
+            <a:r>
+              <a:rPr sz="1100" lang="en">
+                <a:solidFill>
+                  <a:schemeClr val="dk1"/>
+                </a:solidFill>
+              </a:rPr>
+              <a:t>Which sentence did you like best and why?</a:t>
+            </a:r>
+          </a:p>
+        </p:txBody>
+      </p:sp>
+      <p:sp>
+        <p:nvSpPr>
+          <p:cNvPr id="195" name="Shape 195"/>
+          <p:cNvSpPr txBox="1"/>
+          <p:nvPr/>
+        </p:nvSpPr>
+        <p:spPr>
+          <a:xfrm>
+            <a:off y="2833275" x="4415100"/>
+            <a:ext cy="750899" cx="1644900"/>
+          </a:xfrm>
+          <a:prstGeom prst="rect">
+            <a:avLst/>
+          </a:prstGeom>
+        </p:spPr>
+        <p:txBody>
+          <a:bodyPr bIns="91425" rIns="91425" lIns="91425" tIns="91425" anchor="t" anchorCtr="0">
+            <a:noAutofit/>
+          </a:bodyPr>
+          <a:lstStyle/>
+          <a:p>
+            <a:pPr rtl="0" lvl="0">
+              <a:buNone/>
+            </a:pPr>
+            <a:r>
+              <a:rPr lang="en">
+                <a:solidFill>
+                  <a:schemeClr val="dk1"/>
+                </a:solidFill>
+              </a:rPr>
+              <a:t>Which sentence needs to be revised and why?</a:t>
+            </a:r>
+          </a:p>
+        </p:txBody>
+      </p:sp>
+      <p:sp>
+        <p:nvSpPr>
+          <p:cNvPr id="196" name="Shape 196"/>
+          <p:cNvSpPr/>
+          <p:nvPr/>
+        </p:nvSpPr>
+        <p:spPr>
+          <a:xfrm>
+            <a:off y="1849237" x="4415100"/>
+            <a:ext cy="809699" cx="4244699"/>
+          </a:xfrm>
+          <a:prstGeom prst="rect">
+            <a:avLst/>
+          </a:prstGeom>
+          <a:solidFill>
+            <a:schemeClr val="lt2"/>
+          </a:solidFill>
+          <a:ln w="19050" cap="flat">
+            <a:solidFill>
+              <a:schemeClr val="dk2"/>
+            </a:solidFill>
+            <a:prstDash val="solid"/>
+            <a:round/>
+            <a:headEnd w="med" len="med" type="none"/>
+            <a:tailEnd w="med" len="med" type="none"/>
+          </a:ln>
+        </p:spPr>
+        <p:txBody>
+          <a:bodyPr bIns="91425" rIns="91425" lIns="91425" tIns="91425" anchor="ctr" anchorCtr="0">
+            <a:noAutofit/>
+          </a:bodyPr>
+          <a:lstStyle/>
+          <a:p>
+            <a:pPr rtl="0" lvl="0">
+              <a:buNone/>
+            </a:pPr>
+            <a:r>
+              <a:rPr lang="en"/>
+              <a:t>why?</a:t>
+            </a:r>
+          </a:p>
+        </p:txBody>
+      </p:sp>
+      <p:sp>
+        <p:nvSpPr>
+          <p:cNvPr id="197" name="Shape 197"/>
+          <p:cNvSpPr/>
+          <p:nvPr/>
+        </p:nvSpPr>
+        <p:spPr>
+          <a:xfrm>
+            <a:off y="3584162" x="4415100"/>
+            <a:ext cy="809699" cx="4244699"/>
+          </a:xfrm>
+          <a:prstGeom prst="rect">
+            <a:avLst/>
+          </a:prstGeom>
+          <a:solidFill>
+            <a:schemeClr val="lt2"/>
+          </a:solidFill>
+          <a:ln w="19050" cap="flat">
+            <a:solidFill>
+              <a:schemeClr val="dk2"/>
+            </a:solidFill>
+            <a:prstDash val="solid"/>
+            <a:round/>
+            <a:headEnd w="med" len="med" type="none"/>
+            <a:tailEnd w="med" len="med" type="none"/>
+          </a:ln>
+        </p:spPr>
+        <p:txBody>
+          <a:bodyPr bIns="91425" rIns="91425" lIns="91425" tIns="91425" anchor="ctr" anchorCtr="0">
+            <a:noAutofit/>
+          </a:bodyPr>
+          <a:lstStyle/>
+          <a:p>
+            <a:pPr rtl="0" lvl="0">
+              <a:buNone/>
+            </a:pPr>
+            <a:r>
+              <a:rPr lang="en"/>
+              <a:t>why?</a:t>
+            </a:r>
+          </a:p>
+        </p:txBody>
+      </p:sp>
+      <p:sp>
+        <p:nvSpPr>
+          <p:cNvPr id="198" name="Shape 198"/>
+          <p:cNvSpPr/>
+          <p:nvPr/>
+        </p:nvSpPr>
+        <p:spPr>
+          <a:xfrm>
+            <a:off y="1363800" x="6295500"/>
+            <a:ext cy="470700" cx="2364300"/>
+          </a:xfrm>
+          <a:prstGeom prst="rect">
+            <a:avLst/>
+          </a:prstGeom>
+          <a:solidFill>
+            <a:schemeClr val="lt2"/>
+          </a:solidFill>
+          <a:ln w="19050" cap="flat">
+            <a:solidFill>
+              <a:schemeClr val="dk2"/>
+            </a:solidFill>
+            <a:prstDash val="solid"/>
+            <a:round/>
+            <a:headEnd w="med" len="med" type="none"/>
+            <a:tailEnd w="med" len="med" type="none"/>
+          </a:ln>
+        </p:spPr>
+        <p:txBody>
+          <a:bodyPr bIns="91425" rIns="91425" lIns="91425" tIns="91425" anchor="ctr" anchorCtr="0">
+            <a:noAutofit/>
+          </a:bodyPr>
+          <a:lstStyle/>
+          <a:p>
+            <a:pPr rtl="0" lvl="0">
+              <a:buNone/>
+            </a:pPr>
+            <a:r>
+              <a:rPr lang="en"/>
+              <a:t>Sentence:</a:t>
+            </a:r>
+          </a:p>
+        </p:txBody>
+      </p:sp>
+      <p:sp>
+        <p:nvSpPr>
+          <p:cNvPr id="199" name="Shape 199"/>
+          <p:cNvSpPr/>
+          <p:nvPr/>
+        </p:nvSpPr>
+        <p:spPr>
+          <a:xfrm>
+            <a:off y="3117600" x="6295500"/>
+            <a:ext cy="470700" cx="2364300"/>
+          </a:xfrm>
+          <a:prstGeom prst="rect">
+            <a:avLst/>
+          </a:prstGeom>
+          <a:solidFill>
+            <a:schemeClr val="lt2"/>
+          </a:solidFill>
+          <a:ln w="19050" cap="flat">
+            <a:solidFill>
+              <a:schemeClr val="dk2"/>
+            </a:solidFill>
+            <a:prstDash val="solid"/>
+            <a:round/>
+            <a:headEnd w="med" len="med" type="none"/>
+            <a:tailEnd w="med" len="med" type="none"/>
+          </a:ln>
+        </p:spPr>
+        <p:txBody>
+          <a:bodyPr bIns="91425" rIns="91425" lIns="91425" tIns="91425" anchor="ctr" anchorCtr="0">
+            <a:noAutofit/>
+          </a:bodyPr>
+          <a:lstStyle/>
+          <a:p>
+            <a:pPr rtl="0" lvl="0">
+              <a:buNone/>
+            </a:pPr>
+            <a:r>
+              <a:rPr lang="en"/>
+              <a:t>Sentence:</a:t>
+            </a:r>
+          </a:p>
+        </p:txBody>
+      </p:sp>
+      <p:sp>
+        <p:nvSpPr>
+          <p:cNvPr id="200" name="Shape 200"/>
+          <p:cNvSpPr/>
+          <p:nvPr/>
+        </p:nvSpPr>
+        <p:spPr>
+          <a:xfrm>
+            <a:off y="3190500" x="7452050"/>
+            <a:ext cy="324900" cx="728399"/>
+          </a:xfrm>
+          <a:prstGeom prst="rect">
+            <a:avLst/>
+          </a:prstGeom>
+          <a:solidFill>
+            <a:srgbClr val="D9D9D9"/>
+          </a:solidFill>
+          <a:ln w="19050" cap="flat">
+            <a:solidFill>
+              <a:schemeClr val="dk2"/>
+            </a:solidFill>
+            <a:prstDash val="solid"/>
+            <a:round/>
+            <a:headEnd w="med" len="med" type="none"/>
+            <a:tailEnd w="med" len="med" type="none"/>
+          </a:ln>
+        </p:spPr>
+        <p:txBody>
+          <a:bodyPr bIns="91425" rIns="91425" lIns="91425" tIns="91425" anchor="ctr" anchorCtr="0">
+            <a:noAutofit/>
+          </a:bodyPr>
+          <a:lstStyle/>
+          <a:p>
+            <a:pPr rtl="0" lvl="0">
+              <a:buNone/>
+            </a:pPr>
+            <a:r>
+              <a:rPr lang="en"/>
+              <a:t>A</a:t>
+            </a:r>
+          </a:p>
+        </p:txBody>
+      </p:sp>
+      <p:sp>
+        <p:nvSpPr>
+          <p:cNvPr id="201" name="Shape 201"/>
+          <p:cNvSpPr/>
+          <p:nvPr/>
+        </p:nvSpPr>
+        <p:spPr>
+          <a:xfrm>
+            <a:off y="1436700" x="7402725"/>
+            <a:ext cy="324900" cx="728399"/>
+          </a:xfrm>
+          <a:prstGeom prst="rect">
+            <a:avLst/>
+          </a:prstGeom>
+          <a:solidFill>
+            <a:srgbClr val="D9D9D9"/>
+          </a:solidFill>
+          <a:ln w="19050" cap="flat">
+            <a:solidFill>
+              <a:schemeClr val="dk2"/>
+            </a:solidFill>
+            <a:prstDash val="solid"/>
+            <a:round/>
+            <a:headEnd w="med" len="med" type="none"/>
+            <a:tailEnd w="med" len="med" type="none"/>
+          </a:ln>
+        </p:spPr>
+        <p:txBody>
+          <a:bodyPr bIns="91425" rIns="91425" lIns="91425" tIns="91425" anchor="ctr" anchorCtr="0">
+            <a:noAutofit/>
+          </a:bodyPr>
+          <a:lstStyle/>
+          <a:p>
+            <a:pPr rtl="0" lvl="0">
+              <a:buNone/>
+            </a:pPr>
+            <a:r>
+              <a:rPr lang="en"/>
+              <a:t>B</a:t>
+            </a:r>
+          </a:p>
+        </p:txBody>
+      </p:sp>
+    </p:spTree>
+  </p:cSld>
+  <p:clrMapOvr>
+    <a:masterClrMapping/>
+  </p:clrMapOvr>
+  <p:transition spd="slow">
+    <p:cut/>
+  </p:transition>
+</p:sld>
+</file>
+
+<file path=ppt/slides/slide13.xml><?xml version="1.0" encoding="utf-8"?>
+<p:sld xmlns:a="http://schemas.openxmlformats.org/drawingml/2006/main" xmlns:r="http://schemas.openxmlformats.org/officeDocument/2006/relationships" xmlns:mc="http://schemas.openxmlformats.org/markup-compatibility/2006" xmlns:mv="urn:schemas-microsoft-com:mac:vml" xmlns:p="http://schemas.openxmlformats.org/presentationml/2006/main" xmlns:c="http://schemas.openxmlformats.org/drawingml/2006/chart" xmlns:dgm="http://schemas.openxmlformats.org/drawingml/2006/diagram" xmlns:o="urn:schemas-microsoft-com:office:office" xmlns:v="urn:schemas-microsoft-com:vml" xmlns:pvml="urn:schemas-microsoft-com:office:powerpoint" xmlns:com="http://schemas.openxmlformats.org/drawingml/2006/compatibility" xmlns:p14="http://schemas.microsoft.com/office/powerpoint/2010/main">
+  <p:cSld>
+    <p:spTree>
+      <p:nvGrpSpPr>
+        <p:cNvPr id="205" name="Shape 205"/>
+        <p:cNvGrpSpPr/>
+        <p:nvPr/>
+      </p:nvGrpSpPr>
+      <p:grpSpPr>
+        <a:xfrm>
+          <a:off y="0" x="0"/>
+          <a:ext cy="0" cx="0"/>
+          <a:chOff y="0" x="0"/>
+          <a:chExt cy="0" cx="0"/>
+        </a:xfrm>
+      </p:grpSpPr>
+      <p:sp>
+        <p:nvSpPr>
+          <p:cNvPr id="206" name="Shape 206"/>
+          <p:cNvSpPr/>
+          <p:nvPr/>
+        </p:nvSpPr>
+        <p:spPr>
+          <a:xfrm>
+            <a:off y="0" x="0"/>
+            <a:ext cy="809699" cx="1769999"/>
+          </a:xfrm>
+          <a:prstGeom prst="rect">
+            <a:avLst/>
+          </a:prstGeom>
+          <a:solidFill>
+            <a:schemeClr val="lt2"/>
+          </a:solidFill>
+          <a:ln w="19050" cap="flat">
+            <a:solidFill>
+              <a:schemeClr val="dk2"/>
+            </a:solidFill>
+            <a:prstDash val="solid"/>
+            <a:round/>
+            <a:headEnd w="med" len="med" type="none"/>
+            <a:tailEnd w="med" len="med" type="none"/>
+          </a:ln>
+        </p:spPr>
+        <p:txBody>
+          <a:bodyPr bIns="91425" rIns="91425" lIns="91425" tIns="91425" anchor="ctr" anchorCtr="0">
+            <a:noAutofit/>
+          </a:bodyPr>
+          <a:lstStyle/>
+          <a:p>
+            <a:pPr rtl="0" lvl="0">
+              <a:buNone/>
+            </a:pPr>
+            <a:r>
+              <a:rPr lang="en"/>
+              <a:t>Active Verbs</a:t>
+            </a:r>
+          </a:p>
+        </p:txBody>
+      </p:sp>
+      <p:sp>
+        <p:nvSpPr>
+          <p:cNvPr id="207" name="Shape 207"/>
+          <p:cNvSpPr/>
+          <p:nvPr/>
+        </p:nvSpPr>
+        <p:spPr>
+          <a:xfrm>
+            <a:off y="0" x="1770000"/>
+            <a:ext cy="809699" cx="1858499"/>
+          </a:xfrm>
+          <a:prstGeom prst="rect">
+            <a:avLst/>
+          </a:prstGeom>
+          <a:solidFill>
+            <a:srgbClr val="00FF00"/>
+          </a:solidFill>
+          <a:ln w="19050" cap="flat">
+            <a:solidFill>
+              <a:schemeClr val="dk2"/>
+            </a:solidFill>
+            <a:prstDash val="solid"/>
+            <a:round/>
+            <a:headEnd w="med" len="med" type="none"/>
+            <a:tailEnd w="med" len="med" type="none"/>
+          </a:ln>
+        </p:spPr>
+        <p:txBody>
+          <a:bodyPr bIns="91425" rIns="91425" lIns="91425" tIns="91425" anchor="ctr" anchorCtr="0">
+            <a:noAutofit/>
+          </a:bodyPr>
+          <a:lstStyle/>
+          <a:p>
+            <a:pPr rtl="0" lvl="0">
+              <a:buNone/>
+            </a:pPr>
+            <a:r>
+              <a:rPr lang="en"/>
+              <a:t>Participles</a:t>
+            </a:r>
+          </a:p>
+        </p:txBody>
+      </p:sp>
+      <p:sp>
+        <p:nvSpPr>
+          <p:cNvPr id="208" name="Shape 208"/>
+          <p:cNvSpPr/>
+          <p:nvPr/>
+        </p:nvSpPr>
+        <p:spPr>
+          <a:xfrm>
+            <a:off y="0" x="3642750"/>
+            <a:ext cy="809699" cx="1769999"/>
+          </a:xfrm>
+          <a:prstGeom prst="rect">
+            <a:avLst/>
+          </a:prstGeom>
+          <a:solidFill>
+            <a:schemeClr val="lt2"/>
+          </a:solidFill>
+          <a:ln w="19050" cap="flat">
+            <a:solidFill>
+              <a:schemeClr val="dk2"/>
+            </a:solidFill>
+            <a:prstDash val="solid"/>
+            <a:round/>
+            <a:headEnd w="med" len="med" type="none"/>
+            <a:tailEnd w="med" len="med" type="none"/>
+          </a:ln>
+        </p:spPr>
+        <p:txBody>
+          <a:bodyPr bIns="91425" rIns="91425" lIns="91425" tIns="91425" anchor="ctr" anchorCtr="0">
+            <a:noAutofit/>
+          </a:bodyPr>
+          <a:lstStyle/>
+          <a:p>
+            <a:pPr rtl="0" lvl="0">
+              <a:buNone/>
+            </a:pPr>
+            <a:r>
+              <a:rPr lang="en"/>
+              <a:t>Absolutes</a:t>
+            </a:r>
+          </a:p>
+        </p:txBody>
+      </p:sp>
+      <p:sp>
+        <p:nvSpPr>
+          <p:cNvPr id="209" name="Shape 209"/>
+          <p:cNvSpPr/>
+          <p:nvPr/>
+        </p:nvSpPr>
+        <p:spPr>
+          <a:xfrm>
+            <a:off y="0" x="5412750"/>
+            <a:ext cy="809699" cx="1769999"/>
+          </a:xfrm>
+          <a:prstGeom prst="rect">
+            <a:avLst/>
+          </a:prstGeom>
+          <a:solidFill>
+            <a:schemeClr val="lt2"/>
+          </a:solidFill>
+          <a:ln w="19050" cap="flat">
+            <a:solidFill>
+              <a:schemeClr val="dk2"/>
+            </a:solidFill>
+            <a:prstDash val="solid"/>
+            <a:round/>
+            <a:headEnd w="med" len="med" type="none"/>
+            <a:tailEnd w="med" len="med" type="none"/>
+          </a:ln>
+        </p:spPr>
+        <p:txBody>
+          <a:bodyPr bIns="91425" rIns="91425" lIns="91425" tIns="91425" anchor="ctr" anchorCtr="0">
+            <a:noAutofit/>
+          </a:bodyPr>
+          <a:lstStyle/>
+          <a:p>
+            <a:pPr rtl="0" lvl="0">
+              <a:buNone/>
+            </a:pPr>
+            <a:r>
+              <a:rPr lang="en"/>
+              <a:t>Appositives</a:t>
+            </a:r>
+          </a:p>
+        </p:txBody>
+      </p:sp>
+      <p:sp>
+        <p:nvSpPr>
+          <p:cNvPr id="210" name="Shape 210"/>
+          <p:cNvSpPr/>
+          <p:nvPr/>
+        </p:nvSpPr>
+        <p:spPr>
+          <a:xfrm>
+            <a:off y="0" x="7182750"/>
+            <a:ext cy="809699" cx="1961099"/>
+          </a:xfrm>
+          <a:prstGeom prst="rect">
+            <a:avLst/>
+          </a:prstGeom>
+          <a:solidFill>
+            <a:schemeClr val="lt2"/>
+          </a:solidFill>
+          <a:ln w="19050" cap="flat">
+            <a:solidFill>
+              <a:schemeClr val="dk2"/>
+            </a:solidFill>
+            <a:prstDash val="solid"/>
+            <a:round/>
+            <a:headEnd w="med" len="med" type="none"/>
+            <a:tailEnd w="med" len="med" type="none"/>
+          </a:ln>
+        </p:spPr>
+        <p:txBody>
+          <a:bodyPr bIns="91425" rIns="91425" lIns="91425" tIns="91425" anchor="ctr" anchorCtr="0">
+            <a:noAutofit/>
+          </a:bodyPr>
+          <a:lstStyle/>
+          <a:p>
+            <a:pPr rtl="0" lvl="0">
+              <a:buNone/>
+            </a:pPr>
+            <a:r>
+              <a:rPr lang="en"/>
+              <a:t>Adjectives out of Order</a:t>
+            </a:r>
+          </a:p>
+        </p:txBody>
+      </p:sp>
+    </p:spTree>
+  </p:cSld>
+  <p:clrMapOvr>
+    <a:masterClrMapping/>
+  </p:clrMapOvr>
+  <p:transition spd="slow">
+    <p:cut/>
+  </p:transition>
+</p:sld>
+</file>
+
+<file path=ppt/slides/slide14.xml><?xml version="1.0" encoding="utf-8"?>
+<p:sld xmlns:a="http://schemas.openxmlformats.org/drawingml/2006/main" xmlns:r="http://schemas.openxmlformats.org/officeDocument/2006/relationships" xmlns:mc="http://schemas.openxmlformats.org/markup-compatibility/2006" xmlns:mv="urn:schemas-microsoft-com:mac:vml" xmlns:p="http://schemas.openxmlformats.org/presentationml/2006/main" xmlns:c="http://schemas.openxmlformats.org/drawingml/2006/chart" xmlns:dgm="http://schemas.openxmlformats.org/drawingml/2006/diagram" xmlns:o="urn:schemas-microsoft-com:office:office" xmlns:v="urn:schemas-microsoft-com:vml" xmlns:pvml="urn:schemas-microsoft-com:office:powerpoint" xmlns:com="http://schemas.openxmlformats.org/drawingml/2006/compatibility" xmlns:p14="http://schemas.microsoft.com/office/powerpoint/2010/main">
+  <p:cSld>
+    <p:spTree>
+      <p:nvGrpSpPr>
+        <p:cNvPr id="214" name="Shape 214"/>
+        <p:cNvGrpSpPr/>
+        <p:nvPr/>
+      </p:nvGrpSpPr>
+      <p:grpSpPr>
+        <a:xfrm>
+          <a:off y="0" x="0"/>
+          <a:ext cy="0" cx="0"/>
+          <a:chOff y="0" x="0"/>
+          <a:chExt cy="0" cx="0"/>
+        </a:xfrm>
+      </p:grpSpPr>
+      <p:sp>
+        <p:nvSpPr>
+          <p:cNvPr id="215" name="Shape 215"/>
+          <p:cNvSpPr/>
+          <p:nvPr/>
+        </p:nvSpPr>
+        <p:spPr>
+          <a:xfrm>
+            <a:off y="0" x="0"/>
+            <a:ext cy="809699" cx="1769999"/>
+          </a:xfrm>
+          <a:prstGeom prst="rect">
+            <a:avLst/>
+          </a:prstGeom>
+          <a:solidFill>
+            <a:schemeClr val="lt2"/>
+          </a:solidFill>
+          <a:ln w="19050" cap="flat">
+            <a:solidFill>
+              <a:schemeClr val="dk2"/>
+            </a:solidFill>
+            <a:prstDash val="solid"/>
+            <a:round/>
+            <a:headEnd w="med" len="med" type="none"/>
+            <a:tailEnd w="med" len="med" type="none"/>
+          </a:ln>
+        </p:spPr>
+        <p:txBody>
+          <a:bodyPr bIns="91425" rIns="91425" lIns="91425" tIns="91425" anchor="ctr" anchorCtr="0">
+            <a:noAutofit/>
+          </a:bodyPr>
+          <a:lstStyle/>
+          <a:p>
+            <a:pPr rtl="0" lvl="0">
+              <a:buNone/>
+            </a:pPr>
+            <a:r>
+              <a:rPr lang="en"/>
+              <a:t>Active Verbs</a:t>
+            </a:r>
+          </a:p>
+        </p:txBody>
+      </p:sp>
+      <p:sp>
+        <p:nvSpPr>
+          <p:cNvPr id="216" name="Shape 216"/>
+          <p:cNvSpPr/>
+          <p:nvPr/>
+        </p:nvSpPr>
+        <p:spPr>
+          <a:xfrm>
+            <a:off y="0" x="1770000"/>
+            <a:ext cy="809699" cx="1858499"/>
+          </a:xfrm>
+          <a:prstGeom prst="rect">
+            <a:avLst/>
+          </a:prstGeom>
+          <a:solidFill>
+            <a:schemeClr val="lt2"/>
+          </a:solidFill>
+          <a:ln w="19050" cap="flat">
+            <a:solidFill>
+              <a:schemeClr val="dk2"/>
+            </a:solidFill>
+            <a:prstDash val="solid"/>
+            <a:round/>
+            <a:headEnd w="med" len="med" type="none"/>
+            <a:tailEnd w="med" len="med" type="none"/>
+          </a:ln>
+        </p:spPr>
+        <p:txBody>
+          <a:bodyPr bIns="91425" rIns="91425" lIns="91425" tIns="91425" anchor="ctr" anchorCtr="0">
+            <a:noAutofit/>
+          </a:bodyPr>
+          <a:lstStyle/>
+          <a:p>
+            <a:pPr rtl="0" lvl="0">
+              <a:buNone/>
+            </a:pPr>
+            <a:r>
+              <a:rPr lang="en"/>
+              <a:t>Participles</a:t>
+            </a:r>
+          </a:p>
+        </p:txBody>
+      </p:sp>
+      <p:sp>
+        <p:nvSpPr>
+          <p:cNvPr id="217" name="Shape 217"/>
+          <p:cNvSpPr/>
+          <p:nvPr/>
+        </p:nvSpPr>
+        <p:spPr>
+          <a:xfrm>
+            <a:off y="0" x="3642750"/>
+            <a:ext cy="809699" cx="1769999"/>
+          </a:xfrm>
+          <a:prstGeom prst="rect">
+            <a:avLst/>
+          </a:prstGeom>
+          <a:solidFill>
+            <a:srgbClr val="00FF00"/>
+          </a:solidFill>
+          <a:ln w="19050" cap="flat">
+            <a:solidFill>
+              <a:schemeClr val="dk2"/>
+            </a:solidFill>
+            <a:prstDash val="solid"/>
+            <a:round/>
+            <a:headEnd w="med" len="med" type="none"/>
+            <a:tailEnd w="med" len="med" type="none"/>
+          </a:ln>
+        </p:spPr>
+        <p:txBody>
+          <a:bodyPr bIns="91425" rIns="91425" lIns="91425" tIns="91425" anchor="ctr" anchorCtr="0">
+            <a:noAutofit/>
+          </a:bodyPr>
+          <a:lstStyle/>
+          <a:p>
+            <a:pPr rtl="0" lvl="0">
+              <a:buNone/>
+            </a:pPr>
+            <a:r>
+              <a:rPr lang="en"/>
+              <a:t>Absolutes</a:t>
+            </a:r>
+          </a:p>
+        </p:txBody>
+      </p:sp>
+      <p:sp>
+        <p:nvSpPr>
+          <p:cNvPr id="218" name="Shape 218"/>
+          <p:cNvSpPr/>
+          <p:nvPr/>
+        </p:nvSpPr>
+        <p:spPr>
+          <a:xfrm>
+            <a:off y="0" x="5412750"/>
+            <a:ext cy="809699" cx="1769999"/>
+          </a:xfrm>
+          <a:prstGeom prst="rect">
+            <a:avLst/>
+          </a:prstGeom>
+          <a:solidFill>
+            <a:schemeClr val="lt2"/>
+          </a:solidFill>
+          <a:ln w="19050" cap="flat">
+            <a:solidFill>
+              <a:schemeClr val="dk2"/>
+            </a:solidFill>
+            <a:prstDash val="solid"/>
+            <a:round/>
+            <a:headEnd w="med" len="med" type="none"/>
+            <a:tailEnd w="med" len="med" type="none"/>
+          </a:ln>
+        </p:spPr>
+        <p:txBody>
+          <a:bodyPr bIns="91425" rIns="91425" lIns="91425" tIns="91425" anchor="ctr" anchorCtr="0">
+            <a:noAutofit/>
+          </a:bodyPr>
+          <a:lstStyle/>
+          <a:p>
+            <a:pPr rtl="0" lvl="0">
+              <a:buNone/>
+            </a:pPr>
+            <a:r>
+              <a:rPr lang="en"/>
+              <a:t>Appositives</a:t>
+            </a:r>
+          </a:p>
+        </p:txBody>
+      </p:sp>
+      <p:sp>
+        <p:nvSpPr>
+          <p:cNvPr id="219" name="Shape 219"/>
+          <p:cNvSpPr/>
+          <p:nvPr/>
+        </p:nvSpPr>
+        <p:spPr>
+          <a:xfrm>
+            <a:off y="0" x="7182750"/>
+            <a:ext cy="809699" cx="1961099"/>
+          </a:xfrm>
+          <a:prstGeom prst="rect">
+            <a:avLst/>
+          </a:prstGeom>
+          <a:solidFill>
+            <a:schemeClr val="lt2"/>
+          </a:solidFill>
+          <a:ln w="19050" cap="flat">
+            <a:solidFill>
+              <a:schemeClr val="dk2"/>
+            </a:solidFill>
+            <a:prstDash val="solid"/>
+            <a:round/>
+            <a:headEnd w="med" len="med" type="none"/>
+            <a:tailEnd w="med" len="med" type="none"/>
+          </a:ln>
+        </p:spPr>
+        <p:txBody>
+          <a:bodyPr bIns="91425" rIns="91425" lIns="91425" tIns="91425" anchor="ctr" anchorCtr="0">
+            <a:noAutofit/>
+          </a:bodyPr>
+          <a:lstStyle/>
+          <a:p>
+            <a:pPr rtl="0" lvl="0">
+              <a:buNone/>
+            </a:pPr>
+            <a:r>
+              <a:rPr lang="en"/>
+              <a:t>Adjectives out of Order</a:t>
+            </a:r>
+          </a:p>
+        </p:txBody>
+      </p:sp>
+    </p:spTree>
+  </p:cSld>
+  <p:clrMapOvr>
+    <a:masterClrMapping/>
+  </p:clrMapOvr>
+  <p:transition spd="slow">
+    <p:cut/>
+  </p:transition>
+</p:sld>
+</file>
+
+<file path=ppt/slides/slide15.xml><?xml version="1.0" encoding="utf-8"?>
+<p:sld xmlns:a="http://schemas.openxmlformats.org/drawingml/2006/main" xmlns:r="http://schemas.openxmlformats.org/officeDocument/2006/relationships" xmlns:mc="http://schemas.openxmlformats.org/markup-compatibility/2006" xmlns:mv="urn:schemas-microsoft-com:mac:vml" xmlns:p="http://schemas.openxmlformats.org/presentationml/2006/main" xmlns:c="http://schemas.openxmlformats.org/drawingml/2006/chart" xmlns:dgm="http://schemas.openxmlformats.org/drawingml/2006/diagram" xmlns:o="urn:schemas-microsoft-com:office:office" xmlns:v="urn:schemas-microsoft-com:vml" xmlns:pvml="urn:schemas-microsoft-com:office:powerpoint" xmlns:com="http://schemas.openxmlformats.org/drawingml/2006/compatibility" xmlns:p14="http://schemas.microsoft.com/office/powerpoint/2010/main">
+  <p:cSld>
+    <p:spTree>
+      <p:nvGrpSpPr>
+        <p:cNvPr id="223" name="Shape 223"/>
+        <p:cNvGrpSpPr/>
+        <p:nvPr/>
+      </p:nvGrpSpPr>
+      <p:grpSpPr>
+        <a:xfrm>
+          <a:off y="0" x="0"/>
+          <a:ext cy="0" cx="0"/>
+          <a:chOff y="0" x="0"/>
+          <a:chExt cy="0" cx="0"/>
+        </a:xfrm>
+      </p:grpSpPr>
+      <p:sp>
+        <p:nvSpPr>
+          <p:cNvPr id="224" name="Shape 224"/>
+          <p:cNvSpPr/>
+          <p:nvPr/>
+        </p:nvSpPr>
+        <p:spPr>
+          <a:xfrm>
+            <a:off y="0" x="0"/>
+            <a:ext cy="809699" cx="1769999"/>
+          </a:xfrm>
+          <a:prstGeom prst="rect">
+            <a:avLst/>
+          </a:prstGeom>
+          <a:solidFill>
+            <a:schemeClr val="lt2"/>
+          </a:solidFill>
+          <a:ln w="19050" cap="flat">
+            <a:solidFill>
+              <a:schemeClr val="dk2"/>
+            </a:solidFill>
+            <a:prstDash val="solid"/>
+            <a:round/>
+            <a:headEnd w="med" len="med" type="none"/>
+            <a:tailEnd w="med" len="med" type="none"/>
+          </a:ln>
+        </p:spPr>
+        <p:txBody>
+          <a:bodyPr bIns="91425" rIns="91425" lIns="91425" tIns="91425" anchor="ctr" anchorCtr="0">
+            <a:noAutofit/>
+          </a:bodyPr>
+          <a:lstStyle/>
+          <a:p>
+            <a:pPr rtl="0" lvl="0">
+              <a:buNone/>
+            </a:pPr>
+            <a:r>
+              <a:rPr lang="en"/>
+              <a:t>Active Verbs</a:t>
+            </a:r>
+          </a:p>
+        </p:txBody>
+      </p:sp>
+      <p:sp>
+        <p:nvSpPr>
+          <p:cNvPr id="225" name="Shape 225"/>
+          <p:cNvSpPr/>
+          <p:nvPr/>
+        </p:nvSpPr>
+        <p:spPr>
+          <a:xfrm>
+            <a:off y="0" x="1770000"/>
+            <a:ext cy="809699" cx="1858499"/>
+          </a:xfrm>
+          <a:prstGeom prst="rect">
+            <a:avLst/>
+          </a:prstGeom>
+          <a:solidFill>
+            <a:schemeClr val="lt2"/>
+          </a:solidFill>
+          <a:ln w="19050" cap="flat">
+            <a:solidFill>
+              <a:schemeClr val="dk2"/>
+            </a:solidFill>
+            <a:prstDash val="solid"/>
+            <a:round/>
+            <a:headEnd w="med" len="med" type="none"/>
+            <a:tailEnd w="med" len="med" type="none"/>
+          </a:ln>
+        </p:spPr>
+        <p:txBody>
+          <a:bodyPr bIns="91425" rIns="91425" lIns="91425" tIns="91425" anchor="ctr" anchorCtr="0">
+            <a:noAutofit/>
+          </a:bodyPr>
+          <a:lstStyle/>
+          <a:p>
+            <a:pPr rtl="0" lvl="0">
+              <a:buNone/>
+            </a:pPr>
+            <a:r>
+              <a:rPr lang="en"/>
+              <a:t>Participles</a:t>
+            </a:r>
+          </a:p>
+        </p:txBody>
+      </p:sp>
+      <p:sp>
+        <p:nvSpPr>
+          <p:cNvPr id="226" name="Shape 226"/>
+          <p:cNvSpPr/>
+          <p:nvPr/>
+        </p:nvSpPr>
+        <p:spPr>
+          <a:xfrm>
+            <a:off y="0" x="3642750"/>
+            <a:ext cy="809699" cx="1769999"/>
+          </a:xfrm>
+          <a:prstGeom prst="rect">
+            <a:avLst/>
+          </a:prstGeom>
+          <a:solidFill>
+            <a:schemeClr val="lt2"/>
+          </a:solidFill>
+          <a:ln w="19050" cap="flat">
+            <a:solidFill>
+              <a:schemeClr val="dk2"/>
+            </a:solidFill>
+            <a:prstDash val="solid"/>
+            <a:round/>
+            <a:headEnd w="med" len="med" type="none"/>
+            <a:tailEnd w="med" len="med" type="none"/>
+          </a:ln>
+        </p:spPr>
+        <p:txBody>
+          <a:bodyPr bIns="91425" rIns="91425" lIns="91425" tIns="91425" anchor="ctr" anchorCtr="0">
+            <a:noAutofit/>
+          </a:bodyPr>
+          <a:lstStyle/>
+          <a:p>
+            <a:pPr rtl="0" lvl="0">
+              <a:buNone/>
+            </a:pPr>
+            <a:r>
+              <a:rPr lang="en"/>
+              <a:t>Absolutes</a:t>
+            </a:r>
+          </a:p>
+        </p:txBody>
+      </p:sp>
+      <p:sp>
+        <p:nvSpPr>
+          <p:cNvPr id="227" name="Shape 227"/>
+          <p:cNvSpPr/>
+          <p:nvPr/>
+        </p:nvSpPr>
+        <p:spPr>
+          <a:xfrm>
+            <a:off y="0" x="5412750"/>
+            <a:ext cy="809699" cx="1769999"/>
+          </a:xfrm>
+          <a:prstGeom prst="rect">
+            <a:avLst/>
+          </a:prstGeom>
+          <a:solidFill>
+            <a:srgbClr val="00FF00"/>
+          </a:solidFill>
+          <a:ln w="19050" cap="flat">
+            <a:solidFill>
+              <a:schemeClr val="dk2"/>
+            </a:solidFill>
+            <a:prstDash val="solid"/>
+            <a:round/>
+            <a:headEnd w="med" len="med" type="none"/>
+            <a:tailEnd w="med" len="med" type="none"/>
+          </a:ln>
+        </p:spPr>
+        <p:txBody>
+          <a:bodyPr bIns="91425" rIns="91425" lIns="91425" tIns="91425" anchor="ctr" anchorCtr="0">
+            <a:noAutofit/>
+          </a:bodyPr>
+          <a:lstStyle/>
+          <a:p>
+            <a:pPr rtl="0" lvl="0">
+              <a:buNone/>
+            </a:pPr>
+            <a:r>
+              <a:rPr lang="en"/>
+              <a:t>Appositives</a:t>
+            </a:r>
+          </a:p>
+        </p:txBody>
+      </p:sp>
+      <p:sp>
+        <p:nvSpPr>
+          <p:cNvPr id="228" name="Shape 228"/>
+          <p:cNvSpPr/>
+          <p:nvPr/>
+        </p:nvSpPr>
+        <p:spPr>
+          <a:xfrm>
+            <a:off y="0" x="7182750"/>
+            <a:ext cy="809699" cx="1961099"/>
+          </a:xfrm>
+          <a:prstGeom prst="rect">
+            <a:avLst/>
+          </a:prstGeom>
+          <a:solidFill>
+            <a:schemeClr val="lt2"/>
+          </a:solidFill>
+          <a:ln w="19050" cap="flat">
+            <a:solidFill>
+              <a:schemeClr val="dk2"/>
+            </a:solidFill>
+            <a:prstDash val="solid"/>
+            <a:round/>
+            <a:headEnd w="med" len="med" type="none"/>
+            <a:tailEnd w="med" len="med" type="none"/>
+          </a:ln>
+        </p:spPr>
+        <p:txBody>
+          <a:bodyPr bIns="91425" rIns="91425" lIns="91425" tIns="91425" anchor="ctr" anchorCtr="0">
+            <a:noAutofit/>
+          </a:bodyPr>
+          <a:lstStyle/>
+          <a:p>
+            <a:pPr rtl="0" lvl="0">
+              <a:buNone/>
+            </a:pPr>
+            <a:r>
+              <a:rPr lang="en"/>
+              <a:t>Adjectives out of Order</a:t>
+            </a:r>
+          </a:p>
+        </p:txBody>
+      </p:sp>
+    </p:spTree>
+  </p:cSld>
+  <p:clrMapOvr>
+    <a:masterClrMapping/>
+  </p:clrMapOvr>
+  <p:transition spd="slow">
+    <p:cut/>
+  </p:transition>
+</p:sld>
+</file>
+
+<file path=ppt/slides/slide16.xml><?xml version="1.0" encoding="utf-8"?>
+<p:sld xmlns:a="http://schemas.openxmlformats.org/drawingml/2006/main" xmlns:r="http://schemas.openxmlformats.org/officeDocument/2006/relationships" xmlns:mc="http://schemas.openxmlformats.org/markup-compatibility/2006" xmlns:mv="urn:schemas-microsoft-com:mac:vml" xmlns:p="http://schemas.openxmlformats.org/presentationml/2006/main" xmlns:c="http://schemas.openxmlformats.org/drawingml/2006/chart" xmlns:dgm="http://schemas.openxmlformats.org/drawingml/2006/diagram" xmlns:o="urn:schemas-microsoft-com:office:office" xmlns:v="urn:schemas-microsoft-com:vml" xmlns:pvml="urn:schemas-microsoft-com:office:powerpoint" xmlns:com="http://schemas.openxmlformats.org/drawingml/2006/compatibility" xmlns:p14="http://schemas.microsoft.com/office/powerpoint/2010/main">
+  <p:cSld>
+    <p:spTree>
+      <p:nvGrpSpPr>
+        <p:cNvPr id="232" name="Shape 232"/>
+        <p:cNvGrpSpPr/>
+        <p:nvPr/>
+      </p:nvGrpSpPr>
+      <p:grpSpPr>
+        <a:xfrm>
+          <a:off y="0" x="0"/>
+          <a:ext cy="0" cx="0"/>
+          <a:chOff y="0" x="0"/>
+          <a:chExt cy="0" cx="0"/>
+        </a:xfrm>
+      </p:grpSpPr>
+      <p:sp>
+        <p:nvSpPr>
+          <p:cNvPr id="233" name="Shape 233"/>
+          <p:cNvSpPr/>
+          <p:nvPr/>
+        </p:nvSpPr>
+        <p:spPr>
+          <a:xfrm>
+            <a:off y="0" x="0"/>
+            <a:ext cy="809699" cx="1769999"/>
+          </a:xfrm>
+          <a:prstGeom prst="rect">
+            <a:avLst/>
+          </a:prstGeom>
+          <a:solidFill>
+            <a:schemeClr val="lt2"/>
+          </a:solidFill>
+          <a:ln w="19050" cap="flat">
+            <a:solidFill>
+              <a:schemeClr val="dk2"/>
+            </a:solidFill>
+            <a:prstDash val="solid"/>
+            <a:round/>
+            <a:headEnd w="med" len="med" type="none"/>
+            <a:tailEnd w="med" len="med" type="none"/>
+          </a:ln>
+        </p:spPr>
+        <p:txBody>
+          <a:bodyPr bIns="91425" rIns="91425" lIns="91425" tIns="91425" anchor="ctr" anchorCtr="0">
+            <a:noAutofit/>
+          </a:bodyPr>
+          <a:lstStyle/>
+          <a:p>
+            <a:pPr rtl="0" lvl="0">
+              <a:buNone/>
+            </a:pPr>
+            <a:r>
+              <a:rPr lang="en"/>
+              <a:t>Active Verbs</a:t>
+            </a:r>
+          </a:p>
+        </p:txBody>
+      </p:sp>
+      <p:sp>
+        <p:nvSpPr>
+          <p:cNvPr id="234" name="Shape 234"/>
+          <p:cNvSpPr/>
+          <p:nvPr/>
+        </p:nvSpPr>
+        <p:spPr>
+          <a:xfrm>
+            <a:off y="0" x="1770000"/>
+            <a:ext cy="809699" cx="1858499"/>
+          </a:xfrm>
+          <a:prstGeom prst="rect">
+            <a:avLst/>
+          </a:prstGeom>
+          <a:solidFill>
+            <a:schemeClr val="lt2"/>
+          </a:solidFill>
+          <a:ln w="19050" cap="flat">
+            <a:solidFill>
+              <a:schemeClr val="dk2"/>
+            </a:solidFill>
+            <a:prstDash val="solid"/>
+            <a:round/>
+            <a:headEnd w="med" len="med" type="none"/>
+            <a:tailEnd w="med" len="med" type="none"/>
+          </a:ln>
+        </p:spPr>
+        <p:txBody>
+          <a:bodyPr bIns="91425" rIns="91425" lIns="91425" tIns="91425" anchor="ctr" anchorCtr="0">
+            <a:noAutofit/>
+          </a:bodyPr>
+          <a:lstStyle/>
+          <a:p>
+            <a:pPr rtl="0" lvl="0">
+              <a:buNone/>
+            </a:pPr>
+            <a:r>
+              <a:rPr lang="en"/>
+              <a:t>Participles</a:t>
+            </a:r>
+          </a:p>
+        </p:txBody>
+      </p:sp>
+      <p:sp>
+        <p:nvSpPr>
+          <p:cNvPr id="235" name="Shape 235"/>
+          <p:cNvSpPr/>
+          <p:nvPr/>
+        </p:nvSpPr>
+        <p:spPr>
+          <a:xfrm>
+            <a:off y="0" x="3642750"/>
+            <a:ext cy="809699" cx="1769999"/>
+          </a:xfrm>
+          <a:prstGeom prst="rect">
+            <a:avLst/>
+          </a:prstGeom>
+          <a:solidFill>
+            <a:schemeClr val="lt2"/>
+          </a:solidFill>
+          <a:ln w="19050" cap="flat">
+            <a:solidFill>
+              <a:schemeClr val="dk2"/>
+            </a:solidFill>
+            <a:prstDash val="solid"/>
+            <a:round/>
+            <a:headEnd w="med" len="med" type="none"/>
+            <a:tailEnd w="med" len="med" type="none"/>
+          </a:ln>
+        </p:spPr>
+        <p:txBody>
+          <a:bodyPr bIns="91425" rIns="91425" lIns="91425" tIns="91425" anchor="ctr" anchorCtr="0">
+            <a:noAutofit/>
+          </a:bodyPr>
+          <a:lstStyle/>
+          <a:p>
+            <a:pPr rtl="0" lvl="0">
+              <a:buNone/>
+            </a:pPr>
+            <a:r>
+              <a:rPr lang="en"/>
+              <a:t>Absolutes</a:t>
+            </a:r>
+          </a:p>
+        </p:txBody>
+      </p:sp>
+      <p:sp>
+        <p:nvSpPr>
+          <p:cNvPr id="236" name="Shape 236"/>
+          <p:cNvSpPr/>
+          <p:nvPr/>
+        </p:nvSpPr>
+        <p:spPr>
+          <a:xfrm>
+            <a:off y="0" x="5412750"/>
+            <a:ext cy="809699" cx="1769999"/>
+          </a:xfrm>
+          <a:prstGeom prst="rect">
+            <a:avLst/>
+          </a:prstGeom>
+          <a:solidFill>
+            <a:schemeClr val="lt2"/>
+          </a:solidFill>
+          <a:ln w="19050" cap="flat">
+            <a:solidFill>
+              <a:schemeClr val="dk2"/>
+            </a:solidFill>
+            <a:prstDash val="solid"/>
+            <a:round/>
+            <a:headEnd w="med" len="med" type="none"/>
+            <a:tailEnd w="med" len="med" type="none"/>
+          </a:ln>
+        </p:spPr>
+        <p:txBody>
+          <a:bodyPr bIns="91425" rIns="91425" lIns="91425" tIns="91425" anchor="ctr" anchorCtr="0">
+            <a:noAutofit/>
+          </a:bodyPr>
+          <a:lstStyle/>
+          <a:p>
+            <a:pPr rtl="0" lvl="0">
+              <a:buNone/>
+            </a:pPr>
+            <a:r>
+              <a:rPr lang="en"/>
+              <a:t>Appositives</a:t>
+            </a:r>
+          </a:p>
+        </p:txBody>
+      </p:sp>
+      <p:sp>
+        <p:nvSpPr>
+          <p:cNvPr id="237" name="Shape 237"/>
           <p:cNvSpPr/>
           <p:nvPr/>
         </p:nvSpPr>
@@ -3422,7 +6953,7 @@
   <p:cSld>
     <p:spTree>
       <p:nvGrpSpPr>
-        <p:cNvPr id="32" name="Shape 32"/>
+        <p:cNvPr id="36" name="Shape 36"/>
         <p:cNvGrpSpPr/>
         <p:nvPr/>
       </p:nvGrpSpPr>
@@ -3436,7 +6967,7 @@
       </p:grpSpPr>
       <p:sp>
         <p:nvSpPr>
-          <p:cNvPr id="33" name="Shape 33"/>
+          <p:cNvPr id="37" name="Shape 37"/>
           <p:cNvSpPr/>
           <p:nvPr/>
         </p:nvSpPr>
@@ -3449,25 +6980,25 @@
             <a:avLst/>
           </a:prstGeom>
           <a:solidFill>
-            <a:srgbClr val="00FF00"/>
-          </a:solidFill>
-          <a:ln w="19050" cap="flat">
-            <a:solidFill>
-              <a:schemeClr val="dk2"/>
-            </a:solidFill>
-            <a:prstDash val="solid"/>
-            <a:round/>
-            <a:headEnd w="med" len="med" type="none"/>
-            <a:tailEnd w="med" len="med" type="none"/>
-          </a:ln>
-        </p:spPr>
-        <p:txBody>
-          <a:bodyPr bIns="91425" rIns="91425" lIns="91425" tIns="91425" anchor="ctr" anchorCtr="0">
-            <a:noAutofit/>
-          </a:bodyPr>
-          <a:lstStyle/>
-          <a:p>
-            <a:pPr rtl="0" lvl="0">
+            <a:schemeClr val="lt2"/>
+          </a:solidFill>
+          <a:ln w="19050" cap="flat">
+            <a:solidFill>
+              <a:schemeClr val="dk2"/>
+            </a:solidFill>
+            <a:prstDash val="solid"/>
+            <a:round/>
+            <a:headEnd w="med" len="med" type="none"/>
+            <a:tailEnd w="med" len="med" type="none"/>
+          </a:ln>
+        </p:spPr>
+        <p:txBody>
+          <a:bodyPr bIns="91425" rIns="91425" lIns="91425" tIns="91425" anchor="ctr" anchorCtr="0">
+            <a:noAutofit/>
+          </a:bodyPr>
+          <a:lstStyle/>
+          <a:p>
+            <a:pPr>
               <a:buNone/>
             </a:pPr>
             <a:r>
@@ -3479,7 +7010,7 @@
       </p:sp>
       <p:sp>
         <p:nvSpPr>
-          <p:cNvPr id="34" name="Shape 34"/>
+          <p:cNvPr id="38" name="Shape 38"/>
           <p:cNvSpPr/>
           <p:nvPr/>
         </p:nvSpPr>
@@ -3492,7 +7023,7 @@
             <a:avLst/>
           </a:prstGeom>
           <a:solidFill>
-            <a:schemeClr val="lt2"/>
+            <a:srgbClr val="00FFFF"/>
           </a:solidFill>
           <a:ln w="19050" cap="flat">
             <a:solidFill>
@@ -3522,7 +7053,7 @@
       </p:sp>
       <p:sp>
         <p:nvSpPr>
-          <p:cNvPr id="35" name="Shape 35"/>
+          <p:cNvPr id="39" name="Shape 39"/>
           <p:cNvSpPr/>
           <p:nvPr/>
         </p:nvSpPr>
@@ -3535,7 +7066,7 @@
             <a:avLst/>
           </a:prstGeom>
           <a:solidFill>
-            <a:schemeClr val="lt2"/>
+            <a:srgbClr val="FF0000"/>
           </a:solidFill>
           <a:ln w="19050" cap="flat">
             <a:solidFill>
@@ -3565,7 +7096,7 @@
       </p:sp>
       <p:sp>
         <p:nvSpPr>
-          <p:cNvPr id="36" name="Shape 36"/>
+          <p:cNvPr id="40" name="Shape 40"/>
           <p:cNvSpPr/>
           <p:nvPr/>
         </p:nvSpPr>
@@ -3578,7 +7109,7 @@
             <a:avLst/>
           </a:prstGeom>
           <a:solidFill>
-            <a:schemeClr val="lt2"/>
+            <a:srgbClr val="FF0000"/>
           </a:solidFill>
           <a:ln w="19050" cap="flat">
             <a:solidFill>
@@ -3608,7 +7139,7 @@
       </p:sp>
       <p:sp>
         <p:nvSpPr>
-          <p:cNvPr id="37" name="Shape 37"/>
+          <p:cNvPr id="41" name="Shape 41"/>
           <p:cNvSpPr/>
           <p:nvPr/>
         </p:nvSpPr>
@@ -3621,7 +7152,7 @@
             <a:avLst/>
           </a:prstGeom>
           <a:solidFill>
-            <a:schemeClr val="lt2"/>
+            <a:srgbClr val="FF0000"/>
           </a:solidFill>
           <a:ln w="19050" cap="flat">
             <a:solidFill>
@@ -3651,89 +7182,121 @@
       </p:sp>
       <p:sp>
         <p:nvSpPr>
-          <p:cNvPr id="38" name="Shape 38"/>
-          <p:cNvSpPr/>
-          <p:nvPr/>
-        </p:nvSpPr>
-        <p:spPr>
-          <a:xfrm>
-            <a:off y="1735125" x="1633625"/>
-            <a:ext cy="1799099" cx="4966799"/>
-          </a:xfrm>
-          <a:prstGeom prst="rect">
-            <a:avLst/>
-          </a:prstGeom>
-          <a:solidFill>
-            <a:schemeClr val="lt2"/>
-          </a:solidFill>
-          <a:ln w="19050" cap="flat">
-            <a:solidFill>
-              <a:schemeClr val="dk2"/>
-            </a:solidFill>
-            <a:prstDash val="solid"/>
-            <a:round/>
-            <a:headEnd w="med" len="med" type="none"/>
-            <a:tailEnd w="med" len="med" type="none"/>
-          </a:ln>
-        </p:spPr>
-        <p:txBody>
-          <a:bodyPr bIns="91425" rIns="91425" lIns="91425" tIns="91425" anchor="ctr" anchorCtr="0">
-            <a:noAutofit/>
-          </a:bodyPr>
-          <a:lstStyle/>
-          <a:p>
-            <a:pPr rtl="0" lvl="0">
-              <a:buNone/>
-            </a:pPr>
-            <a:r>
-              <a:rPr lang="en"/>
-              <a:t>Short reading on Active Verbs</a:t>
-            </a:r>
-          </a:p>
-        </p:txBody>
-      </p:sp>
-      <p:sp>
-        <p:nvSpPr>
-          <p:cNvPr id="39" name="Shape 39"/>
-          <p:cNvSpPr/>
-          <p:nvPr/>
-        </p:nvSpPr>
-        <p:spPr>
-          <a:xfrm>
-            <a:off y="4140300" x="7671175"/>
-            <a:ext cy="695400" cx="905099"/>
-          </a:xfrm>
-          <a:prstGeom prst="rightArrow">
-            <a:avLst>
-              <a:gd fmla="val 50000" name="adj1"/>
-              <a:gd fmla="val 50000" name="adj2"/>
-            </a:avLst>
-          </a:prstGeom>
-          <a:solidFill>
-            <a:schemeClr val="lt2"/>
-          </a:solidFill>
-          <a:ln w="19050" cap="flat">
-            <a:solidFill>
-              <a:schemeClr val="dk2"/>
-            </a:solidFill>
-            <a:prstDash val="solid"/>
-            <a:round/>
-            <a:headEnd w="med" len="med" type="none"/>
-            <a:tailEnd w="med" len="med" type="none"/>
-          </a:ln>
-        </p:spPr>
-        <p:txBody>
-          <a:bodyPr bIns="91425" rIns="91425" lIns="91425" tIns="91425" anchor="ctr" anchorCtr="0">
-            <a:noAutofit/>
-          </a:bodyPr>
-          <a:lstStyle/>
-          <a:p>
-            <a:pPr rtl="0" lvl="0">
-              <a:buNone/>
-            </a:pPr>
-            <a:r>
-              <a:rPr lang="en"/>
-              <a:t>Next</a:t>
+          <p:cNvPr id="42" name="Shape 42"/>
+          <p:cNvSpPr txBox="1"/>
+          <p:nvPr/>
+        </p:nvSpPr>
+        <p:spPr>
+          <a:xfrm>
+            <a:off y="1037937" x="45000"/>
+            <a:ext cy="704699" cx="3943799"/>
+          </a:xfrm>
+          <a:prstGeom prst="rect">
+            <a:avLst/>
+          </a:prstGeom>
+        </p:spPr>
+        <p:txBody>
+          <a:bodyPr bIns="91425" rIns="91425" lIns="91425" tIns="91425" anchor="t" anchorCtr="0">
+            <a:noAutofit/>
+          </a:bodyPr>
+          <a:lstStyle/>
+          <a:p>
+            <a:pPr>
+              <a:buNone/>
+            </a:pPr>
+            <a:r>
+              <a:rPr lang="en"/>
+              <a:t>Welcome back Student!</a:t>
+            </a:r>
+          </a:p>
+        </p:txBody>
+      </p:sp>
+      <p:sp>
+        <p:nvSpPr>
+          <p:cNvPr id="43" name="Shape 43"/>
+          <p:cNvSpPr txBox="1"/>
+          <p:nvPr/>
+        </p:nvSpPr>
+        <p:spPr>
+          <a:xfrm>
+            <a:off y="1501975" x="344475"/>
+            <a:ext cy="2155200" cx="2888400"/>
+          </a:xfrm>
+          <a:prstGeom prst="rect">
+            <a:avLst/>
+          </a:prstGeom>
+        </p:spPr>
+        <p:txBody>
+          <a:bodyPr bIns="91425" rIns="91425" lIns="91425" tIns="91425" anchor="t" anchorCtr="0">
+            <a:noAutofit/>
+          </a:bodyPr>
+          <a:lstStyle/>
+          <a:p>
+            <a:pPr rtl="0" lvl="0">
+              <a:buNone/>
+            </a:pPr>
+            <a:r>
+              <a:rPr lang="en"/>
+              <a:t>Tasks to Complete:</a:t>
+            </a:r>
+          </a:p>
+          <a:p>
+            <a:pPr rtl="0" lvl="0" indent="-317500" marL="457200">
+              <a:buClr>
+                <a:srgbClr val="000000"/>
+              </a:buClr>
+              <a:buSzPct val="100000"/>
+              <a:buFont typeface="Arial"/>
+              <a:buChar char="●"/>
+            </a:pPr>
+            <a:r>
+              <a:rPr lang="en"/>
+              <a:t>Complete Active Verbs</a:t>
+            </a:r>
+          </a:p>
+        </p:txBody>
+      </p:sp>
+      <p:sp>
+        <p:nvSpPr>
+          <p:cNvPr id="44" name="Shape 44"/>
+          <p:cNvSpPr txBox="1"/>
+          <p:nvPr/>
+        </p:nvSpPr>
+        <p:spPr>
+          <a:xfrm>
+            <a:off y="1501975" x="6054550"/>
+            <a:ext cy="1766400" cx="2244000"/>
+          </a:xfrm>
+          <a:prstGeom prst="rect">
+            <a:avLst/>
+          </a:prstGeom>
+        </p:spPr>
+        <p:txBody>
+          <a:bodyPr bIns="91425" rIns="91425" lIns="91425" tIns="91425" anchor="t" anchorCtr="0">
+            <a:noAutofit/>
+          </a:bodyPr>
+          <a:lstStyle/>
+          <a:p>
+            <a:pPr rtl="0" lvl="0">
+              <a:buNone/>
+            </a:pPr>
+            <a:r>
+              <a:rPr lang="en"/>
+              <a:t>Tasks Completed:</a:t>
+            </a:r>
+          </a:p>
+          <a:p>
+            <a:pPr lvl="0" indent="-317500" marL="457200">
+              <a:buClr>
+                <a:srgbClr val="000000"/>
+              </a:buClr>
+              <a:buSzPct val="100000"/>
+              <a:buFont typeface="Arial"/>
+              <a:buChar char="●"/>
+            </a:pPr>
+            <a:r>
+              <a:rPr lang="en"/>
+              <a:t>Participles</a:t>
             </a:r>
           </a:p>
         </p:txBody>
@@ -3754,7 +7317,7 @@
   <p:cSld>
     <p:spTree>
       <p:nvGrpSpPr>
-        <p:cNvPr id="43" name="Shape 43"/>
+        <p:cNvPr id="48" name="Shape 48"/>
         <p:cNvGrpSpPr/>
         <p:nvPr/>
       </p:nvGrpSpPr>
@@ -3768,7 +7331,7 @@
       </p:grpSpPr>
       <p:sp>
         <p:nvSpPr>
-          <p:cNvPr id="44" name="Shape 44"/>
+          <p:cNvPr id="49" name="Shape 49"/>
           <p:cNvSpPr/>
           <p:nvPr/>
         </p:nvSpPr>
@@ -3811,7 +7374,7 @@
       </p:sp>
       <p:sp>
         <p:nvSpPr>
-          <p:cNvPr id="45" name="Shape 45"/>
+          <p:cNvPr id="50" name="Shape 50"/>
           <p:cNvSpPr/>
           <p:nvPr/>
         </p:nvSpPr>
@@ -3854,7 +7417,7 @@
       </p:sp>
       <p:sp>
         <p:nvSpPr>
-          <p:cNvPr id="46" name="Shape 46"/>
+          <p:cNvPr id="51" name="Shape 51"/>
           <p:cNvSpPr/>
           <p:nvPr/>
         </p:nvSpPr>
@@ -3897,7 +7460,7 @@
       </p:sp>
       <p:sp>
         <p:nvSpPr>
-          <p:cNvPr id="47" name="Shape 47"/>
+          <p:cNvPr id="52" name="Shape 52"/>
           <p:cNvSpPr/>
           <p:nvPr/>
         </p:nvSpPr>
@@ -3940,7 +7503,7 @@
       </p:sp>
       <p:sp>
         <p:nvSpPr>
-          <p:cNvPr id="48" name="Shape 48"/>
+          <p:cNvPr id="53" name="Shape 53"/>
           <p:cNvSpPr/>
           <p:nvPr/>
         </p:nvSpPr>
@@ -3983,14 +7546,14 @@
       </p:sp>
       <p:sp>
         <p:nvSpPr>
-          <p:cNvPr id="49" name="Shape 49"/>
-          <p:cNvSpPr/>
-          <p:nvPr/>
-        </p:nvSpPr>
-        <p:spPr>
-          <a:xfrm>
-            <a:off y="3081725" x="3044437"/>
-            <a:ext cy="618000" cx="1769999"/>
+          <p:cNvPr id="54" name="Shape 54"/>
+          <p:cNvSpPr/>
+          <p:nvPr/>
+        </p:nvSpPr>
+        <p:spPr>
+          <a:xfrm>
+            <a:off y="1735125" x="1633625"/>
+            <a:ext cy="1799099" cx="4966799"/>
           </a:xfrm>
           <a:prstGeom prst="rect">
             <a:avLst/>
@@ -4019,14 +7582,14 @@
             </a:pPr>
             <a:r>
               <a:rPr lang="en"/>
-              <a:t>Bad Example</a:t>
-            </a:r>
-          </a:p>
-        </p:txBody>
-      </p:sp>
-      <p:sp>
-        <p:nvSpPr>
-          <p:cNvPr id="50" name="Shape 50"/>
+              <a:t>Short reading on Active Verbs</a:t>
+            </a:r>
+          </a:p>
+        </p:txBody>
+      </p:sp>
+      <p:sp>
+        <p:nvSpPr>
+          <p:cNvPr id="55" name="Shape 55"/>
           <p:cNvSpPr/>
           <p:nvPr/>
         </p:nvSpPr>
@@ -4066,138 +7629,6 @@
             <a:r>
               <a:rPr lang="en"/>
               <a:t>Next</a:t>
-            </a:r>
-          </a:p>
-        </p:txBody>
-      </p:sp>
-      <p:sp>
-        <p:nvSpPr>
-          <p:cNvPr id="51" name="Shape 51"/>
-          <p:cNvSpPr/>
-          <p:nvPr/>
-        </p:nvSpPr>
-        <p:spPr>
-          <a:xfrm>
-            <a:off y="3880975" x="3044450"/>
-            <a:ext cy="618000" cx="1769999"/>
-          </a:xfrm>
-          <a:prstGeom prst="rect">
-            <a:avLst/>
-          </a:prstGeom>
-          <a:solidFill>
-            <a:schemeClr val="lt2"/>
-          </a:solidFill>
-          <a:ln w="19050" cap="flat">
-            <a:solidFill>
-              <a:schemeClr val="dk2"/>
-            </a:solidFill>
-            <a:prstDash val="solid"/>
-            <a:round/>
-            <a:headEnd w="med" len="med" type="none"/>
-            <a:tailEnd w="med" len="med" type="none"/>
-          </a:ln>
-        </p:spPr>
-        <p:txBody>
-          <a:bodyPr bIns="91425" rIns="91425" lIns="91425" tIns="91425" anchor="ctr" anchorCtr="0">
-            <a:noAutofit/>
-          </a:bodyPr>
-          <a:lstStyle/>
-          <a:p>
-            <a:pPr rtl="0" lvl="0">
-              <a:buNone/>
-            </a:pPr>
-            <a:r>
-              <a:rPr lang="en"/>
-              <a:t>Good Example</a:t>
-            </a:r>
-          </a:p>
-        </p:txBody>
-      </p:sp>
-      <p:sp>
-        <p:nvSpPr>
-          <p:cNvPr id="52" name="Shape 52"/>
-          <p:cNvSpPr/>
-          <p:nvPr/>
-        </p:nvSpPr>
-        <p:spPr>
-          <a:xfrm>
-            <a:off y="990937" x="2619950"/>
-            <a:ext cy="1909548" cx="3222936"/>
-          </a:xfrm>
-          <a:prstGeom prst="cloud">
-            <a:avLst/>
-          </a:prstGeom>
-          <a:solidFill>
-            <a:schemeClr val="lt2"/>
-          </a:solidFill>
-          <a:ln w="19050" cap="flat">
-            <a:solidFill>
-              <a:schemeClr val="dk2"/>
-            </a:solidFill>
-            <a:prstDash val="solid"/>
-            <a:round/>
-            <a:headEnd w="med" len="med" type="none"/>
-            <a:tailEnd w="med" len="med" type="none"/>
-          </a:ln>
-        </p:spPr>
-        <p:txBody>
-          <a:bodyPr bIns="91425" rIns="91425" lIns="91425" tIns="91425" anchor="ctr" anchorCtr="0">
-            <a:noAutofit/>
-          </a:bodyPr>
-          <a:lstStyle/>
-          <a:p>
-            <a:pPr>
-              <a:buNone/>
-            </a:pPr>
-            <a:r>
-              <a:rPr lang="en"/>
-              <a:t>Picture Example</a:t>
-            </a:r>
-          </a:p>
-        </p:txBody>
-      </p:sp>
-      <p:sp>
-        <p:nvSpPr>
-          <p:cNvPr id="53" name="Shape 53"/>
-          <p:cNvSpPr/>
-          <p:nvPr/>
-        </p:nvSpPr>
-        <p:spPr>
-          <a:xfrm flipH="1">
-            <a:off y="4140300" x="6587375"/>
-            <a:ext cy="695400" cx="905099"/>
-          </a:xfrm>
-          <a:prstGeom prst="rightArrow">
-            <a:avLst>
-              <a:gd fmla="val 50000" name="adj1"/>
-              <a:gd fmla="val 50000" name="adj2"/>
-            </a:avLst>
-          </a:prstGeom>
-          <a:solidFill>
-            <a:schemeClr val="lt2"/>
-          </a:solidFill>
-          <a:ln w="19050" cap="flat">
-            <a:solidFill>
-              <a:schemeClr val="dk2"/>
-            </a:solidFill>
-            <a:prstDash val="solid"/>
-            <a:round/>
-            <a:headEnd w="med" len="med" type="none"/>
-            <a:tailEnd w="med" len="med" type="none"/>
-          </a:ln>
-        </p:spPr>
-        <p:txBody>
-          <a:bodyPr bIns="91425" rIns="91425" lIns="91425" tIns="91425" anchor="ctr" anchorCtr="0">
-            <a:noAutofit/>
-          </a:bodyPr>
-          <a:lstStyle/>
-          <a:p>
-            <a:pPr rtl="0" lvl="0">
-              <a:buNone/>
-            </a:pPr>
-            <a:r>
-              <a:rPr lang="en"/>
-              <a:t>Back</a:t>
             </a:r>
           </a:p>
         </p:txBody>
@@ -4218,7 +7649,7 @@
   <p:cSld>
     <p:spTree>
       <p:nvGrpSpPr>
-        <p:cNvPr id="57" name="Shape 57"/>
+        <p:cNvPr id="59" name="Shape 59"/>
         <p:cNvGrpSpPr/>
         <p:nvPr/>
       </p:nvGrpSpPr>
@@ -4232,7 +7663,7 @@
       </p:grpSpPr>
       <p:sp>
         <p:nvSpPr>
-          <p:cNvPr id="58" name="Shape 58"/>
+          <p:cNvPr id="60" name="Shape 60"/>
           <p:cNvSpPr/>
           <p:nvPr/>
         </p:nvSpPr>
@@ -4275,7 +7706,7 @@
       </p:sp>
       <p:sp>
         <p:nvSpPr>
-          <p:cNvPr id="59" name="Shape 59"/>
+          <p:cNvPr id="61" name="Shape 61"/>
           <p:cNvSpPr/>
           <p:nvPr/>
         </p:nvSpPr>
@@ -4318,7 +7749,7 @@
       </p:sp>
       <p:sp>
         <p:nvSpPr>
-          <p:cNvPr id="60" name="Shape 60"/>
+          <p:cNvPr id="62" name="Shape 62"/>
           <p:cNvSpPr/>
           <p:nvPr/>
         </p:nvSpPr>
@@ -4361,7 +7792,7 @@
       </p:sp>
       <p:sp>
         <p:nvSpPr>
-          <p:cNvPr id="61" name="Shape 61"/>
+          <p:cNvPr id="63" name="Shape 63"/>
           <p:cNvSpPr/>
           <p:nvPr/>
         </p:nvSpPr>
@@ -4404,7 +7835,7 @@
       </p:sp>
       <p:sp>
         <p:nvSpPr>
-          <p:cNvPr id="62" name="Shape 62"/>
+          <p:cNvPr id="64" name="Shape 64"/>
           <p:cNvSpPr/>
           <p:nvPr/>
         </p:nvSpPr>
@@ -4447,7 +7878,50 @@
       </p:sp>
       <p:sp>
         <p:nvSpPr>
-          <p:cNvPr id="63" name="Shape 63"/>
+          <p:cNvPr id="65" name="Shape 65"/>
+          <p:cNvSpPr/>
+          <p:nvPr/>
+        </p:nvSpPr>
+        <p:spPr>
+          <a:xfrm>
+            <a:off y="3081725" x="3044437"/>
+            <a:ext cy="618000" cx="1769999"/>
+          </a:xfrm>
+          <a:prstGeom prst="rect">
+            <a:avLst/>
+          </a:prstGeom>
+          <a:solidFill>
+            <a:schemeClr val="lt2"/>
+          </a:solidFill>
+          <a:ln w="19050" cap="flat">
+            <a:solidFill>
+              <a:schemeClr val="dk2"/>
+            </a:solidFill>
+            <a:prstDash val="solid"/>
+            <a:round/>
+            <a:headEnd w="med" len="med" type="none"/>
+            <a:tailEnd w="med" len="med" type="none"/>
+          </a:ln>
+        </p:spPr>
+        <p:txBody>
+          <a:bodyPr bIns="91425" rIns="91425" lIns="91425" tIns="91425" anchor="ctr" anchorCtr="0">
+            <a:noAutofit/>
+          </a:bodyPr>
+          <a:lstStyle/>
+          <a:p>
+            <a:pPr rtl="0" lvl="0">
+              <a:buNone/>
+            </a:pPr>
+            <a:r>
+              <a:rPr lang="en"/>
+              <a:t>Ineffective Example</a:t>
+            </a:r>
+          </a:p>
+        </p:txBody>
+      </p:sp>
+      <p:sp>
+        <p:nvSpPr>
+          <p:cNvPr id="66" name="Shape 66"/>
           <p:cNvSpPr/>
           <p:nvPr/>
         </p:nvSpPr>
@@ -4493,7 +7967,93 @@
       </p:sp>
       <p:sp>
         <p:nvSpPr>
-          <p:cNvPr id="64" name="Shape 64"/>
+          <p:cNvPr id="67" name="Shape 67"/>
+          <p:cNvSpPr/>
+          <p:nvPr/>
+        </p:nvSpPr>
+        <p:spPr>
+          <a:xfrm>
+            <a:off y="3880975" x="3044450"/>
+            <a:ext cy="618000" cx="1769999"/>
+          </a:xfrm>
+          <a:prstGeom prst="rect">
+            <a:avLst/>
+          </a:prstGeom>
+          <a:solidFill>
+            <a:schemeClr val="lt2"/>
+          </a:solidFill>
+          <a:ln w="19050" cap="flat">
+            <a:solidFill>
+              <a:schemeClr val="dk2"/>
+            </a:solidFill>
+            <a:prstDash val="solid"/>
+            <a:round/>
+            <a:headEnd w="med" len="med" type="none"/>
+            <a:tailEnd w="med" len="med" type="none"/>
+          </a:ln>
+        </p:spPr>
+        <p:txBody>
+          <a:bodyPr bIns="91425" rIns="91425" lIns="91425" tIns="91425" anchor="ctr" anchorCtr="0">
+            <a:noAutofit/>
+          </a:bodyPr>
+          <a:lstStyle/>
+          <a:p>
+            <a:pPr rtl="0" lvl="0">
+              <a:buNone/>
+            </a:pPr>
+            <a:r>
+              <a:rPr lang="en"/>
+              <a:t>Effective Example</a:t>
+            </a:r>
+          </a:p>
+        </p:txBody>
+      </p:sp>
+      <p:sp>
+        <p:nvSpPr>
+          <p:cNvPr id="68" name="Shape 68"/>
+          <p:cNvSpPr/>
+          <p:nvPr/>
+        </p:nvSpPr>
+        <p:spPr>
+          <a:xfrm>
+            <a:off y="990937" x="2619950"/>
+            <a:ext cy="1909548" cx="3222936"/>
+          </a:xfrm>
+          <a:prstGeom prst="cloud">
+            <a:avLst/>
+          </a:prstGeom>
+          <a:solidFill>
+            <a:schemeClr val="lt2"/>
+          </a:solidFill>
+          <a:ln w="19050" cap="flat">
+            <a:solidFill>
+              <a:schemeClr val="dk2"/>
+            </a:solidFill>
+            <a:prstDash val="solid"/>
+            <a:round/>
+            <a:headEnd w="med" len="med" type="none"/>
+            <a:tailEnd w="med" len="med" type="none"/>
+          </a:ln>
+        </p:spPr>
+        <p:txBody>
+          <a:bodyPr bIns="91425" rIns="91425" lIns="91425" tIns="91425" anchor="ctr" anchorCtr="0">
+            <a:noAutofit/>
+          </a:bodyPr>
+          <a:lstStyle/>
+          <a:p>
+            <a:pPr>
+              <a:buNone/>
+            </a:pPr>
+            <a:r>
+              <a:rPr lang="en"/>
+              <a:t>Picture Example</a:t>
+            </a:r>
+          </a:p>
+        </p:txBody>
+      </p:sp>
+      <p:sp>
+        <p:nvSpPr>
+          <p:cNvPr id="69" name="Shape 69"/>
           <p:cNvSpPr/>
           <p:nvPr/>
         </p:nvSpPr>
@@ -4533,117 +8093,6 @@
             <a:r>
               <a:rPr lang="en"/>
               <a:t>Back</a:t>
-            </a:r>
-          </a:p>
-        </p:txBody>
-      </p:sp>
-      <p:sp>
-        <p:nvSpPr>
-          <p:cNvPr id="65" name="Shape 65"/>
-          <p:cNvSpPr/>
-          <p:nvPr/>
-        </p:nvSpPr>
-        <p:spPr>
-          <a:xfrm>
-            <a:off y="1639050" x="3178875"/>
-            <a:ext cy="1865400" cx="1666499"/>
-          </a:xfrm>
-          <a:prstGeom prst="moon">
-            <a:avLst>
-              <a:gd fmla="val 47025" name="adj"/>
-            </a:avLst>
-          </a:prstGeom>
-          <a:solidFill>
-            <a:schemeClr val="lt2"/>
-          </a:solidFill>
-          <a:ln w="19050" cap="flat">
-            <a:solidFill>
-              <a:schemeClr val="dk2"/>
-            </a:solidFill>
-            <a:prstDash val="solid"/>
-            <a:round/>
-            <a:headEnd w="med" len="med" type="none"/>
-            <a:tailEnd w="med" len="med" type="none"/>
-          </a:ln>
-        </p:spPr>
-        <p:txBody>
-          <a:bodyPr bIns="91425" rIns="91425" lIns="91425" tIns="91425" anchor="ctr" anchorCtr="0">
-            <a:noAutofit/>
-          </a:bodyPr>
-          <a:lstStyle/>
-          <a:p/>
-        </p:txBody>
-      </p:sp>
-      <p:sp>
-        <p:nvSpPr>
-          <p:cNvPr id="66" name="Shape 66"/>
-          <p:cNvSpPr/>
-          <p:nvPr/>
-        </p:nvSpPr>
-        <p:spPr>
-          <a:xfrm>
-            <a:off y="3688775" x="2638050"/>
-            <a:ext cy="809699" cx="3123600"/>
-          </a:xfrm>
-          <a:prstGeom prst="rect">
-            <a:avLst/>
-          </a:prstGeom>
-          <a:solidFill>
-            <a:schemeClr val="lt2"/>
-          </a:solidFill>
-          <a:ln w="19050" cap="flat">
-            <a:solidFill>
-              <a:schemeClr val="dk2"/>
-            </a:solidFill>
-            <a:prstDash val="solid"/>
-            <a:round/>
-            <a:headEnd w="med" len="med" type="none"/>
-            <a:tailEnd w="med" len="med" type="none"/>
-          </a:ln>
-        </p:spPr>
-        <p:txBody>
-          <a:bodyPr bIns="91425" rIns="91425" lIns="91425" tIns="91425" anchor="ctr" anchorCtr="0">
-            <a:noAutofit/>
-          </a:bodyPr>
-          <a:lstStyle/>
-          <a:p>
-            <a:pPr>
-              <a:buNone/>
-            </a:pPr>
-            <a:r>
-              <a:rPr lang="en"/>
-              <a:t>Now you Try: Text Entry Box</a:t>
-            </a:r>
-          </a:p>
-        </p:txBody>
-      </p:sp>
-      <p:sp>
-        <p:nvSpPr>
-          <p:cNvPr id="67" name="Shape 67"/>
-          <p:cNvSpPr txBox="1"/>
-          <p:nvPr/>
-        </p:nvSpPr>
-        <p:spPr>
-          <a:xfrm>
-            <a:off y="1039750" x="2880875"/>
-            <a:ext cy="485699" cx="2704200"/>
-          </a:xfrm>
-          <a:prstGeom prst="rect">
-            <a:avLst/>
-          </a:prstGeom>
-        </p:spPr>
-        <p:txBody>
-          <a:bodyPr bIns="91425" rIns="91425" lIns="91425" tIns="91425" anchor="t" anchorCtr="0">
-            <a:noAutofit/>
-          </a:bodyPr>
-          <a:lstStyle/>
-          <a:p>
-            <a:pPr>
-              <a:buNone/>
-            </a:pPr>
-            <a:r>
-              <a:rPr lang="en"/>
-              <a:t>Now you try!(1 of 2)</a:t>
             </a:r>
           </a:p>
         </p:txBody>
@@ -4664,7 +8113,7 @@
   <p:cSld>
     <p:spTree>
       <p:nvGrpSpPr>
-        <p:cNvPr id="71" name="Shape 71"/>
+        <p:cNvPr id="73" name="Shape 73"/>
         <p:cNvGrpSpPr/>
         <p:nvPr/>
       </p:nvGrpSpPr>
@@ -4678,7 +8127,7 @@
       </p:grpSpPr>
       <p:sp>
         <p:nvSpPr>
-          <p:cNvPr id="72" name="Shape 72"/>
+          <p:cNvPr id="74" name="Shape 74"/>
           <p:cNvSpPr/>
           <p:nvPr/>
         </p:nvSpPr>
@@ -4721,7 +8170,7 @@
       </p:sp>
       <p:sp>
         <p:nvSpPr>
-          <p:cNvPr id="73" name="Shape 73"/>
+          <p:cNvPr id="75" name="Shape 75"/>
           <p:cNvSpPr/>
           <p:nvPr/>
         </p:nvSpPr>
@@ -4764,7 +8213,7 @@
       </p:sp>
       <p:sp>
         <p:nvSpPr>
-          <p:cNvPr id="74" name="Shape 74"/>
+          <p:cNvPr id="76" name="Shape 76"/>
           <p:cNvSpPr/>
           <p:nvPr/>
         </p:nvSpPr>
@@ -4807,7 +8256,7 @@
       </p:sp>
       <p:sp>
         <p:nvSpPr>
-          <p:cNvPr id="75" name="Shape 75"/>
+          <p:cNvPr id="77" name="Shape 77"/>
           <p:cNvSpPr/>
           <p:nvPr/>
         </p:nvSpPr>
@@ -4850,7 +8299,7 @@
       </p:sp>
       <p:sp>
         <p:nvSpPr>
-          <p:cNvPr id="76" name="Shape 76"/>
+          <p:cNvPr id="78" name="Shape 78"/>
           <p:cNvSpPr/>
           <p:nvPr/>
         </p:nvSpPr>
@@ -4893,7 +8342,7 @@
       </p:sp>
       <p:sp>
         <p:nvSpPr>
-          <p:cNvPr id="77" name="Shape 77"/>
+          <p:cNvPr id="79" name="Shape 79"/>
           <p:cNvSpPr/>
           <p:nvPr/>
         </p:nvSpPr>
@@ -4932,14 +8381,14 @@
             </a:pPr>
             <a:r>
               <a:rPr lang="en"/>
-              <a:t>Finish</a:t>
-            </a:r>
-          </a:p>
-        </p:txBody>
-      </p:sp>
-      <p:sp>
-        <p:nvSpPr>
-          <p:cNvPr id="78" name="Shape 78"/>
+              <a:t>Next</a:t>
+            </a:r>
+          </a:p>
+        </p:txBody>
+      </p:sp>
+      <p:sp>
+        <p:nvSpPr>
+          <p:cNvPr id="80" name="Shape 80"/>
           <p:cNvSpPr/>
           <p:nvPr/>
         </p:nvSpPr>
@@ -4985,7 +8434,44 @@
       </p:sp>
       <p:sp>
         <p:nvSpPr>
-          <p:cNvPr id="79" name="Shape 79"/>
+          <p:cNvPr id="81" name="Shape 81"/>
+          <p:cNvSpPr/>
+          <p:nvPr/>
+        </p:nvSpPr>
+        <p:spPr>
+          <a:xfrm>
+            <a:off y="1639050" x="3178875"/>
+            <a:ext cy="1865400" cx="1666499"/>
+          </a:xfrm>
+          <a:prstGeom prst="moon">
+            <a:avLst>
+              <a:gd fmla="val 47025" name="adj"/>
+            </a:avLst>
+          </a:prstGeom>
+          <a:solidFill>
+            <a:schemeClr val="lt2"/>
+          </a:solidFill>
+          <a:ln w="19050" cap="flat">
+            <a:solidFill>
+              <a:schemeClr val="dk2"/>
+            </a:solidFill>
+            <a:prstDash val="solid"/>
+            <a:round/>
+            <a:headEnd w="med" len="med" type="none"/>
+            <a:tailEnd w="med" len="med" type="none"/>
+          </a:ln>
+        </p:spPr>
+        <p:txBody>
+          <a:bodyPr bIns="91425" rIns="91425" lIns="91425" tIns="91425" anchor="ctr" anchorCtr="0">
+            <a:noAutofit/>
+          </a:bodyPr>
+          <a:lstStyle/>
+          <a:p/>
+        </p:txBody>
+      </p:sp>
+      <p:sp>
+        <p:nvSpPr>
+          <p:cNvPr id="82" name="Shape 82"/>
           <p:cNvSpPr/>
           <p:nvPr/>
         </p:nvSpPr>
@@ -5016,7 +8502,7 @@
           </a:bodyPr>
           <a:lstStyle/>
           <a:p>
-            <a:pPr rtl="0" lvl="0">
+            <a:pPr>
               <a:buNone/>
             </a:pPr>
             <a:r>
@@ -5028,7 +8514,7 @@
       </p:sp>
       <p:sp>
         <p:nvSpPr>
-          <p:cNvPr id="80" name="Shape 80"/>
+          <p:cNvPr id="83" name="Shape 83"/>
           <p:cNvSpPr txBox="1"/>
           <p:nvPr/>
         </p:nvSpPr>
@@ -5047,49 +8533,14 @@
           </a:bodyPr>
           <a:lstStyle/>
           <a:p>
-            <a:pPr rtl="0" lvl="0">
-              <a:buNone/>
-            </a:pPr>
-            <a:r>
-              <a:rPr lang="en"/>
-              <a:t>Now you try!(2 of 2)</a:t>
-            </a:r>
-          </a:p>
-        </p:txBody>
-      </p:sp>
-      <p:sp>
-        <p:nvSpPr>
-          <p:cNvPr id="81" name="Shape 81"/>
-          <p:cNvSpPr/>
-          <p:nvPr/>
-        </p:nvSpPr>
-        <p:spPr>
-          <a:xfrm>
-            <a:off y="1755500" x="2880875"/>
-            <a:ext cy="1401786" cx="2030886"/>
-          </a:xfrm>
-          <a:prstGeom prst="irregularSeal1">
-            <a:avLst/>
-          </a:prstGeom>
-          <a:solidFill>
-            <a:schemeClr val="lt2"/>
-          </a:solidFill>
-          <a:ln w="19050" cap="flat">
-            <a:solidFill>
-              <a:schemeClr val="dk2"/>
-            </a:solidFill>
-            <a:prstDash val="solid"/>
-            <a:round/>
-            <a:headEnd w="med" len="med" type="none"/>
-            <a:tailEnd w="med" len="med" type="none"/>
-          </a:ln>
-        </p:spPr>
-        <p:txBody>
-          <a:bodyPr bIns="91425" rIns="91425" lIns="91425" tIns="91425" anchor="ctr" anchorCtr="0">
-            <a:noAutofit/>
-          </a:bodyPr>
-          <a:lstStyle/>
-          <a:p/>
+            <a:pPr>
+              <a:buNone/>
+            </a:pPr>
+            <a:r>
+              <a:rPr lang="en"/>
+              <a:t>Now you try!(1 of 3)</a:t>
+            </a:r>
+          </a:p>
         </p:txBody>
       </p:sp>
     </p:spTree>
@@ -5108,7 +8559,7 @@
   <p:cSld>
     <p:spTree>
       <p:nvGrpSpPr>
-        <p:cNvPr id="85" name="Shape 85"/>
+        <p:cNvPr id="87" name="Shape 87"/>
         <p:cNvGrpSpPr/>
         <p:nvPr/>
       </p:nvGrpSpPr>
@@ -5122,7 +8573,7 @@
       </p:grpSpPr>
       <p:sp>
         <p:nvSpPr>
-          <p:cNvPr id="86" name="Shape 86"/>
+          <p:cNvPr id="88" name="Shape 88"/>
           <p:cNvSpPr/>
           <p:nvPr/>
         </p:nvSpPr>
@@ -5165,7 +8616,7 @@
       </p:sp>
       <p:sp>
         <p:nvSpPr>
-          <p:cNvPr id="87" name="Shape 87"/>
+          <p:cNvPr id="89" name="Shape 89"/>
           <p:cNvSpPr/>
           <p:nvPr/>
         </p:nvSpPr>
@@ -5208,7 +8659,7 @@
       </p:sp>
       <p:sp>
         <p:nvSpPr>
-          <p:cNvPr id="88" name="Shape 88"/>
+          <p:cNvPr id="90" name="Shape 90"/>
           <p:cNvSpPr/>
           <p:nvPr/>
         </p:nvSpPr>
@@ -5251,7 +8702,7 @@
       </p:sp>
       <p:sp>
         <p:nvSpPr>
-          <p:cNvPr id="89" name="Shape 89"/>
+          <p:cNvPr id="91" name="Shape 91"/>
           <p:cNvSpPr/>
           <p:nvPr/>
         </p:nvSpPr>
@@ -5294,7 +8745,7 @@
       </p:sp>
       <p:sp>
         <p:nvSpPr>
-          <p:cNvPr id="90" name="Shape 90"/>
+          <p:cNvPr id="92" name="Shape 92"/>
           <p:cNvSpPr/>
           <p:nvPr/>
         </p:nvSpPr>
@@ -5337,17 +8788,20 @@
       </p:sp>
       <p:sp>
         <p:nvSpPr>
-          <p:cNvPr id="91" name="Shape 91"/>
-          <p:cNvSpPr/>
-          <p:nvPr/>
-        </p:nvSpPr>
-        <p:spPr>
-          <a:xfrm>
-            <a:off y="2091600" x="3035375"/>
-            <a:ext cy="960300" cx="2494499"/>
-          </a:xfrm>
-          <a:prstGeom prst="rect">
-            <a:avLst/>
+          <p:cNvPr id="93" name="Shape 93"/>
+          <p:cNvSpPr/>
+          <p:nvPr/>
+        </p:nvSpPr>
+        <p:spPr>
+          <a:xfrm>
+            <a:off y="4140300" x="7671175"/>
+            <a:ext cy="695400" cx="905099"/>
+          </a:xfrm>
+          <a:prstGeom prst="rightArrow">
+            <a:avLst>
+              <a:gd fmla="val 50000" name="adj1"/>
+              <a:gd fmla="val 50000" name="adj2"/>
+            </a:avLst>
           </a:prstGeom>
           <a:solidFill>
             <a:schemeClr val="lt2"/>
@@ -5368,29 +8822,32 @@
           </a:bodyPr>
           <a:lstStyle/>
           <a:p>
-            <a:pPr>
-              <a:buNone/>
-            </a:pPr>
-            <a:r>
-              <a:rPr lang="en"/>
-              <a:t>What should go here?</a:t>
-            </a:r>
-          </a:p>
-        </p:txBody>
-      </p:sp>
-      <p:sp>
-        <p:nvSpPr>
-          <p:cNvPr id="92" name="Shape 92"/>
-          <p:cNvSpPr/>
-          <p:nvPr/>
-        </p:nvSpPr>
-        <p:spPr>
-          <a:xfrm>
-            <a:off y="2323400" x="1445825"/>
-            <a:ext cy="331199" cx="1081799"/>
-          </a:xfrm>
-          <a:prstGeom prst="rect">
-            <a:avLst/>
+            <a:pPr rtl="0" lvl="0">
+              <a:buNone/>
+            </a:pPr>
+            <a:r>
+              <a:rPr lang="en"/>
+              <a:t>Next</a:t>
+            </a:r>
+          </a:p>
+        </p:txBody>
+      </p:sp>
+      <p:sp>
+        <p:nvSpPr>
+          <p:cNvPr id="94" name="Shape 94"/>
+          <p:cNvSpPr/>
+          <p:nvPr/>
+        </p:nvSpPr>
+        <p:spPr>
+          <a:xfrm flipH="1">
+            <a:off y="4140300" x="6587375"/>
+            <a:ext cy="695400" cx="905099"/>
+          </a:xfrm>
+          <a:prstGeom prst="rightArrow">
+            <a:avLst>
+              <a:gd fmla="val 50000" name="adj1"/>
+              <a:gd fmla="val 50000" name="adj2"/>
+            </a:avLst>
           </a:prstGeom>
           <a:solidFill>
             <a:schemeClr val="lt2"/>
@@ -5411,14 +8868,125 @@
           </a:bodyPr>
           <a:lstStyle/>
           <a:p>
-            <a:pPr>
-              <a:buNone/>
-            </a:pPr>
-            <a:r>
-              <a:rPr lang="en"/>
-              <a:t>Retry</a:t>
-            </a:r>
-          </a:p>
+            <a:pPr rtl="0" lvl="0">
+              <a:buNone/>
+            </a:pPr>
+            <a:r>
+              <a:rPr lang="en"/>
+              <a:t>Back</a:t>
+            </a:r>
+          </a:p>
+        </p:txBody>
+      </p:sp>
+      <p:sp>
+        <p:nvSpPr>
+          <p:cNvPr id="95" name="Shape 95"/>
+          <p:cNvSpPr/>
+          <p:nvPr/>
+        </p:nvSpPr>
+        <p:spPr>
+          <a:xfrm>
+            <a:off y="3688775" x="2638050"/>
+            <a:ext cy="809699" cx="3123600"/>
+          </a:xfrm>
+          <a:prstGeom prst="rect">
+            <a:avLst/>
+          </a:prstGeom>
+          <a:solidFill>
+            <a:schemeClr val="lt2"/>
+          </a:solidFill>
+          <a:ln w="19050" cap="flat">
+            <a:solidFill>
+              <a:schemeClr val="dk2"/>
+            </a:solidFill>
+            <a:prstDash val="solid"/>
+            <a:round/>
+            <a:headEnd w="med" len="med" type="none"/>
+            <a:tailEnd w="med" len="med" type="none"/>
+          </a:ln>
+        </p:spPr>
+        <p:txBody>
+          <a:bodyPr bIns="91425" rIns="91425" lIns="91425" tIns="91425" anchor="ctr" anchorCtr="0">
+            <a:noAutofit/>
+          </a:bodyPr>
+          <a:lstStyle/>
+          <a:p>
+            <a:pPr rtl="0" lvl="0">
+              <a:buNone/>
+            </a:pPr>
+            <a:r>
+              <a:rPr lang="en"/>
+              <a:t>Now you Try: Text Entry Box</a:t>
+            </a:r>
+          </a:p>
+        </p:txBody>
+      </p:sp>
+      <p:sp>
+        <p:nvSpPr>
+          <p:cNvPr id="96" name="Shape 96"/>
+          <p:cNvSpPr txBox="1"/>
+          <p:nvPr/>
+        </p:nvSpPr>
+        <p:spPr>
+          <a:xfrm>
+            <a:off y="1039750" x="2880875"/>
+            <a:ext cy="485699" cx="2704200"/>
+          </a:xfrm>
+          <a:prstGeom prst="rect">
+            <a:avLst/>
+          </a:prstGeom>
+        </p:spPr>
+        <p:txBody>
+          <a:bodyPr bIns="91425" rIns="91425" lIns="91425" tIns="91425" anchor="t" anchorCtr="0">
+            <a:noAutofit/>
+          </a:bodyPr>
+          <a:lstStyle/>
+          <a:p>
+            <a:pPr rtl="0" lvl="0">
+              <a:buNone/>
+            </a:pPr>
+            <a:r>
+              <a:rPr lang="en"/>
+              <a:t>Now you try!(2 of 3)</a:t>
+            </a:r>
+          </a:p>
+        </p:txBody>
+      </p:sp>
+      <p:sp>
+        <p:nvSpPr>
+          <p:cNvPr id="97" name="Shape 97"/>
+          <p:cNvSpPr/>
+          <p:nvPr/>
+        </p:nvSpPr>
+        <p:spPr>
+          <a:xfrm>
+            <a:off y="1755500" x="3518775"/>
+            <a:ext cy="1311000" cx="1557600"/>
+          </a:xfrm>
+          <a:prstGeom prst="smileyFace">
+            <a:avLst>
+              <a:gd fmla="val 4653" name="adj"/>
+            </a:avLst>
+          </a:prstGeom>
+          <a:solidFill>
+            <a:schemeClr val="lt2"/>
+          </a:solidFill>
+          <a:ln w="19050" cap="flat">
+            <a:solidFill>
+              <a:schemeClr val="dk2"/>
+            </a:solidFill>
+            <a:prstDash val="solid"/>
+            <a:round/>
+            <a:headEnd w="med" len="med" type="none"/>
+            <a:tailEnd w="med" len="med" type="none"/>
+          </a:ln>
+        </p:spPr>
+        <p:txBody>
+          <a:bodyPr bIns="91425" rIns="91425" lIns="91425" tIns="91425" anchor="ctr" anchorCtr="0">
+            <a:noAutofit/>
+          </a:bodyPr>
+          <a:lstStyle/>
+          <a:p/>
         </p:txBody>
       </p:sp>
     </p:spTree>
@@ -5437,7 +9005,7 @@
   <p:cSld>
     <p:spTree>
       <p:nvGrpSpPr>
-        <p:cNvPr id="96" name="Shape 96"/>
+        <p:cNvPr id="101" name="Shape 101"/>
         <p:cNvGrpSpPr/>
         <p:nvPr/>
       </p:nvGrpSpPr>
@@ -5451,7 +9019,7 @@
       </p:grpSpPr>
       <p:sp>
         <p:nvSpPr>
-          <p:cNvPr id="97" name="Shape 97"/>
+          <p:cNvPr id="102" name="Shape 102"/>
           <p:cNvSpPr/>
           <p:nvPr/>
         </p:nvSpPr>
@@ -5464,7 +9032,7 @@
             <a:avLst/>
           </a:prstGeom>
           <a:solidFill>
-            <a:schemeClr val="lt2"/>
+            <a:srgbClr val="00FF00"/>
           </a:solidFill>
           <a:ln w="19050" cap="flat">
             <a:solidFill>
@@ -5494,7 +9062,7 @@
       </p:sp>
       <p:sp>
         <p:nvSpPr>
-          <p:cNvPr id="98" name="Shape 98"/>
+          <p:cNvPr id="103" name="Shape 103"/>
           <p:cNvSpPr/>
           <p:nvPr/>
         </p:nvSpPr>
@@ -5507,7 +9075,7 @@
             <a:avLst/>
           </a:prstGeom>
           <a:solidFill>
-            <a:srgbClr val="00FF00"/>
+            <a:schemeClr val="lt2"/>
           </a:solidFill>
           <a:ln w="19050" cap="flat">
             <a:solidFill>
@@ -5537,7 +9105,7 @@
       </p:sp>
       <p:sp>
         <p:nvSpPr>
-          <p:cNvPr id="99" name="Shape 99"/>
+          <p:cNvPr id="104" name="Shape 104"/>
           <p:cNvSpPr/>
           <p:nvPr/>
         </p:nvSpPr>
@@ -5580,7 +9148,7 @@
       </p:sp>
       <p:sp>
         <p:nvSpPr>
-          <p:cNvPr id="100" name="Shape 100"/>
+          <p:cNvPr id="105" name="Shape 105"/>
           <p:cNvSpPr/>
           <p:nvPr/>
         </p:nvSpPr>
@@ -5623,7 +9191,7 @@
       </p:sp>
       <p:sp>
         <p:nvSpPr>
-          <p:cNvPr id="101" name="Shape 101"/>
+          <p:cNvPr id="106" name="Shape 106"/>
           <p:cNvSpPr/>
           <p:nvPr/>
         </p:nvSpPr>
@@ -5662,6 +9230,207 @@
               <a:t>Adjectives out of Order</a:t>
             </a:r>
           </a:p>
+        </p:txBody>
+      </p:sp>
+      <p:sp>
+        <p:nvSpPr>
+          <p:cNvPr id="107" name="Shape 107"/>
+          <p:cNvSpPr/>
+          <p:nvPr/>
+        </p:nvSpPr>
+        <p:spPr>
+          <a:xfrm>
+            <a:off y="4140300" x="7671175"/>
+            <a:ext cy="695400" cx="905099"/>
+          </a:xfrm>
+          <a:prstGeom prst="rightArrow">
+            <a:avLst>
+              <a:gd fmla="val 50000" name="adj1"/>
+              <a:gd fmla="val 50000" name="adj2"/>
+            </a:avLst>
+          </a:prstGeom>
+          <a:solidFill>
+            <a:schemeClr val="lt2"/>
+          </a:solidFill>
+          <a:ln w="19050" cap="flat">
+            <a:solidFill>
+              <a:schemeClr val="dk2"/>
+            </a:solidFill>
+            <a:prstDash val="solid"/>
+            <a:round/>
+            <a:headEnd w="med" len="med" type="none"/>
+            <a:tailEnd w="med" len="med" type="none"/>
+          </a:ln>
+        </p:spPr>
+        <p:txBody>
+          <a:bodyPr bIns="91425" rIns="91425" lIns="91425" tIns="91425" anchor="ctr" anchorCtr="0">
+            <a:noAutofit/>
+          </a:bodyPr>
+          <a:lstStyle/>
+          <a:p>
+            <a:pPr rtl="0" lvl="0">
+              <a:buNone/>
+            </a:pPr>
+            <a:r>
+              <a:rPr lang="en"/>
+              <a:t>Finish</a:t>
+            </a:r>
+          </a:p>
+        </p:txBody>
+      </p:sp>
+      <p:sp>
+        <p:nvSpPr>
+          <p:cNvPr id="108" name="Shape 108"/>
+          <p:cNvSpPr/>
+          <p:nvPr/>
+        </p:nvSpPr>
+        <p:spPr>
+          <a:xfrm flipH="1">
+            <a:off y="4140300" x="6587375"/>
+            <a:ext cy="695400" cx="905099"/>
+          </a:xfrm>
+          <a:prstGeom prst="rightArrow">
+            <a:avLst>
+              <a:gd fmla="val 50000" name="adj1"/>
+              <a:gd fmla="val 50000" name="adj2"/>
+            </a:avLst>
+          </a:prstGeom>
+          <a:solidFill>
+            <a:schemeClr val="lt2"/>
+          </a:solidFill>
+          <a:ln w="19050" cap="flat">
+            <a:solidFill>
+              <a:schemeClr val="dk2"/>
+            </a:solidFill>
+            <a:prstDash val="solid"/>
+            <a:round/>
+            <a:headEnd w="med" len="med" type="none"/>
+            <a:tailEnd w="med" len="med" type="none"/>
+          </a:ln>
+        </p:spPr>
+        <p:txBody>
+          <a:bodyPr bIns="91425" rIns="91425" lIns="91425" tIns="91425" anchor="ctr" anchorCtr="0">
+            <a:noAutofit/>
+          </a:bodyPr>
+          <a:lstStyle/>
+          <a:p>
+            <a:pPr rtl="0" lvl="0">
+              <a:buNone/>
+            </a:pPr>
+            <a:r>
+              <a:rPr lang="en"/>
+              <a:t>Back</a:t>
+            </a:r>
+          </a:p>
+        </p:txBody>
+      </p:sp>
+      <p:sp>
+        <p:nvSpPr>
+          <p:cNvPr id="109" name="Shape 109"/>
+          <p:cNvSpPr/>
+          <p:nvPr/>
+        </p:nvSpPr>
+        <p:spPr>
+          <a:xfrm>
+            <a:off y="3688775" x="2638050"/>
+            <a:ext cy="809699" cx="3123600"/>
+          </a:xfrm>
+          <a:prstGeom prst="rect">
+            <a:avLst/>
+          </a:prstGeom>
+          <a:solidFill>
+            <a:schemeClr val="lt2"/>
+          </a:solidFill>
+          <a:ln w="19050" cap="flat">
+            <a:solidFill>
+              <a:schemeClr val="dk2"/>
+            </a:solidFill>
+            <a:prstDash val="solid"/>
+            <a:round/>
+            <a:headEnd w="med" len="med" type="none"/>
+            <a:tailEnd w="med" len="med" type="none"/>
+          </a:ln>
+        </p:spPr>
+        <p:txBody>
+          <a:bodyPr bIns="91425" rIns="91425" lIns="91425" tIns="91425" anchor="ctr" anchorCtr="0">
+            <a:noAutofit/>
+          </a:bodyPr>
+          <a:lstStyle/>
+          <a:p>
+            <a:pPr rtl="0" lvl="0">
+              <a:buNone/>
+            </a:pPr>
+            <a:r>
+              <a:rPr lang="en"/>
+              <a:t>Now you Try: Text Entry Box</a:t>
+            </a:r>
+          </a:p>
+        </p:txBody>
+      </p:sp>
+      <p:sp>
+        <p:nvSpPr>
+          <p:cNvPr id="110" name="Shape 110"/>
+          <p:cNvSpPr txBox="1"/>
+          <p:nvPr/>
+        </p:nvSpPr>
+        <p:spPr>
+          <a:xfrm>
+            <a:off y="1039750" x="2880875"/>
+            <a:ext cy="485699" cx="2704200"/>
+          </a:xfrm>
+          <a:prstGeom prst="rect">
+            <a:avLst/>
+          </a:prstGeom>
+        </p:spPr>
+        <p:txBody>
+          <a:bodyPr bIns="91425" rIns="91425" lIns="91425" tIns="91425" anchor="t" anchorCtr="0">
+            <a:noAutofit/>
+          </a:bodyPr>
+          <a:lstStyle/>
+          <a:p>
+            <a:pPr rtl="0" lvl="0">
+              <a:buNone/>
+            </a:pPr>
+            <a:r>
+              <a:rPr lang="en"/>
+              <a:t>Now you try!(3 of 3)</a:t>
+            </a:r>
+          </a:p>
+        </p:txBody>
+      </p:sp>
+      <p:sp>
+        <p:nvSpPr>
+          <p:cNvPr id="111" name="Shape 111"/>
+          <p:cNvSpPr/>
+          <p:nvPr/>
+        </p:nvSpPr>
+        <p:spPr>
+          <a:xfrm>
+            <a:off y="1755500" x="2880875"/>
+            <a:ext cy="1401786" cx="2030886"/>
+          </a:xfrm>
+          <a:prstGeom prst="irregularSeal1">
+            <a:avLst/>
+          </a:prstGeom>
+          <a:solidFill>
+            <a:schemeClr val="lt2"/>
+          </a:solidFill>
+          <a:ln w="19050" cap="flat">
+            <a:solidFill>
+              <a:schemeClr val="dk2"/>
+            </a:solidFill>
+            <a:prstDash val="solid"/>
+            <a:round/>
+            <a:headEnd w="med" len="med" type="none"/>
+            <a:tailEnd w="med" len="med" type="none"/>
+          </a:ln>
+        </p:spPr>
+        <p:txBody>
+          <a:bodyPr bIns="91425" rIns="91425" lIns="91425" tIns="91425" anchor="ctr" anchorCtr="0">
+            <a:noAutofit/>
+          </a:bodyPr>
+          <a:lstStyle/>
+          <a:p/>
         </p:txBody>
       </p:sp>
     </p:spTree>
@@ -5680,7 +9449,7 @@
   <p:cSld>
     <p:spTree>
       <p:nvGrpSpPr>
-        <p:cNvPr id="105" name="Shape 105"/>
+        <p:cNvPr id="115" name="Shape 115"/>
         <p:cNvGrpSpPr/>
         <p:nvPr/>
       </p:nvGrpSpPr>
@@ -5694,7 +9463,7 @@
       </p:grpSpPr>
       <p:sp>
         <p:nvSpPr>
-          <p:cNvPr id="106" name="Shape 106"/>
+          <p:cNvPr id="116" name="Shape 116"/>
           <p:cNvSpPr/>
           <p:nvPr/>
         </p:nvSpPr>
@@ -5707,7 +9476,7 @@
             <a:avLst/>
           </a:prstGeom>
           <a:solidFill>
-            <a:schemeClr val="lt2"/>
+            <a:srgbClr val="00FF00"/>
           </a:solidFill>
           <a:ln w="19050" cap="flat">
             <a:solidFill>
@@ -5737,7 +9506,7 @@
       </p:sp>
       <p:sp>
         <p:nvSpPr>
-          <p:cNvPr id="107" name="Shape 107"/>
+          <p:cNvPr id="117" name="Shape 117"/>
           <p:cNvSpPr/>
           <p:nvPr/>
         </p:nvSpPr>
@@ -5780,7 +9549,7 @@
       </p:sp>
       <p:sp>
         <p:nvSpPr>
-          <p:cNvPr id="108" name="Shape 108"/>
+          <p:cNvPr id="118" name="Shape 118"/>
           <p:cNvSpPr/>
           <p:nvPr/>
         </p:nvSpPr>
@@ -5793,7 +9562,7 @@
             <a:avLst/>
           </a:prstGeom>
           <a:solidFill>
-            <a:srgbClr val="00FF00"/>
+            <a:schemeClr val="lt2"/>
           </a:solidFill>
           <a:ln w="19050" cap="flat">
             <a:solidFill>
@@ -5823,7 +9592,7 @@
       </p:sp>
       <p:sp>
         <p:nvSpPr>
-          <p:cNvPr id="109" name="Shape 109"/>
+          <p:cNvPr id="119" name="Shape 119"/>
           <p:cNvSpPr/>
           <p:nvPr/>
         </p:nvSpPr>
@@ -5866,7 +9635,7 @@
       </p:sp>
       <p:sp>
         <p:nvSpPr>
-          <p:cNvPr id="110" name="Shape 110"/>
+          <p:cNvPr id="120" name="Shape 120"/>
           <p:cNvSpPr/>
           <p:nvPr/>
         </p:nvSpPr>
@@ -5903,6 +9672,290 @@
             <a:r>
               <a:rPr lang="en"/>
               <a:t>Adjectives out of Order</a:t>
+            </a:r>
+          </a:p>
+        </p:txBody>
+      </p:sp>
+      <p:sp>
+        <p:nvSpPr>
+          <p:cNvPr id="121" name="Shape 121"/>
+          <p:cNvSpPr/>
+          <p:nvPr/>
+        </p:nvSpPr>
+        <p:spPr>
+          <a:xfrm>
+            <a:off y="1346975" x="560425"/>
+            <a:ext cy="616200" cx="470700"/>
+          </a:xfrm>
+          <a:prstGeom prst="moon">
+            <a:avLst>
+              <a:gd fmla="val 50000" name="adj"/>
+            </a:avLst>
+          </a:prstGeom>
+          <a:solidFill>
+            <a:schemeClr val="lt2"/>
+          </a:solidFill>
+          <a:ln w="19050" cap="flat">
+            <a:solidFill>
+              <a:schemeClr val="dk2"/>
+            </a:solidFill>
+            <a:prstDash val="solid"/>
+            <a:round/>
+            <a:headEnd w="med" len="med" type="none"/>
+            <a:tailEnd w="med" len="med" type="none"/>
+          </a:ln>
+        </p:spPr>
+        <p:txBody>
+          <a:bodyPr bIns="91425" rIns="91425" lIns="91425" tIns="91425" anchor="ctr" anchorCtr="0">
+            <a:noAutofit/>
+          </a:bodyPr>
+          <a:lstStyle/>
+          <a:p/>
+        </p:txBody>
+      </p:sp>
+      <p:sp>
+        <p:nvSpPr>
+          <p:cNvPr id="122" name="Shape 122"/>
+          <p:cNvSpPr/>
+          <p:nvPr/>
+        </p:nvSpPr>
+        <p:spPr>
+          <a:xfrm>
+            <a:off y="2263650" x="453925"/>
+            <a:ext cy="616200" cx="683699"/>
+          </a:xfrm>
+          <a:prstGeom prst="smileyFace">
+            <a:avLst>
+              <a:gd fmla="val 4653" name="adj"/>
+            </a:avLst>
+          </a:prstGeom>
+          <a:solidFill>
+            <a:schemeClr val="lt2"/>
+          </a:solidFill>
+          <a:ln w="19050" cap="flat">
+            <a:solidFill>
+              <a:schemeClr val="dk2"/>
+            </a:solidFill>
+            <a:prstDash val="solid"/>
+            <a:round/>
+            <a:headEnd w="med" len="med" type="none"/>
+            <a:tailEnd w="med" len="med" type="none"/>
+          </a:ln>
+        </p:spPr>
+        <p:txBody>
+          <a:bodyPr bIns="91425" rIns="91425" lIns="91425" tIns="91425" anchor="ctr" anchorCtr="0">
+            <a:noAutofit/>
+          </a:bodyPr>
+          <a:lstStyle/>
+          <a:p/>
+        </p:txBody>
+      </p:sp>
+      <p:sp>
+        <p:nvSpPr>
+          <p:cNvPr id="123" name="Shape 123"/>
+          <p:cNvSpPr/>
+          <p:nvPr/>
+        </p:nvSpPr>
+        <p:spPr>
+          <a:xfrm>
+            <a:off y="3039025" x="420362"/>
+            <a:ext cy="694763" cx="750816"/>
+          </a:xfrm>
+          <a:prstGeom prst="irregularSeal1">
+            <a:avLst/>
+          </a:prstGeom>
+          <a:solidFill>
+            <a:schemeClr val="lt2"/>
+          </a:solidFill>
+          <a:ln w="19050" cap="flat">
+            <a:solidFill>
+              <a:schemeClr val="dk2"/>
+            </a:solidFill>
+            <a:prstDash val="solid"/>
+            <a:round/>
+            <a:headEnd w="med" len="med" type="none"/>
+            <a:tailEnd w="med" len="med" type="none"/>
+          </a:ln>
+        </p:spPr>
+        <p:txBody>
+          <a:bodyPr bIns="91425" rIns="91425" lIns="91425" tIns="91425" anchor="ctr" anchorCtr="0">
+            <a:noAutofit/>
+          </a:bodyPr>
+          <a:lstStyle/>
+          <a:p/>
+        </p:txBody>
+      </p:sp>
+      <p:sp>
+        <p:nvSpPr>
+          <p:cNvPr id="124" name="Shape 124"/>
+          <p:cNvSpPr/>
+          <p:nvPr/>
+        </p:nvSpPr>
+        <p:spPr>
+          <a:xfrm>
+            <a:off y="1291050" x="1591375"/>
+            <a:ext cy="616200" cx="2364300"/>
+          </a:xfrm>
+          <a:prstGeom prst="rect">
+            <a:avLst/>
+          </a:prstGeom>
+          <a:solidFill>
+            <a:schemeClr val="lt2"/>
+          </a:solidFill>
+          <a:ln w="19050" cap="flat">
+            <a:solidFill>
+              <a:schemeClr val="dk2"/>
+            </a:solidFill>
+            <a:prstDash val="solid"/>
+            <a:round/>
+            <a:headEnd w="med" len="med" type="none"/>
+            <a:tailEnd w="med" len="med" type="none"/>
+          </a:ln>
+        </p:spPr>
+        <p:txBody>
+          <a:bodyPr bIns="91425" rIns="91425" lIns="91425" tIns="91425" anchor="ctr" anchorCtr="0">
+            <a:noAutofit/>
+          </a:bodyPr>
+          <a:lstStyle/>
+          <a:p>
+            <a:pPr>
+              <a:buNone/>
+            </a:pPr>
+            <a:r>
+              <a:rPr lang="en"/>
+              <a:t>Student Response</a:t>
+            </a:r>
+          </a:p>
+        </p:txBody>
+      </p:sp>
+      <p:sp>
+        <p:nvSpPr>
+          <p:cNvPr id="125" name="Shape 125"/>
+          <p:cNvSpPr/>
+          <p:nvPr/>
+        </p:nvSpPr>
+        <p:spPr>
+          <a:xfrm>
+            <a:off y="2263650" x="1591375"/>
+            <a:ext cy="616200" cx="2364300"/>
+          </a:xfrm>
+          <a:prstGeom prst="rect">
+            <a:avLst/>
+          </a:prstGeom>
+          <a:solidFill>
+            <a:schemeClr val="lt2"/>
+          </a:solidFill>
+          <a:ln w="19050" cap="flat">
+            <a:solidFill>
+              <a:schemeClr val="dk2"/>
+            </a:solidFill>
+            <a:prstDash val="solid"/>
+            <a:round/>
+            <a:headEnd w="med" len="med" type="none"/>
+            <a:tailEnd w="med" len="med" type="none"/>
+          </a:ln>
+        </p:spPr>
+        <p:txBody>
+          <a:bodyPr bIns="91425" rIns="91425" lIns="91425" tIns="91425" anchor="ctr" anchorCtr="0">
+            <a:noAutofit/>
+          </a:bodyPr>
+          <a:lstStyle/>
+          <a:p>
+            <a:pPr rtl="0" lvl="0">
+              <a:buNone/>
+            </a:pPr>
+            <a:r>
+              <a:rPr lang="en"/>
+              <a:t>Student Response</a:t>
+            </a:r>
+          </a:p>
+        </p:txBody>
+      </p:sp>
+      <p:sp>
+        <p:nvSpPr>
+          <p:cNvPr id="126" name="Shape 126"/>
+          <p:cNvSpPr/>
+          <p:nvPr/>
+        </p:nvSpPr>
+        <p:spPr>
+          <a:xfrm>
+            <a:off y="3117600" x="1591375"/>
+            <a:ext cy="616200" cx="2364300"/>
+          </a:xfrm>
+          <a:prstGeom prst="rect">
+            <a:avLst/>
+          </a:prstGeom>
+          <a:solidFill>
+            <a:schemeClr val="lt2"/>
+          </a:solidFill>
+          <a:ln w="19050" cap="flat">
+            <a:solidFill>
+              <a:schemeClr val="dk2"/>
+            </a:solidFill>
+            <a:prstDash val="solid"/>
+            <a:round/>
+            <a:headEnd w="med" len="med" type="none"/>
+            <a:tailEnd w="med" len="med" type="none"/>
+          </a:ln>
+        </p:spPr>
+        <p:txBody>
+          <a:bodyPr bIns="91425" rIns="91425" lIns="91425" tIns="91425" anchor="ctr" anchorCtr="0">
+            <a:noAutofit/>
+          </a:bodyPr>
+          <a:lstStyle/>
+          <a:p>
+            <a:pPr rtl="0" lvl="0">
+              <a:buNone/>
+            </a:pPr>
+            <a:r>
+              <a:rPr lang="en"/>
+              <a:t>Student Response</a:t>
+            </a:r>
+          </a:p>
+        </p:txBody>
+      </p:sp>
+      <p:sp>
+        <p:nvSpPr>
+          <p:cNvPr id="127" name="Shape 127"/>
+          <p:cNvSpPr/>
+          <p:nvPr/>
+        </p:nvSpPr>
+        <p:spPr>
+          <a:xfrm>
+            <a:off y="2129100" x="6634000"/>
+            <a:ext cy="885300" cx="1692000"/>
+          </a:xfrm>
+          <a:prstGeom prst="rightArrow">
+            <a:avLst>
+              <a:gd fmla="val 50000" name="adj1"/>
+              <a:gd fmla="val 50000" name="adj2"/>
+            </a:avLst>
+          </a:prstGeom>
+          <a:solidFill>
+            <a:schemeClr val="lt2"/>
+          </a:solidFill>
+          <a:ln w="19050" cap="flat">
+            <a:solidFill>
+              <a:schemeClr val="dk2"/>
+            </a:solidFill>
+            <a:prstDash val="solid"/>
+            <a:round/>
+            <a:headEnd w="med" len="med" type="none"/>
+            <a:tailEnd w="med" len="med" type="none"/>
+          </a:ln>
+        </p:spPr>
+        <p:txBody>
+          <a:bodyPr bIns="91425" rIns="91425" lIns="91425" tIns="91425" anchor="ctr" anchorCtr="0">
+            <a:noAutofit/>
+          </a:bodyPr>
+          <a:lstStyle/>
+          <a:p>
+            <a:pPr>
+              <a:buNone/>
+            </a:pPr>
+            <a:r>
+              <a:rPr lang="en"/>
+              <a:t>Send for Peer Review</a:t>
             </a:r>
           </a:p>
         </p:txBody>
@@ -5923,7 +9976,7 @@
   <p:cSld>
     <p:spTree>
       <p:nvGrpSpPr>
-        <p:cNvPr id="114" name="Shape 114"/>
+        <p:cNvPr id="131" name="Shape 131"/>
         <p:cNvGrpSpPr/>
         <p:nvPr/>
       </p:nvGrpSpPr>
@@ -5937,7 +9990,7 @@
       </p:grpSpPr>
       <p:sp>
         <p:nvSpPr>
-          <p:cNvPr id="115" name="Shape 115"/>
+          <p:cNvPr id="132" name="Shape 132"/>
           <p:cNvSpPr/>
           <p:nvPr/>
         </p:nvSpPr>
@@ -5950,7 +10003,7 @@
             <a:avLst/>
           </a:prstGeom>
           <a:solidFill>
-            <a:schemeClr val="lt2"/>
+            <a:srgbClr val="00FF00"/>
           </a:solidFill>
           <a:ln w="19050" cap="flat">
             <a:solidFill>
@@ -5980,7 +10033,7 @@
       </p:sp>
       <p:sp>
         <p:nvSpPr>
-          <p:cNvPr id="116" name="Shape 116"/>
+          <p:cNvPr id="133" name="Shape 133"/>
           <p:cNvSpPr/>
           <p:nvPr/>
         </p:nvSpPr>
@@ -6023,7 +10076,7 @@
       </p:sp>
       <p:sp>
         <p:nvSpPr>
-          <p:cNvPr id="117" name="Shape 117"/>
+          <p:cNvPr id="134" name="Shape 134"/>
           <p:cNvSpPr/>
           <p:nvPr/>
         </p:nvSpPr>
@@ -6066,7 +10119,7 @@
       </p:sp>
       <p:sp>
         <p:nvSpPr>
-          <p:cNvPr id="118" name="Shape 118"/>
+          <p:cNvPr id="135" name="Shape 135"/>
           <p:cNvSpPr/>
           <p:nvPr/>
         </p:nvSpPr>
@@ -6079,7 +10132,7 @@
             <a:avLst/>
           </a:prstGeom>
           <a:solidFill>
-            <a:srgbClr val="00FF00"/>
+            <a:schemeClr val="lt2"/>
           </a:solidFill>
           <a:ln w="19050" cap="flat">
             <a:solidFill>
@@ -6109,7 +10162,7 @@
       </p:sp>
       <p:sp>
         <p:nvSpPr>
-          <p:cNvPr id="119" name="Shape 119"/>
+          <p:cNvPr id="136" name="Shape 136"/>
           <p:cNvSpPr/>
           <p:nvPr/>
         </p:nvSpPr>
@@ -6146,6 +10199,89 @@
             <a:r>
               <a:rPr lang="en"/>
               <a:t>Adjectives out of Order</a:t>
+            </a:r>
+          </a:p>
+        </p:txBody>
+      </p:sp>
+      <p:sp>
+        <p:nvSpPr>
+          <p:cNvPr id="137" name="Shape 137"/>
+          <p:cNvSpPr txBox="1"/>
+          <p:nvPr/>
+        </p:nvSpPr>
+        <p:spPr>
+          <a:xfrm>
+            <a:off y="1257325" x="2459700"/>
+            <a:ext cy="1411800" cx="4224600"/>
+          </a:xfrm>
+          <a:prstGeom prst="rect">
+            <a:avLst/>
+          </a:prstGeom>
+        </p:spPr>
+        <p:txBody>
+          <a:bodyPr bIns="91425" rIns="91425" lIns="91425" tIns="91425" anchor="t" anchorCtr="0">
+            <a:noAutofit/>
+          </a:bodyPr>
+          <a:lstStyle/>
+          <a:p>
+            <a:pPr rtl="0" lvl="0">
+              <a:buNone/>
+            </a:pPr>
+            <a:r>
+              <a:rPr lang="en"/>
+              <a:t>Your answers for “Active Verbs” have been sent for Peer review.</a:t>
+            </a:r>
+          </a:p>
+          <a:p>
+            <a:pPr>
+              <a:buNone/>
+            </a:pPr>
+            <a:r>
+              <a:rPr lang="en"/>
+              <a:t>You also have one peer to review!</a:t>
+            </a:r>
+          </a:p>
+        </p:txBody>
+      </p:sp>
+      <p:sp>
+        <p:nvSpPr>
+          <p:cNvPr id="138" name="Shape 138"/>
+          <p:cNvSpPr/>
+          <p:nvPr/>
+        </p:nvSpPr>
+        <p:spPr>
+          <a:xfrm>
+            <a:off y="2097775" x="3379200"/>
+            <a:ext cy="627599" cx="2100600"/>
+          </a:xfrm>
+          <a:prstGeom prst="rect">
+            <a:avLst/>
+          </a:prstGeom>
+          <a:solidFill>
+            <a:schemeClr val="lt2"/>
+          </a:solidFill>
+          <a:ln w="19050" cap="flat">
+            <a:solidFill>
+              <a:schemeClr val="dk2"/>
+            </a:solidFill>
+            <a:prstDash val="solid"/>
+            <a:round/>
+            <a:headEnd w="med" len="med" type="none"/>
+            <a:tailEnd w="med" len="med" type="none"/>
+          </a:ln>
+        </p:spPr>
+        <p:txBody>
+          <a:bodyPr bIns="91425" rIns="91425" lIns="91425" tIns="91425" anchor="ctr" anchorCtr="0">
+            <a:noAutofit/>
+          </a:bodyPr>
+          <a:lstStyle/>
+          <a:p>
+            <a:pPr>
+              <a:buNone/>
+            </a:pPr>
+            <a:r>
+              <a:rPr lang="en"/>
+              <a:t>Press to review peer</a:t>
             </a:r>
           </a:p>
         </p:txBody>
@@ -6162,6 +10298,560 @@
 </file>
 
 <file path=ppt/theme/theme1.xml><?xml version="1.0" encoding="utf-8"?>
+<a:theme xmlns:a="http://schemas.openxmlformats.org/drawingml/2006/main" xmlns:r="http://schemas.openxmlformats.org/officeDocument/2006/relationships" name="simple-light">
+  <a:themeElements>
+    <a:clrScheme name="Custom 347">
+      <a:dk1>
+        <a:srgbClr val="000000"/>
+      </a:dk1>
+      <a:lt1>
+        <a:srgbClr val="FFFFFF"/>
+      </a:lt1>
+      <a:dk2>
+        <a:srgbClr val="666666"/>
+      </a:dk2>
+      <a:lt2>
+        <a:srgbClr val="CCCCCC"/>
+      </a:lt2>
+      <a:accent1>
+        <a:srgbClr val="3A81BA"/>
+      </a:accent1>
+      <a:accent2>
+        <a:srgbClr val="D89F39"/>
+      </a:accent2>
+      <a:accent3>
+        <a:srgbClr val="8BAB42"/>
+      </a:accent3>
+      <a:accent4>
+        <a:srgbClr val="57A7B5"/>
+      </a:accent4>
+      <a:accent5>
+        <a:srgbClr val="8B81D2"/>
+      </a:accent5>
+      <a:accent6>
+        <a:srgbClr val="963334"/>
+      </a:accent6>
+      <a:hlink>
+        <a:srgbClr val="1155CC"/>
+      </a:hlink>
+      <a:folHlink>
+        <a:srgbClr val="6611CC"/>
+      </a:folHlink>
+    </a:clrScheme>
+    <a:fontScheme name="Office">
+      <a:majorFont>
+        <a:latin typeface="Arial"/>
+        <a:ea typeface=""/>
+        <a:cs typeface=""/>
+        <a:font typeface="ＭＳ Ｐゴシック" script="Jpan"/>
+        <a:font typeface="맑은 고딕" script="Hang"/>
+        <a:font typeface="宋体" script="Hans"/>
+        <a:font typeface="新細明體" script="Hant"/>
+        <a:font typeface="Times New Roman" script="Arab"/>
+        <a:font typeface="Times New Roman" script="Hebr"/>
+        <a:font typeface="Angsana New" script="Thai"/>
+        <a:font typeface="Nyala" script="Ethi"/>
+        <a:font typeface="Vrinda" script="Beng"/>
+        <a:font typeface="Shruti" script="Gujr"/>
+        <a:font typeface="MoolBoran" script="Khmr"/>
+        <a:font typeface="Tunga" script="Knda"/>
+        <a:font typeface="Raavi" script="Guru"/>
+        <a:font typeface="Euphemia" script="Cans"/>
+        <a:font typeface="Plantagenet Cherokee" script="Cher"/>
+        <a:font typeface="Microsoft Yi Baiti" script="Yiii"/>
+        <a:font typeface="Microsoft Himalaya" script="Tibt"/>
+        <a:font typeface="MV Boli" script="Thaa"/>
+        <a:font typeface="Mangal" script="Deva"/>
+        <a:font typeface="Gautami" script="Telu"/>
+        <a:font typeface="Latha" script="Taml"/>
+        <a:font typeface="Estrangelo Edessa" script="Syrc"/>
+        <a:font typeface="Kalinga" script="Orya"/>
+        <a:font typeface="Kartika" script="Mlym"/>
+        <a:font typeface="DokChampa" script="Laoo"/>
+        <a:font typeface="Iskoola Pota" script="Sinh"/>
+        <a:font typeface="Mongolian Baiti" script="Mong"/>
+        <a:font typeface="Times New Roman" script="Viet"/>
+        <a:font typeface="Microsoft Uighur" script="Uigh"/>
+      </a:majorFont>
+      <a:minorFont>
+        <a:latin typeface="Arial"/>
+        <a:ea typeface=""/>
+        <a:cs typeface=""/>
+        <a:font typeface="ＭＳ Ｐゴシック" script="Jpan"/>
+        <a:font typeface="맑은 고딕" script="Hang"/>
+        <a:font typeface="宋体" script="Hans"/>
+        <a:font typeface="新細明體" script="Hant"/>
+        <a:font typeface="Arial" script="Arab"/>
+        <a:font typeface="Arial" script="Hebr"/>
+        <a:font typeface="Cordia New" script="Thai"/>
+        <a:font typeface="Nyala" script="Ethi"/>
+        <a:font typeface="Vrinda" script="Beng"/>
+        <a:font typeface="Shruti" script="Gujr"/>
+        <a:font typeface="DaunPenh" script="Khmr"/>
+        <a:font typeface="Tunga" script="Knda"/>
+        <a:font typeface="Raavi" script="Guru"/>
+        <a:font typeface="Euphemia" script="Cans"/>
+        <a:font typeface="Plantagenet Cherokee" script="Cher"/>
+        <a:font typeface="Microsoft Yi Baiti" script="Yiii"/>
+        <a:font typeface="Microsoft Himalaya" script="Tibt"/>
+        <a:font typeface="MV Boli" script="Thaa"/>
+        <a:font typeface="Mangal" script="Deva"/>
+        <a:font typeface="Gautami" script="Telu"/>
+        <a:font typeface="Latha" script="Taml"/>
+        <a:font typeface="Estrangelo Edessa" script="Syrc"/>
+        <a:font typeface="Kalinga" script="Orya"/>
+        <a:font typeface="Kartika" script="Mlym"/>
+        <a:font typeface="DokChampa" script="Laoo"/>
+        <a:font typeface="Iskoola Pota" script="Sinh"/>
+        <a:font typeface="Mongolian Baiti" script="Mong"/>
+        <a:font typeface="Arial" script="Viet"/>
+        <a:font typeface="Microsoft Uighur" script="Uigh"/>
+      </a:minorFont>
+    </a:fontScheme>
+    <a:fmtScheme name="Office">
+      <a:fillStyleLst>
+        <a:solidFill>
+          <a:schemeClr val="phClr"/>
+        </a:solidFill>
+        <a:gradFill rotWithShape="1">
+          <a:gsLst>
+            <a:gs pos="0">
+              <a:schemeClr val="phClr">
+                <a:tint val="50000"/>
+                <a:satMod val="300000"/>
+              </a:schemeClr>
+            </a:gs>
+            <a:gs pos="35000">
+              <a:schemeClr val="phClr">
+                <a:tint val="37000"/>
+                <a:satMod val="300000"/>
+              </a:schemeClr>
+            </a:gs>
+            <a:gs pos="100000">
+              <a:schemeClr val="phClr">
+                <a:tint val="15000"/>
+                <a:satMod val="350000"/>
+              </a:schemeClr>
+            </a:gs>
+          </a:gsLst>
+          <a:lin ang="16200000" scaled="1"/>
+        </a:gradFill>
+        <a:gradFill rotWithShape="1">
+          <a:gsLst>
+            <a:gs pos="0">
+              <a:schemeClr val="phClr">
+                <a:tint val="100000"/>
+                <a:shade val="100000"/>
+                <a:satMod val="130000"/>
+              </a:schemeClr>
+            </a:gs>
+            <a:gs pos="100000">
+              <a:schemeClr val="phClr">
+                <a:tint val="50000"/>
+                <a:shade val="100000"/>
+                <a:satMod val="350000"/>
+              </a:schemeClr>
+            </a:gs>
+          </a:gsLst>
+          <a:lin ang="16200000" scaled="0"/>
+        </a:gradFill>
+      </a:fillStyleLst>
+      <a:lnStyleLst>
+        <a:ln w="9525" algn="ctr" cap="flat" cmpd="sng">
+          <a:solidFill>
+            <a:schemeClr val="phClr">
+              <a:shade val="95000"/>
+              <a:satMod val="105000"/>
+            </a:schemeClr>
+          </a:solidFill>
+          <a:prstDash val="solid"/>
+        </a:ln>
+        <a:ln w="25400" algn="ctr" cap="flat" cmpd="sng">
+          <a:solidFill>
+            <a:schemeClr val="phClr"/>
+          </a:solidFill>
+          <a:prstDash val="solid"/>
+        </a:ln>
+        <a:ln w="38100" algn="ctr" cap="flat" cmpd="sng">
+          <a:solidFill>
+            <a:schemeClr val="phClr"/>
+          </a:solidFill>
+          <a:prstDash val="solid"/>
+        </a:ln>
+      </a:lnStyleLst>
+      <a:effectStyleLst>
+        <a:effectStyle>
+          <a:effectLst>
+            <a:outerShdw rotWithShape="0" dir="5400000" blurRad="40000" dist="20000">
+              <a:srgbClr val="000000">
+                <a:alpha val="38000"/>
+              </a:srgbClr>
+            </a:outerShdw>
+          </a:effectLst>
+        </a:effectStyle>
+        <a:effectStyle>
+          <a:effectLst>
+            <a:outerShdw rotWithShape="0" dir="5400000" blurRad="40000" dist="23000">
+              <a:srgbClr val="000000">
+                <a:alpha val="35000"/>
+              </a:srgbClr>
+            </a:outerShdw>
+          </a:effectLst>
+        </a:effectStyle>
+        <a:effectStyle>
+          <a:effectLst>
+            <a:outerShdw rotWithShape="0" dir="5400000" blurRad="40000" dist="23000">
+              <a:srgbClr val="000000">
+                <a:alpha val="35000"/>
+              </a:srgbClr>
+            </a:outerShdw>
+          </a:effectLst>
+          <a:scene3d>
+            <a:camera prst="orthographicFront">
+              <a:rot rev="0" lon="0" lat="0"/>
+            </a:camera>
+            <a:lightRig dir="t" rig="threePt">
+              <a:rot rev="1200000" lon="0" lat="0"/>
+            </a:lightRig>
+          </a:scene3d>
+          <a:sp3d>
+            <a:bevelT w="63500" h="25400"/>
+          </a:sp3d>
+        </a:effectStyle>
+      </a:effectStyleLst>
+      <a:bgFillStyleLst>
+        <a:solidFill>
+          <a:schemeClr val="phClr"/>
+        </a:solidFill>
+        <a:gradFill rotWithShape="1">
+          <a:gsLst>
+            <a:gs pos="0">
+              <a:schemeClr val="phClr">
+                <a:tint val="40000"/>
+                <a:satMod val="350000"/>
+              </a:schemeClr>
+            </a:gs>
+            <a:gs pos="40000">
+              <a:schemeClr val="phClr">
+                <a:tint val="45000"/>
+                <a:shade val="99000"/>
+                <a:satMod val="350000"/>
+              </a:schemeClr>
+            </a:gs>
+            <a:gs pos="100000">
+              <a:schemeClr val="phClr">
+                <a:shade val="20000"/>
+                <a:satMod val="255000"/>
+              </a:schemeClr>
+            </a:gs>
+          </a:gsLst>
+          <a:path path="circle">
+            <a:fillToRect t="-80000" b="180000" r="50000" l="50000"/>
+          </a:path>
+        </a:gradFill>
+        <a:gradFill rotWithShape="1">
+          <a:gsLst>
+            <a:gs pos="0">
+              <a:schemeClr val="phClr">
+                <a:tint val="80000"/>
+                <a:satMod val="300000"/>
+              </a:schemeClr>
+            </a:gs>
+            <a:gs pos="100000">
+              <a:schemeClr val="phClr">
+                <a:shade val="30000"/>
+                <a:satMod val="200000"/>
+              </a:schemeClr>
+            </a:gs>
+          </a:gsLst>
+          <a:path path="circle">
+            <a:fillToRect t="50000" b="50000" r="50000" l="50000"/>
+          </a:path>
+        </a:gradFill>
+      </a:bgFillStyleLst>
+    </a:fmtScheme>
+  </a:themeElements>
+</a:theme>
+</file>
+
+<file path=ppt/theme/theme2.xml><?xml version="1.0" encoding="utf-8"?>
+<a:theme xmlns:a="http://schemas.openxmlformats.org/drawingml/2006/main" xmlns:r="http://schemas.openxmlformats.org/officeDocument/2006/relationships" name="Custom Theme">
+  <a:themeElements>
+    <a:clrScheme name="Default">
+      <a:dk1>
+        <a:srgbClr val="000000"/>
+      </a:dk1>
+      <a:lt1>
+        <a:srgbClr val="FFFFFF"/>
+      </a:lt1>
+      <a:dk2>
+        <a:srgbClr val="158158"/>
+      </a:dk2>
+      <a:lt2>
+        <a:srgbClr val="F3F3F3"/>
+      </a:lt2>
+      <a:accent1>
+        <a:srgbClr val="058DC7"/>
+      </a:accent1>
+      <a:accent2>
+        <a:srgbClr val="50B432"/>
+      </a:accent2>
+      <a:accent3>
+        <a:srgbClr val="ED561B"/>
+      </a:accent3>
+      <a:accent4>
+        <a:srgbClr val="EDEF00"/>
+      </a:accent4>
+      <a:accent5>
+        <a:srgbClr val="24CBE5"/>
+      </a:accent5>
+      <a:accent6>
+        <a:srgbClr val="64E572"/>
+      </a:accent6>
+      <a:hlink>
+        <a:srgbClr val="2200CC"/>
+      </a:hlink>
+      <a:folHlink>
+        <a:srgbClr val="551A8B"/>
+      </a:folHlink>
+    </a:clrScheme>
+    <a:fontScheme name="Office">
+      <a:majorFont>
+        <a:latin typeface="Arial"/>
+        <a:ea typeface=""/>
+        <a:cs typeface=""/>
+        <a:font typeface="ＭＳ Ｐゴシック" script="Jpan"/>
+        <a:font typeface="맑은 고딕" script="Hang"/>
+        <a:font typeface="宋体" script="Hans"/>
+        <a:font typeface="新細明體" script="Hant"/>
+        <a:font typeface="Times New Roman" script="Arab"/>
+        <a:font typeface="Times New Roman" script="Hebr"/>
+        <a:font typeface="Angsana New" script="Thai"/>
+        <a:font typeface="Nyala" script="Ethi"/>
+        <a:font typeface="Vrinda" script="Beng"/>
+        <a:font typeface="Shruti" script="Gujr"/>
+        <a:font typeface="MoolBoran" script="Khmr"/>
+        <a:font typeface="Tunga" script="Knda"/>
+        <a:font typeface="Raavi" script="Guru"/>
+        <a:font typeface="Euphemia" script="Cans"/>
+        <a:font typeface="Plantagenet Cherokee" script="Cher"/>
+        <a:font typeface="Microsoft Yi Baiti" script="Yiii"/>
+        <a:font typeface="Microsoft Himalaya" script="Tibt"/>
+        <a:font typeface="MV Boli" script="Thaa"/>
+        <a:font typeface="Mangal" script="Deva"/>
+        <a:font typeface="Gautami" script="Telu"/>
+        <a:font typeface="Latha" script="Taml"/>
+        <a:font typeface="Estrangelo Edessa" script="Syrc"/>
+        <a:font typeface="Kalinga" script="Orya"/>
+        <a:font typeface="Kartika" script="Mlym"/>
+        <a:font typeface="DokChampa" script="Laoo"/>
+        <a:font typeface="Iskoola Pota" script="Sinh"/>
+        <a:font typeface="Mongolian Baiti" script="Mong"/>
+        <a:font typeface="Times New Roman" script="Viet"/>
+        <a:font typeface="Microsoft Uighur" script="Uigh"/>
+      </a:majorFont>
+      <a:minorFont>
+        <a:latin typeface="Arial"/>
+        <a:ea typeface=""/>
+        <a:cs typeface=""/>
+        <a:font typeface="ＭＳ Ｐゴシック" script="Jpan"/>
+        <a:font typeface="맑은 고딕" script="Hang"/>
+        <a:font typeface="宋体" script="Hans"/>
+        <a:font typeface="新細明體" script="Hant"/>
+        <a:font typeface="Arial" script="Arab"/>
+        <a:font typeface="Arial" script="Hebr"/>
+        <a:font typeface="Cordia New" script="Thai"/>
+        <a:font typeface="Nyala" script="Ethi"/>
+        <a:font typeface="Vrinda" script="Beng"/>
+        <a:font typeface="Shruti" script="Gujr"/>
+        <a:font typeface="DaunPenh" script="Khmr"/>
+        <a:font typeface="Tunga" script="Knda"/>
+        <a:font typeface="Raavi" script="Guru"/>
+        <a:font typeface="Euphemia" script="Cans"/>
+        <a:font typeface="Plantagenet Cherokee" script="Cher"/>
+        <a:font typeface="Microsoft Yi Baiti" script="Yiii"/>
+        <a:font typeface="Microsoft Himalaya" script="Tibt"/>
+        <a:font typeface="MV Boli" script="Thaa"/>
+        <a:font typeface="Mangal" script="Deva"/>
+        <a:font typeface="Gautami" script="Telu"/>
+        <a:font typeface="Latha" script="Taml"/>
+        <a:font typeface="Estrangelo Edessa" script="Syrc"/>
+        <a:font typeface="Kalinga" script="Orya"/>
+        <a:font typeface="Kartika" script="Mlym"/>
+        <a:font typeface="DokChampa" script="Laoo"/>
+        <a:font typeface="Iskoola Pota" script="Sinh"/>
+        <a:font typeface="Mongolian Baiti" script="Mong"/>
+        <a:font typeface="Arial" script="Viet"/>
+        <a:font typeface="Microsoft Uighur" script="Uigh"/>
+      </a:minorFont>
+    </a:fontScheme>
+    <a:fmtScheme name="Office">
+      <a:fillStyleLst>
+        <a:solidFill>
+          <a:schemeClr val="phClr"/>
+        </a:solidFill>
+        <a:gradFill rotWithShape="1">
+          <a:gsLst>
+            <a:gs pos="0">
+              <a:schemeClr val="phClr">
+                <a:tint val="50000"/>
+                <a:satMod val="300000"/>
+              </a:schemeClr>
+            </a:gs>
+            <a:gs pos="35000">
+              <a:schemeClr val="phClr">
+                <a:tint val="37000"/>
+                <a:satMod val="300000"/>
+              </a:schemeClr>
+            </a:gs>
+            <a:gs pos="100000">
+              <a:schemeClr val="phClr">
+                <a:tint val="15000"/>
+                <a:satMod val="350000"/>
+              </a:schemeClr>
+            </a:gs>
+          </a:gsLst>
+          <a:lin ang="16200000" scaled="1"/>
+        </a:gradFill>
+        <a:gradFill rotWithShape="1">
+          <a:gsLst>
+            <a:gs pos="0">
+              <a:schemeClr val="phClr">
+                <a:tint val="100000"/>
+                <a:shade val="100000"/>
+                <a:satMod val="130000"/>
+              </a:schemeClr>
+            </a:gs>
+            <a:gs pos="100000">
+              <a:schemeClr val="phClr">
+                <a:tint val="50000"/>
+                <a:shade val="100000"/>
+                <a:satMod val="350000"/>
+              </a:schemeClr>
+            </a:gs>
+          </a:gsLst>
+          <a:lin ang="16200000" scaled="0"/>
+        </a:gradFill>
+      </a:fillStyleLst>
+      <a:lnStyleLst>
+        <a:ln w="9525" algn="ctr" cap="flat" cmpd="sng">
+          <a:solidFill>
+            <a:schemeClr val="phClr">
+              <a:shade val="95000"/>
+              <a:satMod val="105000"/>
+            </a:schemeClr>
+          </a:solidFill>
+          <a:prstDash val="solid"/>
+        </a:ln>
+        <a:ln w="25400" algn="ctr" cap="flat" cmpd="sng">
+          <a:solidFill>
+            <a:schemeClr val="phClr"/>
+          </a:solidFill>
+          <a:prstDash val="solid"/>
+        </a:ln>
+        <a:ln w="38100" algn="ctr" cap="flat" cmpd="sng">
+          <a:solidFill>
+            <a:schemeClr val="phClr"/>
+          </a:solidFill>
+          <a:prstDash val="solid"/>
+        </a:ln>
+      </a:lnStyleLst>
+      <a:effectStyleLst>
+        <a:effectStyle>
+          <a:effectLst>
+            <a:outerShdw rotWithShape="0" dir="5400000" blurRad="40000" dist="20000">
+              <a:srgbClr val="000000">
+                <a:alpha val="38000"/>
+              </a:srgbClr>
+            </a:outerShdw>
+          </a:effectLst>
+        </a:effectStyle>
+        <a:effectStyle>
+          <a:effectLst>
+            <a:outerShdw rotWithShape="0" dir="5400000" blurRad="40000" dist="23000">
+              <a:srgbClr val="000000">
+                <a:alpha val="35000"/>
+              </a:srgbClr>
+            </a:outerShdw>
+          </a:effectLst>
+        </a:effectStyle>
+        <a:effectStyle>
+          <a:effectLst>
+            <a:outerShdw rotWithShape="0" dir="5400000" blurRad="40000" dist="23000">
+              <a:srgbClr val="000000">
+                <a:alpha val="35000"/>
+              </a:srgbClr>
+            </a:outerShdw>
+          </a:effectLst>
+          <a:scene3d>
+            <a:camera prst="orthographicFront">
+              <a:rot rev="0" lon="0" lat="0"/>
+            </a:camera>
+            <a:lightRig dir="t" rig="threePt">
+              <a:rot rev="1200000" lon="0" lat="0"/>
+            </a:lightRig>
+          </a:scene3d>
+          <a:sp3d>
+            <a:bevelT w="63500" h="25400"/>
+          </a:sp3d>
+        </a:effectStyle>
+      </a:effectStyleLst>
+      <a:bgFillStyleLst>
+        <a:solidFill>
+          <a:schemeClr val="phClr"/>
+        </a:solidFill>
+        <a:gradFill rotWithShape="1">
+          <a:gsLst>
+            <a:gs pos="0">
+              <a:schemeClr val="phClr">
+                <a:tint val="40000"/>
+                <a:satMod val="350000"/>
+              </a:schemeClr>
+            </a:gs>
+            <a:gs pos="40000">
+              <a:schemeClr val="phClr">
+                <a:tint val="45000"/>
+                <a:shade val="99000"/>
+                <a:satMod val="350000"/>
+              </a:schemeClr>
+            </a:gs>
+            <a:gs pos="100000">
+              <a:schemeClr val="phClr">
+                <a:shade val="20000"/>
+                <a:satMod val="255000"/>
+              </a:schemeClr>
+            </a:gs>
+          </a:gsLst>
+          <a:path path="circle">
+            <a:fillToRect t="-80000" b="180000" r="50000" l="50000"/>
+          </a:path>
+        </a:gradFill>
+        <a:gradFill rotWithShape="1">
+          <a:gsLst>
+            <a:gs pos="0">
+              <a:schemeClr val="phClr">
+                <a:tint val="80000"/>
+                <a:satMod val="300000"/>
+              </a:schemeClr>
+            </a:gs>
+            <a:gs pos="100000">
+              <a:schemeClr val="phClr">
+                <a:shade val="30000"/>
+                <a:satMod val="200000"/>
+              </a:schemeClr>
+            </a:gs>
+          </a:gsLst>
+          <a:path path="circle">
+            <a:fillToRect t="50000" b="50000" r="50000" l="50000"/>
+          </a:path>
+        </a:gradFill>
+      </a:bgFillStyleLst>
+    </a:fmtScheme>
+  </a:themeElements>
+</a:theme>
+</file>
+
+<file path=ppt/theme/theme3.xml><?xml version="1.0" encoding="utf-8"?>
 <a:theme xmlns:a="http://schemas.openxmlformats.org/drawingml/2006/main" xmlns:r="http://schemas.openxmlformats.org/officeDocument/2006/relationships" name="Office Theme">
   <a:themeElements>
     <a:clrScheme name="Office">
@@ -6477,558 +11167,4 @@
   </a:objectDefaults>
   <a:extraClrSchemeLst/>
 </a:theme>
-</file>
-
-<file path=ppt/theme/theme2.xml><?xml version="1.0" encoding="utf-8"?>
-<a:theme xmlns:a="http://schemas.openxmlformats.org/drawingml/2006/main" xmlns:r="http://schemas.openxmlformats.org/officeDocument/2006/relationships" name="simple-light">
-  <a:themeElements>
-    <a:clrScheme name="Custom 347">
-      <a:dk1>
-        <a:srgbClr val="000000"/>
-      </a:dk1>
-      <a:lt1>
-        <a:srgbClr val="FFFFFF"/>
-      </a:lt1>
-      <a:dk2>
-        <a:srgbClr val="666666"/>
-      </a:dk2>
-      <a:lt2>
-        <a:srgbClr val="CCCCCC"/>
-      </a:lt2>
-      <a:accent1>
-        <a:srgbClr val="3A81BA"/>
-      </a:accent1>
-      <a:accent2>
-        <a:srgbClr val="D89F39"/>
-      </a:accent2>
-      <a:accent3>
-        <a:srgbClr val="8BAB42"/>
-      </a:accent3>
-      <a:accent4>
-        <a:srgbClr val="57A7B5"/>
-      </a:accent4>
-      <a:accent5>
-        <a:srgbClr val="8B81D2"/>
-      </a:accent5>
-      <a:accent6>
-        <a:srgbClr val="963334"/>
-      </a:accent6>
-      <a:hlink>
-        <a:srgbClr val="1155CC"/>
-      </a:hlink>
-      <a:folHlink>
-        <a:srgbClr val="6611CC"/>
-      </a:folHlink>
-    </a:clrScheme>
-    <a:fontScheme name="Office">
-      <a:majorFont>
-        <a:latin typeface="Arial"/>
-        <a:ea typeface=""/>
-        <a:cs typeface=""/>
-        <a:font typeface="ＭＳ Ｐゴシック" script="Jpan"/>
-        <a:font typeface="맑은 고딕" script="Hang"/>
-        <a:font typeface="宋体" script="Hans"/>
-        <a:font typeface="新細明體" script="Hant"/>
-        <a:font typeface="Times New Roman" script="Arab"/>
-        <a:font typeface="Times New Roman" script="Hebr"/>
-        <a:font typeface="Angsana New" script="Thai"/>
-        <a:font typeface="Nyala" script="Ethi"/>
-        <a:font typeface="Vrinda" script="Beng"/>
-        <a:font typeface="Shruti" script="Gujr"/>
-        <a:font typeface="MoolBoran" script="Khmr"/>
-        <a:font typeface="Tunga" script="Knda"/>
-        <a:font typeface="Raavi" script="Guru"/>
-        <a:font typeface="Euphemia" script="Cans"/>
-        <a:font typeface="Plantagenet Cherokee" script="Cher"/>
-        <a:font typeface="Microsoft Yi Baiti" script="Yiii"/>
-        <a:font typeface="Microsoft Himalaya" script="Tibt"/>
-        <a:font typeface="MV Boli" script="Thaa"/>
-        <a:font typeface="Mangal" script="Deva"/>
-        <a:font typeface="Gautami" script="Telu"/>
-        <a:font typeface="Latha" script="Taml"/>
-        <a:font typeface="Estrangelo Edessa" script="Syrc"/>
-        <a:font typeface="Kalinga" script="Orya"/>
-        <a:font typeface="Kartika" script="Mlym"/>
-        <a:font typeface="DokChampa" script="Laoo"/>
-        <a:font typeface="Iskoola Pota" script="Sinh"/>
-        <a:font typeface="Mongolian Baiti" script="Mong"/>
-        <a:font typeface="Times New Roman" script="Viet"/>
-        <a:font typeface="Microsoft Uighur" script="Uigh"/>
-      </a:majorFont>
-      <a:minorFont>
-        <a:latin typeface="Arial"/>
-        <a:ea typeface=""/>
-        <a:cs typeface=""/>
-        <a:font typeface="ＭＳ Ｐゴシック" script="Jpan"/>
-        <a:font typeface="맑은 고딕" script="Hang"/>
-        <a:font typeface="宋体" script="Hans"/>
-        <a:font typeface="新細明體" script="Hant"/>
-        <a:font typeface="Arial" script="Arab"/>
-        <a:font typeface="Arial" script="Hebr"/>
-        <a:font typeface="Cordia New" script="Thai"/>
-        <a:font typeface="Nyala" script="Ethi"/>
-        <a:font typeface="Vrinda" script="Beng"/>
-        <a:font typeface="Shruti" script="Gujr"/>
-        <a:font typeface="DaunPenh" script="Khmr"/>
-        <a:font typeface="Tunga" script="Knda"/>
-        <a:font typeface="Raavi" script="Guru"/>
-        <a:font typeface="Euphemia" script="Cans"/>
-        <a:font typeface="Plantagenet Cherokee" script="Cher"/>
-        <a:font typeface="Microsoft Yi Baiti" script="Yiii"/>
-        <a:font typeface="Microsoft Himalaya" script="Tibt"/>
-        <a:font typeface="MV Boli" script="Thaa"/>
-        <a:font typeface="Mangal" script="Deva"/>
-        <a:font typeface="Gautami" script="Telu"/>
-        <a:font typeface="Latha" script="Taml"/>
-        <a:font typeface="Estrangelo Edessa" script="Syrc"/>
-        <a:font typeface="Kalinga" script="Orya"/>
-        <a:font typeface="Kartika" script="Mlym"/>
-        <a:font typeface="DokChampa" script="Laoo"/>
-        <a:font typeface="Iskoola Pota" script="Sinh"/>
-        <a:font typeface="Mongolian Baiti" script="Mong"/>
-        <a:font typeface="Arial" script="Viet"/>
-        <a:font typeface="Microsoft Uighur" script="Uigh"/>
-      </a:minorFont>
-    </a:fontScheme>
-    <a:fmtScheme name="Office">
-      <a:fillStyleLst>
-        <a:solidFill>
-          <a:schemeClr val="phClr"/>
-        </a:solidFill>
-        <a:gradFill rotWithShape="1">
-          <a:gsLst>
-            <a:gs pos="0">
-              <a:schemeClr val="phClr">
-                <a:tint val="50000"/>
-                <a:satMod val="300000"/>
-              </a:schemeClr>
-            </a:gs>
-            <a:gs pos="35000">
-              <a:schemeClr val="phClr">
-                <a:tint val="37000"/>
-                <a:satMod val="300000"/>
-              </a:schemeClr>
-            </a:gs>
-            <a:gs pos="100000">
-              <a:schemeClr val="phClr">
-                <a:tint val="15000"/>
-                <a:satMod val="350000"/>
-              </a:schemeClr>
-            </a:gs>
-          </a:gsLst>
-          <a:lin ang="16200000" scaled="1"/>
-        </a:gradFill>
-        <a:gradFill rotWithShape="1">
-          <a:gsLst>
-            <a:gs pos="0">
-              <a:schemeClr val="phClr">
-                <a:tint val="100000"/>
-                <a:shade val="100000"/>
-                <a:satMod val="130000"/>
-              </a:schemeClr>
-            </a:gs>
-            <a:gs pos="100000">
-              <a:schemeClr val="phClr">
-                <a:tint val="50000"/>
-                <a:shade val="100000"/>
-                <a:satMod val="350000"/>
-              </a:schemeClr>
-            </a:gs>
-          </a:gsLst>
-          <a:lin ang="16200000" scaled="0"/>
-        </a:gradFill>
-      </a:fillStyleLst>
-      <a:lnStyleLst>
-        <a:ln w="9525" algn="ctr" cap="flat" cmpd="sng">
-          <a:solidFill>
-            <a:schemeClr val="phClr">
-              <a:shade val="95000"/>
-              <a:satMod val="105000"/>
-            </a:schemeClr>
-          </a:solidFill>
-          <a:prstDash val="solid"/>
-        </a:ln>
-        <a:ln w="25400" algn="ctr" cap="flat" cmpd="sng">
-          <a:solidFill>
-            <a:schemeClr val="phClr"/>
-          </a:solidFill>
-          <a:prstDash val="solid"/>
-        </a:ln>
-        <a:ln w="38100" algn="ctr" cap="flat" cmpd="sng">
-          <a:solidFill>
-            <a:schemeClr val="phClr"/>
-          </a:solidFill>
-          <a:prstDash val="solid"/>
-        </a:ln>
-      </a:lnStyleLst>
-      <a:effectStyleLst>
-        <a:effectStyle>
-          <a:effectLst>
-            <a:outerShdw rotWithShape="0" dir="5400000" blurRad="40000" dist="20000">
-              <a:srgbClr val="000000">
-                <a:alpha val="38000"/>
-              </a:srgbClr>
-            </a:outerShdw>
-          </a:effectLst>
-        </a:effectStyle>
-        <a:effectStyle>
-          <a:effectLst>
-            <a:outerShdw rotWithShape="0" dir="5400000" blurRad="40000" dist="23000">
-              <a:srgbClr val="000000">
-                <a:alpha val="35000"/>
-              </a:srgbClr>
-            </a:outerShdw>
-          </a:effectLst>
-        </a:effectStyle>
-        <a:effectStyle>
-          <a:effectLst>
-            <a:outerShdw rotWithShape="0" dir="5400000" blurRad="40000" dist="23000">
-              <a:srgbClr val="000000">
-                <a:alpha val="35000"/>
-              </a:srgbClr>
-            </a:outerShdw>
-          </a:effectLst>
-          <a:scene3d>
-            <a:camera prst="orthographicFront">
-              <a:rot rev="0" lon="0" lat="0"/>
-            </a:camera>
-            <a:lightRig dir="t" rig="threePt">
-              <a:rot rev="1200000" lon="0" lat="0"/>
-            </a:lightRig>
-          </a:scene3d>
-          <a:sp3d>
-            <a:bevelT w="63500" h="25400"/>
-          </a:sp3d>
-        </a:effectStyle>
-      </a:effectStyleLst>
-      <a:bgFillStyleLst>
-        <a:solidFill>
-          <a:schemeClr val="phClr"/>
-        </a:solidFill>
-        <a:gradFill rotWithShape="1">
-          <a:gsLst>
-            <a:gs pos="0">
-              <a:schemeClr val="phClr">
-                <a:tint val="40000"/>
-                <a:satMod val="350000"/>
-              </a:schemeClr>
-            </a:gs>
-            <a:gs pos="40000">
-              <a:schemeClr val="phClr">
-                <a:tint val="45000"/>
-                <a:shade val="99000"/>
-                <a:satMod val="350000"/>
-              </a:schemeClr>
-            </a:gs>
-            <a:gs pos="100000">
-              <a:schemeClr val="phClr">
-                <a:shade val="20000"/>
-                <a:satMod val="255000"/>
-              </a:schemeClr>
-            </a:gs>
-          </a:gsLst>
-          <a:path path="circle">
-            <a:fillToRect t="-80000" b="180000" r="50000" l="50000"/>
-          </a:path>
-        </a:gradFill>
-        <a:gradFill rotWithShape="1">
-          <a:gsLst>
-            <a:gs pos="0">
-              <a:schemeClr val="phClr">
-                <a:tint val="80000"/>
-                <a:satMod val="300000"/>
-              </a:schemeClr>
-            </a:gs>
-            <a:gs pos="100000">
-              <a:schemeClr val="phClr">
-                <a:shade val="30000"/>
-                <a:satMod val="200000"/>
-              </a:schemeClr>
-            </a:gs>
-          </a:gsLst>
-          <a:path path="circle">
-            <a:fillToRect t="50000" b="50000" r="50000" l="50000"/>
-          </a:path>
-        </a:gradFill>
-      </a:bgFillStyleLst>
-    </a:fmtScheme>
-  </a:themeElements>
-</a:theme>
-</file>
-
-<file path=ppt/theme/theme3.xml><?xml version="1.0" encoding="utf-8"?>
-<a:theme xmlns:a="http://schemas.openxmlformats.org/drawingml/2006/main" xmlns:r="http://schemas.openxmlformats.org/officeDocument/2006/relationships" name="Custom Theme">
-  <a:themeElements>
-    <a:clrScheme name="Default">
-      <a:dk1>
-        <a:srgbClr val="000000"/>
-      </a:dk1>
-      <a:lt1>
-        <a:srgbClr val="FFFFFF"/>
-      </a:lt1>
-      <a:dk2>
-        <a:srgbClr val="158158"/>
-      </a:dk2>
-      <a:lt2>
-        <a:srgbClr val="F3F3F3"/>
-      </a:lt2>
-      <a:accent1>
-        <a:srgbClr val="058DC7"/>
-      </a:accent1>
-      <a:accent2>
-        <a:srgbClr val="50B432"/>
-      </a:accent2>
-      <a:accent3>
-        <a:srgbClr val="ED561B"/>
-      </a:accent3>
-      <a:accent4>
-        <a:srgbClr val="EDEF00"/>
-      </a:accent4>
-      <a:accent5>
-        <a:srgbClr val="24CBE5"/>
-      </a:accent5>
-      <a:accent6>
-        <a:srgbClr val="64E572"/>
-      </a:accent6>
-      <a:hlink>
-        <a:srgbClr val="2200CC"/>
-      </a:hlink>
-      <a:folHlink>
-        <a:srgbClr val="551A8B"/>
-      </a:folHlink>
-    </a:clrScheme>
-    <a:fontScheme name="Office">
-      <a:majorFont>
-        <a:latin typeface="Arial"/>
-        <a:ea typeface=""/>
-        <a:cs typeface=""/>
-        <a:font typeface="ＭＳ Ｐゴシック" script="Jpan"/>
-        <a:font typeface="맑은 고딕" script="Hang"/>
-        <a:font typeface="宋体" script="Hans"/>
-        <a:font typeface="新細明體" script="Hant"/>
-        <a:font typeface="Times New Roman" script="Arab"/>
-        <a:font typeface="Times New Roman" script="Hebr"/>
-        <a:font typeface="Angsana New" script="Thai"/>
-        <a:font typeface="Nyala" script="Ethi"/>
-        <a:font typeface="Vrinda" script="Beng"/>
-        <a:font typeface="Shruti" script="Gujr"/>
-        <a:font typeface="MoolBoran" script="Khmr"/>
-        <a:font typeface="Tunga" script="Knda"/>
-        <a:font typeface="Raavi" script="Guru"/>
-        <a:font typeface="Euphemia" script="Cans"/>
-        <a:font typeface="Plantagenet Cherokee" script="Cher"/>
-        <a:font typeface="Microsoft Yi Baiti" script="Yiii"/>
-        <a:font typeface="Microsoft Himalaya" script="Tibt"/>
-        <a:font typeface="MV Boli" script="Thaa"/>
-        <a:font typeface="Mangal" script="Deva"/>
-        <a:font typeface="Gautami" script="Telu"/>
-        <a:font typeface="Latha" script="Taml"/>
-        <a:font typeface="Estrangelo Edessa" script="Syrc"/>
-        <a:font typeface="Kalinga" script="Orya"/>
-        <a:font typeface="Kartika" script="Mlym"/>
-        <a:font typeface="DokChampa" script="Laoo"/>
-        <a:font typeface="Iskoola Pota" script="Sinh"/>
-        <a:font typeface="Mongolian Baiti" script="Mong"/>
-        <a:font typeface="Times New Roman" script="Viet"/>
-        <a:font typeface="Microsoft Uighur" script="Uigh"/>
-      </a:majorFont>
-      <a:minorFont>
-        <a:latin typeface="Arial"/>
-        <a:ea typeface=""/>
-        <a:cs typeface=""/>
-        <a:font typeface="ＭＳ Ｐゴシック" script="Jpan"/>
-        <a:font typeface="맑은 고딕" script="Hang"/>
-        <a:font typeface="宋体" script="Hans"/>
-        <a:font typeface="新細明體" script="Hant"/>
-        <a:font typeface="Arial" script="Arab"/>
-        <a:font typeface="Arial" script="Hebr"/>
-        <a:font typeface="Cordia New" script="Thai"/>
-        <a:font typeface="Nyala" script="Ethi"/>
-        <a:font typeface="Vrinda" script="Beng"/>
-        <a:font typeface="Shruti" script="Gujr"/>
-        <a:font typeface="DaunPenh" script="Khmr"/>
-        <a:font typeface="Tunga" script="Knda"/>
-        <a:font typeface="Raavi" script="Guru"/>
-        <a:font typeface="Euphemia" script="Cans"/>
-        <a:font typeface="Plantagenet Cherokee" script="Cher"/>
-        <a:font typeface="Microsoft Yi Baiti" script="Yiii"/>
-        <a:font typeface="Microsoft Himalaya" script="Tibt"/>
-        <a:font typeface="MV Boli" script="Thaa"/>
-        <a:font typeface="Mangal" script="Deva"/>
-        <a:font typeface="Gautami" script="Telu"/>
-        <a:font typeface="Latha" script="Taml"/>
-        <a:font typeface="Estrangelo Edessa" script="Syrc"/>
-        <a:font typeface="Kalinga" script="Orya"/>
-        <a:font typeface="Kartika" script="Mlym"/>
-        <a:font typeface="DokChampa" script="Laoo"/>
-        <a:font typeface="Iskoola Pota" script="Sinh"/>
-        <a:font typeface="Mongolian Baiti" script="Mong"/>
-        <a:font typeface="Arial" script="Viet"/>
-        <a:font typeface="Microsoft Uighur" script="Uigh"/>
-      </a:minorFont>
-    </a:fontScheme>
-    <a:fmtScheme name="Office">
-      <a:fillStyleLst>
-        <a:solidFill>
-          <a:schemeClr val="phClr"/>
-        </a:solidFill>
-        <a:gradFill rotWithShape="1">
-          <a:gsLst>
-            <a:gs pos="0">
-              <a:schemeClr val="phClr">
-                <a:tint val="50000"/>
-                <a:satMod val="300000"/>
-              </a:schemeClr>
-            </a:gs>
-            <a:gs pos="35000">
-              <a:schemeClr val="phClr">
-                <a:tint val="37000"/>
-                <a:satMod val="300000"/>
-              </a:schemeClr>
-            </a:gs>
-            <a:gs pos="100000">
-              <a:schemeClr val="phClr">
-                <a:tint val="15000"/>
-                <a:satMod val="350000"/>
-              </a:schemeClr>
-            </a:gs>
-          </a:gsLst>
-          <a:lin ang="16200000" scaled="1"/>
-        </a:gradFill>
-        <a:gradFill rotWithShape="1">
-          <a:gsLst>
-            <a:gs pos="0">
-              <a:schemeClr val="phClr">
-                <a:tint val="100000"/>
-                <a:shade val="100000"/>
-                <a:satMod val="130000"/>
-              </a:schemeClr>
-            </a:gs>
-            <a:gs pos="100000">
-              <a:schemeClr val="phClr">
-                <a:tint val="50000"/>
-                <a:shade val="100000"/>
-                <a:satMod val="350000"/>
-              </a:schemeClr>
-            </a:gs>
-          </a:gsLst>
-          <a:lin ang="16200000" scaled="0"/>
-        </a:gradFill>
-      </a:fillStyleLst>
-      <a:lnStyleLst>
-        <a:ln w="9525" algn="ctr" cap="flat" cmpd="sng">
-          <a:solidFill>
-            <a:schemeClr val="phClr">
-              <a:shade val="95000"/>
-              <a:satMod val="105000"/>
-            </a:schemeClr>
-          </a:solidFill>
-          <a:prstDash val="solid"/>
-        </a:ln>
-        <a:ln w="25400" algn="ctr" cap="flat" cmpd="sng">
-          <a:solidFill>
-            <a:schemeClr val="phClr"/>
-          </a:solidFill>
-          <a:prstDash val="solid"/>
-        </a:ln>
-        <a:ln w="38100" algn="ctr" cap="flat" cmpd="sng">
-          <a:solidFill>
-            <a:schemeClr val="phClr"/>
-          </a:solidFill>
-          <a:prstDash val="solid"/>
-        </a:ln>
-      </a:lnStyleLst>
-      <a:effectStyleLst>
-        <a:effectStyle>
-          <a:effectLst>
-            <a:outerShdw rotWithShape="0" dir="5400000" blurRad="40000" dist="20000">
-              <a:srgbClr val="000000">
-                <a:alpha val="38000"/>
-              </a:srgbClr>
-            </a:outerShdw>
-          </a:effectLst>
-        </a:effectStyle>
-        <a:effectStyle>
-          <a:effectLst>
-            <a:outerShdw rotWithShape="0" dir="5400000" blurRad="40000" dist="23000">
-              <a:srgbClr val="000000">
-                <a:alpha val="35000"/>
-              </a:srgbClr>
-            </a:outerShdw>
-          </a:effectLst>
-        </a:effectStyle>
-        <a:effectStyle>
-          <a:effectLst>
-            <a:outerShdw rotWithShape="0" dir="5400000" blurRad="40000" dist="23000">
-              <a:srgbClr val="000000">
-                <a:alpha val="35000"/>
-              </a:srgbClr>
-            </a:outerShdw>
-          </a:effectLst>
-          <a:scene3d>
-            <a:camera prst="orthographicFront">
-              <a:rot rev="0" lon="0" lat="0"/>
-            </a:camera>
-            <a:lightRig dir="t" rig="threePt">
-              <a:rot rev="1200000" lon="0" lat="0"/>
-            </a:lightRig>
-          </a:scene3d>
-          <a:sp3d>
-            <a:bevelT w="63500" h="25400"/>
-          </a:sp3d>
-        </a:effectStyle>
-      </a:effectStyleLst>
-      <a:bgFillStyleLst>
-        <a:solidFill>
-          <a:schemeClr val="phClr"/>
-        </a:solidFill>
-        <a:gradFill rotWithShape="1">
-          <a:gsLst>
-            <a:gs pos="0">
-              <a:schemeClr val="phClr">
-                <a:tint val="40000"/>
-                <a:satMod val="350000"/>
-              </a:schemeClr>
-            </a:gs>
-            <a:gs pos="40000">
-              <a:schemeClr val="phClr">
-                <a:tint val="45000"/>
-                <a:shade val="99000"/>
-                <a:satMod val="350000"/>
-              </a:schemeClr>
-            </a:gs>
-            <a:gs pos="100000">
-              <a:schemeClr val="phClr">
-                <a:shade val="20000"/>
-                <a:satMod val="255000"/>
-              </a:schemeClr>
-            </a:gs>
-          </a:gsLst>
-          <a:path path="circle">
-            <a:fillToRect t="-80000" b="180000" r="50000" l="50000"/>
-          </a:path>
-        </a:gradFill>
-        <a:gradFill rotWithShape="1">
-          <a:gsLst>
-            <a:gs pos="0">
-              <a:schemeClr val="phClr">
-                <a:tint val="80000"/>
-                <a:satMod val="300000"/>
-              </a:schemeClr>
-            </a:gs>
-            <a:gs pos="100000">
-              <a:schemeClr val="phClr">
-                <a:shade val="30000"/>
-                <a:satMod val="200000"/>
-              </a:schemeClr>
-            </a:gs>
-          </a:gsLst>
-          <a:path path="circle">
-            <a:fillToRect t="50000" b="50000" r="50000" l="50000"/>
-          </a:path>
-        </a:gradFill>
-      </a:bgFillStyleLst>
-    </a:fmtScheme>
-  </a:themeElements>
-</a:theme>
 </file>